--- a/Lecture3.pptx
+++ b/Lecture3.pptx
@@ -4,6 +4,9 @@
   <p:sldMasterIdLst>
     <p:sldMasterId id="2147483648" r:id="rId1"/>
   </p:sldMasterIdLst>
+  <p:notesMasterIdLst>
+    <p:notesMasterId r:id="rId44"/>
+  </p:notesMasterIdLst>
   <p:sldIdLst>
     <p:sldId id="256" r:id="rId2"/>
     <p:sldId id="259" r:id="rId3"/>
@@ -164,6 +167,1472 @@
 </p:presentation>
 </file>
 
+<file path=ppt/notesMasters/notesMaster1.xml><?xml version="1.0" encoding="utf-8"?>
+<p:notesMaster xmlns:a="http://schemas.openxmlformats.org/drawingml/2006/main" xmlns:r="http://schemas.openxmlformats.org/officeDocument/2006/relationships" xmlns:p="http://schemas.openxmlformats.org/presentationml/2006/main">
+  <p:cSld>
+    <p:bg>
+      <p:bgRef idx="1001">
+        <a:schemeClr val="bg1"/>
+      </p:bgRef>
+    </p:bg>
+    <p:spTree>
+      <p:nvGrpSpPr>
+        <p:cNvPr id="1" name=""/>
+        <p:cNvGrpSpPr/>
+        <p:nvPr/>
+      </p:nvGrpSpPr>
+      <p:grpSpPr>
+        <a:xfrm>
+          <a:off x="0" y="0"/>
+          <a:ext cx="0" cy="0"/>
+          <a:chOff x="0" y="0"/>
+          <a:chExt cx="0" cy="0"/>
+        </a:xfrm>
+      </p:grpSpPr>
+      <p:sp>
+        <p:nvSpPr>
+          <p:cNvPr id="2" name="머리글 개체 틀 1"/>
+          <p:cNvSpPr>
+            <a:spLocks noGrp="1"/>
+          </p:cNvSpPr>
+          <p:nvPr>
+            <p:ph type="hdr" sz="quarter"/>
+          </p:nvPr>
+        </p:nvSpPr>
+        <p:spPr>
+          <a:xfrm>
+            <a:off x="0" y="0"/>
+            <a:ext cx="2971800" cy="458788"/>
+          </a:xfrm>
+          <a:prstGeom prst="rect">
+            <a:avLst/>
+          </a:prstGeom>
+        </p:spPr>
+        <p:txBody>
+          <a:bodyPr vert="horz" lIns="91440" tIns="45720" rIns="91440" bIns="45720" rtlCol="0"/>
+          <a:lstStyle>
+            <a:lvl1pPr algn="l">
+              <a:defRPr sz="1200"/>
+            </a:lvl1pPr>
+          </a:lstStyle>
+          <a:p>
+            <a:endParaRPr lang="ko-KR" altLang="en-US"/>
+          </a:p>
+        </p:txBody>
+      </p:sp>
+      <p:sp>
+        <p:nvSpPr>
+          <p:cNvPr id="3" name="날짜 개체 틀 2"/>
+          <p:cNvSpPr>
+            <a:spLocks noGrp="1"/>
+          </p:cNvSpPr>
+          <p:nvPr>
+            <p:ph type="dt" idx="1"/>
+          </p:nvPr>
+        </p:nvSpPr>
+        <p:spPr>
+          <a:xfrm>
+            <a:off x="3884613" y="0"/>
+            <a:ext cx="2971800" cy="458788"/>
+          </a:xfrm>
+          <a:prstGeom prst="rect">
+            <a:avLst/>
+          </a:prstGeom>
+        </p:spPr>
+        <p:txBody>
+          <a:bodyPr vert="horz" lIns="91440" tIns="45720" rIns="91440" bIns="45720" rtlCol="0"/>
+          <a:lstStyle>
+            <a:lvl1pPr algn="r">
+              <a:defRPr sz="1200"/>
+            </a:lvl1pPr>
+          </a:lstStyle>
+          <a:p>
+            <a:fld id="{6669874C-BB35-4E80-991F-DCB5715E8398}" type="datetimeFigureOut">
+              <a:rPr lang="ko-KR" altLang="en-US" smtClean="0"/>
+              <a:t>2019-03-25</a:t>
+            </a:fld>
+            <a:endParaRPr lang="ko-KR" altLang="en-US"/>
+          </a:p>
+        </p:txBody>
+      </p:sp>
+      <p:sp>
+        <p:nvSpPr>
+          <p:cNvPr id="4" name="슬라이드 이미지 개체 틀 3"/>
+          <p:cNvSpPr>
+            <a:spLocks noGrp="1" noRot="1" noChangeAspect="1"/>
+          </p:cNvSpPr>
+          <p:nvPr>
+            <p:ph type="sldImg" idx="2"/>
+          </p:nvPr>
+        </p:nvSpPr>
+        <p:spPr>
+          <a:xfrm>
+            <a:off x="1371600" y="1143000"/>
+            <a:ext cx="4114800" cy="3086100"/>
+          </a:xfrm>
+          <a:prstGeom prst="rect">
+            <a:avLst/>
+          </a:prstGeom>
+          <a:noFill/>
+          <a:ln w="12700">
+            <a:solidFill>
+              <a:prstClr val="black"/>
+            </a:solidFill>
+          </a:ln>
+        </p:spPr>
+        <p:txBody>
+          <a:bodyPr vert="horz" lIns="91440" tIns="45720" rIns="91440" bIns="45720" rtlCol="0" anchor="ctr"/>
+          <a:lstStyle/>
+          <a:p>
+            <a:endParaRPr lang="ko-KR" altLang="en-US"/>
+          </a:p>
+        </p:txBody>
+      </p:sp>
+      <p:sp>
+        <p:nvSpPr>
+          <p:cNvPr id="5" name="슬라이드 노트 개체 틀 4"/>
+          <p:cNvSpPr>
+            <a:spLocks noGrp="1"/>
+          </p:cNvSpPr>
+          <p:nvPr>
+            <p:ph type="body" sz="quarter" idx="3"/>
+          </p:nvPr>
+        </p:nvSpPr>
+        <p:spPr>
+          <a:xfrm>
+            <a:off x="685800" y="4400550"/>
+            <a:ext cx="5486400" cy="3600450"/>
+          </a:xfrm>
+          <a:prstGeom prst="rect">
+            <a:avLst/>
+          </a:prstGeom>
+        </p:spPr>
+        <p:txBody>
+          <a:bodyPr vert="horz" lIns="91440" tIns="45720" rIns="91440" bIns="45720" rtlCol="0"/>
+          <a:lstStyle/>
+          <a:p>
+            <a:pPr lvl="0"/>
+            <a:r>
+              <a:rPr lang="ko-KR" altLang="en-US"/>
+              <a:t>마스터 텍스트 스타일을 편집하려면 클릭</a:t>
+            </a:r>
+          </a:p>
+          <a:p>
+            <a:pPr lvl="1"/>
+            <a:r>
+              <a:rPr lang="ko-KR" altLang="en-US"/>
+              <a:t>두 번째 수준</a:t>
+            </a:r>
+          </a:p>
+          <a:p>
+            <a:pPr lvl="2"/>
+            <a:r>
+              <a:rPr lang="ko-KR" altLang="en-US"/>
+              <a:t>세 번째 수준</a:t>
+            </a:r>
+          </a:p>
+          <a:p>
+            <a:pPr lvl="3"/>
+            <a:r>
+              <a:rPr lang="ko-KR" altLang="en-US"/>
+              <a:t>네 번째 수준</a:t>
+            </a:r>
+          </a:p>
+          <a:p>
+            <a:pPr lvl="4"/>
+            <a:r>
+              <a:rPr lang="ko-KR" altLang="en-US"/>
+              <a:t>다섯 번째 수준</a:t>
+            </a:r>
+          </a:p>
+        </p:txBody>
+      </p:sp>
+      <p:sp>
+        <p:nvSpPr>
+          <p:cNvPr id="6" name="바닥글 개체 틀 5"/>
+          <p:cNvSpPr>
+            <a:spLocks noGrp="1"/>
+          </p:cNvSpPr>
+          <p:nvPr>
+            <p:ph type="ftr" sz="quarter" idx="4"/>
+          </p:nvPr>
+        </p:nvSpPr>
+        <p:spPr>
+          <a:xfrm>
+            <a:off x="0" y="8685213"/>
+            <a:ext cx="2971800" cy="458787"/>
+          </a:xfrm>
+          <a:prstGeom prst="rect">
+            <a:avLst/>
+          </a:prstGeom>
+        </p:spPr>
+        <p:txBody>
+          <a:bodyPr vert="horz" lIns="91440" tIns="45720" rIns="91440" bIns="45720" rtlCol="0" anchor="b"/>
+          <a:lstStyle>
+            <a:lvl1pPr algn="l">
+              <a:defRPr sz="1200"/>
+            </a:lvl1pPr>
+          </a:lstStyle>
+          <a:p>
+            <a:endParaRPr lang="ko-KR" altLang="en-US"/>
+          </a:p>
+        </p:txBody>
+      </p:sp>
+      <p:sp>
+        <p:nvSpPr>
+          <p:cNvPr id="7" name="슬라이드 번호 개체 틀 6"/>
+          <p:cNvSpPr>
+            <a:spLocks noGrp="1"/>
+          </p:cNvSpPr>
+          <p:nvPr>
+            <p:ph type="sldNum" sz="quarter" idx="5"/>
+          </p:nvPr>
+        </p:nvSpPr>
+        <p:spPr>
+          <a:xfrm>
+            <a:off x="3884613" y="8685213"/>
+            <a:ext cx="2971800" cy="458787"/>
+          </a:xfrm>
+          <a:prstGeom prst="rect">
+            <a:avLst/>
+          </a:prstGeom>
+        </p:spPr>
+        <p:txBody>
+          <a:bodyPr vert="horz" lIns="91440" tIns="45720" rIns="91440" bIns="45720" rtlCol="0" anchor="b"/>
+          <a:lstStyle>
+            <a:lvl1pPr algn="r">
+              <a:defRPr sz="1200"/>
+            </a:lvl1pPr>
+          </a:lstStyle>
+          <a:p>
+            <a:fld id="{7294ED82-511F-4E44-A98F-B1F8ED3F8FA0}" type="slidenum">
+              <a:rPr lang="ko-KR" altLang="en-US" smtClean="0"/>
+              <a:t>‹#›</a:t>
+            </a:fld>
+            <a:endParaRPr lang="ko-KR" altLang="en-US"/>
+          </a:p>
+        </p:txBody>
+      </p:sp>
+    </p:spTree>
+    <p:extLst>
+      <p:ext uri="{BB962C8B-B14F-4D97-AF65-F5344CB8AC3E}">
+        <p14:creationId xmlns:p14="http://schemas.microsoft.com/office/powerpoint/2010/main" val="1651921474"/>
+      </p:ext>
+    </p:extLst>
+  </p:cSld>
+  <p:clrMap bg1="lt1" tx1="dk1" bg2="lt2" tx2="dk2" accent1="accent1" accent2="accent2" accent3="accent3" accent4="accent4" accent5="accent5" accent6="accent6" hlink="hlink" folHlink="folHlink"/>
+  <p:notesStyle>
+    <a:lvl1pPr marL="0" algn="l" defTabSz="914400" rtl="0" eaLnBrk="1" latinLnBrk="1" hangingPunct="1">
+      <a:defRPr sz="1200" kern="1200">
+        <a:solidFill>
+          <a:schemeClr val="tx1"/>
+        </a:solidFill>
+        <a:latin typeface="+mn-lt"/>
+        <a:ea typeface="+mn-ea"/>
+        <a:cs typeface="+mn-cs"/>
+      </a:defRPr>
+    </a:lvl1pPr>
+    <a:lvl2pPr marL="457200" algn="l" defTabSz="914400" rtl="0" eaLnBrk="1" latinLnBrk="1" hangingPunct="1">
+      <a:defRPr sz="1200" kern="1200">
+        <a:solidFill>
+          <a:schemeClr val="tx1"/>
+        </a:solidFill>
+        <a:latin typeface="+mn-lt"/>
+        <a:ea typeface="+mn-ea"/>
+        <a:cs typeface="+mn-cs"/>
+      </a:defRPr>
+    </a:lvl2pPr>
+    <a:lvl3pPr marL="914400" algn="l" defTabSz="914400" rtl="0" eaLnBrk="1" latinLnBrk="1" hangingPunct="1">
+      <a:defRPr sz="1200" kern="1200">
+        <a:solidFill>
+          <a:schemeClr val="tx1"/>
+        </a:solidFill>
+        <a:latin typeface="+mn-lt"/>
+        <a:ea typeface="+mn-ea"/>
+        <a:cs typeface="+mn-cs"/>
+      </a:defRPr>
+    </a:lvl3pPr>
+    <a:lvl4pPr marL="1371600" algn="l" defTabSz="914400" rtl="0" eaLnBrk="1" latinLnBrk="1" hangingPunct="1">
+      <a:defRPr sz="1200" kern="1200">
+        <a:solidFill>
+          <a:schemeClr val="tx1"/>
+        </a:solidFill>
+        <a:latin typeface="+mn-lt"/>
+        <a:ea typeface="+mn-ea"/>
+        <a:cs typeface="+mn-cs"/>
+      </a:defRPr>
+    </a:lvl4pPr>
+    <a:lvl5pPr marL="1828800" algn="l" defTabSz="914400" rtl="0" eaLnBrk="1" latinLnBrk="1" hangingPunct="1">
+      <a:defRPr sz="1200" kern="1200">
+        <a:solidFill>
+          <a:schemeClr val="tx1"/>
+        </a:solidFill>
+        <a:latin typeface="+mn-lt"/>
+        <a:ea typeface="+mn-ea"/>
+        <a:cs typeface="+mn-cs"/>
+      </a:defRPr>
+    </a:lvl5pPr>
+    <a:lvl6pPr marL="2286000" algn="l" defTabSz="914400" rtl="0" eaLnBrk="1" latinLnBrk="1" hangingPunct="1">
+      <a:defRPr sz="1200" kern="1200">
+        <a:solidFill>
+          <a:schemeClr val="tx1"/>
+        </a:solidFill>
+        <a:latin typeface="+mn-lt"/>
+        <a:ea typeface="+mn-ea"/>
+        <a:cs typeface="+mn-cs"/>
+      </a:defRPr>
+    </a:lvl6pPr>
+    <a:lvl7pPr marL="2743200" algn="l" defTabSz="914400" rtl="0" eaLnBrk="1" latinLnBrk="1" hangingPunct="1">
+      <a:defRPr sz="1200" kern="1200">
+        <a:solidFill>
+          <a:schemeClr val="tx1"/>
+        </a:solidFill>
+        <a:latin typeface="+mn-lt"/>
+        <a:ea typeface="+mn-ea"/>
+        <a:cs typeface="+mn-cs"/>
+      </a:defRPr>
+    </a:lvl7pPr>
+    <a:lvl8pPr marL="3200400" algn="l" defTabSz="914400" rtl="0" eaLnBrk="1" latinLnBrk="1" hangingPunct="1">
+      <a:defRPr sz="1200" kern="1200">
+        <a:solidFill>
+          <a:schemeClr val="tx1"/>
+        </a:solidFill>
+        <a:latin typeface="+mn-lt"/>
+        <a:ea typeface="+mn-ea"/>
+        <a:cs typeface="+mn-cs"/>
+      </a:defRPr>
+    </a:lvl8pPr>
+    <a:lvl9pPr marL="3657600" algn="l" defTabSz="914400" rtl="0" eaLnBrk="1" latinLnBrk="1" hangingPunct="1">
+      <a:defRPr sz="1200" kern="1200">
+        <a:solidFill>
+          <a:schemeClr val="tx1"/>
+        </a:solidFill>
+        <a:latin typeface="+mn-lt"/>
+        <a:ea typeface="+mn-ea"/>
+        <a:cs typeface="+mn-cs"/>
+      </a:defRPr>
+    </a:lvl9pPr>
+  </p:notesStyle>
+</p:notesMaster>
+</file>
+
+<file path=ppt/notesSlides/notesSlide1.xml><?xml version="1.0" encoding="utf-8"?>
+<p:notes xmlns:a="http://schemas.openxmlformats.org/drawingml/2006/main" xmlns:r="http://schemas.openxmlformats.org/officeDocument/2006/relationships" xmlns:p="http://schemas.openxmlformats.org/presentationml/2006/main">
+  <p:cSld>
+    <p:spTree>
+      <p:nvGrpSpPr>
+        <p:cNvPr id="1" name=""/>
+        <p:cNvGrpSpPr/>
+        <p:nvPr/>
+      </p:nvGrpSpPr>
+      <p:grpSpPr>
+        <a:xfrm>
+          <a:off x="0" y="0"/>
+          <a:ext cx="0" cy="0"/>
+          <a:chOff x="0" y="0"/>
+          <a:chExt cx="0" cy="0"/>
+        </a:xfrm>
+      </p:grpSpPr>
+      <p:sp>
+        <p:nvSpPr>
+          <p:cNvPr id="2" name="슬라이드 이미지 개체 틀 1"/>
+          <p:cNvSpPr>
+            <a:spLocks noGrp="1" noRot="1" noChangeAspect="1"/>
+          </p:cNvSpPr>
+          <p:nvPr>
+            <p:ph type="sldImg"/>
+          </p:nvPr>
+        </p:nvSpPr>
+        <p:spPr/>
+      </p:sp>
+      <p:sp>
+        <p:nvSpPr>
+          <p:cNvPr id="3" name="슬라이드 노트 개체 틀 2"/>
+          <p:cNvSpPr>
+            <a:spLocks noGrp="1"/>
+          </p:cNvSpPr>
+          <p:nvPr>
+            <p:ph type="body" idx="1"/>
+          </p:nvPr>
+        </p:nvSpPr>
+        <p:spPr/>
+        <p:txBody>
+          <a:bodyPr/>
+          <a:lstStyle/>
+          <a:p>
+            <a:r>
+              <a:rPr lang="en-US" altLang="ko-KR" dirty="0"/>
+              <a:t>2004</a:t>
+            </a:r>
+            <a:r>
+              <a:rPr lang="ko-KR" altLang="en-US" dirty="0"/>
+              <a:t>년에 파이프라인 나옴 </a:t>
+            </a:r>
+            <a:r>
+              <a:rPr lang="en-US" altLang="ko-KR" dirty="0"/>
+              <a:t>-&gt; 2004~2006 </a:t>
+            </a:r>
+            <a:r>
+              <a:rPr lang="ko-KR" altLang="en-US" dirty="0"/>
+              <a:t>게임의 그래픽으로 비약적으로 상승</a:t>
+            </a:r>
+          </a:p>
+        </p:txBody>
+      </p:sp>
+      <p:sp>
+        <p:nvSpPr>
+          <p:cNvPr id="4" name="슬라이드 번호 개체 틀 3"/>
+          <p:cNvSpPr>
+            <a:spLocks noGrp="1"/>
+          </p:cNvSpPr>
+          <p:nvPr>
+            <p:ph type="sldNum" sz="quarter" idx="5"/>
+          </p:nvPr>
+        </p:nvSpPr>
+        <p:spPr/>
+        <p:txBody>
+          <a:bodyPr/>
+          <a:lstStyle/>
+          <a:p>
+            <a:fld id="{7294ED82-511F-4E44-A98F-B1F8ED3F8FA0}" type="slidenum">
+              <a:rPr lang="ko-KR" altLang="en-US" smtClean="0"/>
+              <a:t>4</a:t>
+            </a:fld>
+            <a:endParaRPr lang="ko-KR" altLang="en-US"/>
+          </a:p>
+        </p:txBody>
+      </p:sp>
+    </p:spTree>
+    <p:extLst>
+      <p:ext uri="{BB962C8B-B14F-4D97-AF65-F5344CB8AC3E}">
+        <p14:creationId xmlns:p14="http://schemas.microsoft.com/office/powerpoint/2010/main" val="3378630482"/>
+      </p:ext>
+    </p:extLst>
+  </p:cSld>
+  <p:clrMapOvr>
+    <a:masterClrMapping/>
+  </p:clrMapOvr>
+</p:notes>
+</file>
+
+<file path=ppt/notesSlides/notesSlide2.xml><?xml version="1.0" encoding="utf-8"?>
+<p:notes xmlns:a="http://schemas.openxmlformats.org/drawingml/2006/main" xmlns:r="http://schemas.openxmlformats.org/officeDocument/2006/relationships" xmlns:p="http://schemas.openxmlformats.org/presentationml/2006/main">
+  <p:cSld>
+    <p:spTree>
+      <p:nvGrpSpPr>
+        <p:cNvPr id="1" name=""/>
+        <p:cNvGrpSpPr/>
+        <p:nvPr/>
+      </p:nvGrpSpPr>
+      <p:grpSpPr>
+        <a:xfrm>
+          <a:off x="0" y="0"/>
+          <a:ext cx="0" cy="0"/>
+          <a:chOff x="0" y="0"/>
+          <a:chExt cx="0" cy="0"/>
+        </a:xfrm>
+      </p:grpSpPr>
+      <p:sp>
+        <p:nvSpPr>
+          <p:cNvPr id="2" name="슬라이드 이미지 개체 틀 1"/>
+          <p:cNvSpPr>
+            <a:spLocks noGrp="1" noRot="1" noChangeAspect="1"/>
+          </p:cNvSpPr>
+          <p:nvPr>
+            <p:ph type="sldImg"/>
+          </p:nvPr>
+        </p:nvSpPr>
+        <p:spPr/>
+      </p:sp>
+      <p:sp>
+        <p:nvSpPr>
+          <p:cNvPr id="3" name="슬라이드 노트 개체 틀 2"/>
+          <p:cNvSpPr>
+            <a:spLocks noGrp="1"/>
+          </p:cNvSpPr>
+          <p:nvPr>
+            <p:ph type="body" idx="1"/>
+          </p:nvPr>
+        </p:nvSpPr>
+        <p:spPr/>
+        <p:txBody>
+          <a:bodyPr/>
+          <a:lstStyle/>
+          <a:p>
+            <a:r>
+              <a:rPr lang="ko-KR" altLang="en-US" dirty="0"/>
+              <a:t>여러 개의 </a:t>
+            </a:r>
+            <a:r>
+              <a:rPr lang="ko-KR" altLang="en-US" dirty="0" err="1"/>
+              <a:t>버텍스가</a:t>
+            </a:r>
+            <a:r>
+              <a:rPr lang="ko-KR" altLang="en-US" dirty="0"/>
+              <a:t> 들어오는게 아니고 </a:t>
+            </a:r>
+            <a:r>
+              <a:rPr lang="ko-KR" altLang="en-US" dirty="0" err="1"/>
+              <a:t>하나씩만처리댐</a:t>
+            </a:r>
+            <a:endParaRPr lang="en-US" altLang="ko-KR" dirty="0"/>
+          </a:p>
+          <a:p>
+            <a:r>
+              <a:rPr lang="ko-KR" altLang="en-US" dirty="0"/>
+              <a:t>하나의 </a:t>
+            </a:r>
+            <a:r>
+              <a:rPr lang="ko-KR" altLang="en-US" dirty="0" err="1"/>
+              <a:t>버텍스에는</a:t>
+            </a:r>
+            <a:r>
+              <a:rPr lang="ko-KR" altLang="en-US" dirty="0"/>
+              <a:t> 여러 정보가 들어갈 수 있다</a:t>
+            </a:r>
+            <a:r>
+              <a:rPr lang="en-US" altLang="ko-KR" dirty="0"/>
+              <a:t>.		</a:t>
+            </a:r>
+            <a:endParaRPr lang="ko-KR" altLang="en-US" dirty="0"/>
+          </a:p>
+        </p:txBody>
+      </p:sp>
+      <p:sp>
+        <p:nvSpPr>
+          <p:cNvPr id="4" name="슬라이드 번호 개체 틀 3"/>
+          <p:cNvSpPr>
+            <a:spLocks noGrp="1"/>
+          </p:cNvSpPr>
+          <p:nvPr>
+            <p:ph type="sldNum" sz="quarter" idx="5"/>
+          </p:nvPr>
+        </p:nvSpPr>
+        <p:spPr/>
+        <p:txBody>
+          <a:bodyPr/>
+          <a:lstStyle/>
+          <a:p>
+            <a:fld id="{7294ED82-511F-4E44-A98F-B1F8ED3F8FA0}" type="slidenum">
+              <a:rPr lang="ko-KR" altLang="en-US" smtClean="0"/>
+              <a:t>5</a:t>
+            </a:fld>
+            <a:endParaRPr lang="ko-KR" altLang="en-US"/>
+          </a:p>
+        </p:txBody>
+      </p:sp>
+    </p:spTree>
+    <p:extLst>
+      <p:ext uri="{BB962C8B-B14F-4D97-AF65-F5344CB8AC3E}">
+        <p14:creationId xmlns:p14="http://schemas.microsoft.com/office/powerpoint/2010/main" val="684834554"/>
+      </p:ext>
+    </p:extLst>
+  </p:cSld>
+  <p:clrMapOvr>
+    <a:masterClrMapping/>
+  </p:clrMapOvr>
+</p:notes>
+</file>
+
+<file path=ppt/notesSlides/notesSlide3.xml><?xml version="1.0" encoding="utf-8"?>
+<p:notes xmlns:a="http://schemas.openxmlformats.org/drawingml/2006/main" xmlns:r="http://schemas.openxmlformats.org/officeDocument/2006/relationships" xmlns:p="http://schemas.openxmlformats.org/presentationml/2006/main">
+  <p:cSld>
+    <p:spTree>
+      <p:nvGrpSpPr>
+        <p:cNvPr id="1" name=""/>
+        <p:cNvGrpSpPr/>
+        <p:nvPr/>
+      </p:nvGrpSpPr>
+      <p:grpSpPr>
+        <a:xfrm>
+          <a:off x="0" y="0"/>
+          <a:ext cx="0" cy="0"/>
+          <a:chOff x="0" y="0"/>
+          <a:chExt cx="0" cy="0"/>
+        </a:xfrm>
+      </p:grpSpPr>
+      <p:sp>
+        <p:nvSpPr>
+          <p:cNvPr id="2" name="슬라이드 이미지 개체 틀 1"/>
+          <p:cNvSpPr>
+            <a:spLocks noGrp="1" noRot="1" noChangeAspect="1"/>
+          </p:cNvSpPr>
+          <p:nvPr>
+            <p:ph type="sldImg"/>
+          </p:nvPr>
+        </p:nvSpPr>
+        <p:spPr/>
+      </p:sp>
+      <p:sp>
+        <p:nvSpPr>
+          <p:cNvPr id="3" name="슬라이드 노트 개체 틀 2"/>
+          <p:cNvSpPr>
+            <a:spLocks noGrp="1"/>
+          </p:cNvSpPr>
+          <p:nvPr>
+            <p:ph type="body" idx="1"/>
+          </p:nvPr>
+        </p:nvSpPr>
+        <p:spPr/>
+        <p:txBody>
+          <a:bodyPr/>
+          <a:lstStyle/>
+          <a:p>
+            <a:r>
+              <a:rPr lang="ko-KR" altLang="en-US" dirty="0"/>
+              <a:t>창모드의 경우 창모드의 크기에 따라 성능차이가 크다</a:t>
+            </a:r>
+            <a:r>
+              <a:rPr lang="en-US" altLang="ko-KR" dirty="0"/>
+              <a:t>.</a:t>
+            </a:r>
+          </a:p>
+          <a:p>
+            <a:r>
+              <a:rPr lang="ko-KR" altLang="en-US" dirty="0"/>
+              <a:t>만일 </a:t>
+            </a:r>
+            <a:r>
+              <a:rPr lang="en-US" altLang="ko-KR" dirty="0"/>
+              <a:t>2000x 2000 </a:t>
+            </a:r>
+            <a:r>
+              <a:rPr lang="ko-KR" altLang="en-US" dirty="0"/>
+              <a:t>에서 삼각형으로 구성된 </a:t>
+            </a:r>
+            <a:r>
+              <a:rPr lang="ko-KR" altLang="en-US" dirty="0" err="1"/>
+              <a:t>사각형하나의</a:t>
+            </a:r>
+            <a:r>
+              <a:rPr lang="ko-KR" altLang="en-US" dirty="0"/>
+              <a:t> 절반을 그리기 위해서는 </a:t>
+            </a:r>
+            <a:r>
+              <a:rPr lang="ko-KR" altLang="en-US" dirty="0" err="1"/>
+              <a:t>버텍스</a:t>
+            </a:r>
+            <a:r>
+              <a:rPr lang="ko-KR" altLang="en-US" dirty="0"/>
+              <a:t> </a:t>
+            </a:r>
+            <a:r>
+              <a:rPr lang="ko-KR" altLang="en-US" dirty="0" err="1"/>
+              <a:t>쉐이더는</a:t>
+            </a:r>
+            <a:r>
+              <a:rPr lang="ko-KR" altLang="en-US" dirty="0"/>
+              <a:t> 정점 </a:t>
+            </a:r>
+            <a:r>
+              <a:rPr lang="en-US" altLang="ko-KR" dirty="0"/>
+              <a:t>3</a:t>
+            </a:r>
+            <a:r>
+              <a:rPr lang="ko-KR" altLang="en-US" dirty="0"/>
+              <a:t>개에 대하여 </a:t>
+            </a:r>
+            <a:r>
+              <a:rPr lang="en-US" altLang="ko-KR" dirty="0"/>
+              <a:t>3</a:t>
+            </a:r>
+            <a:r>
+              <a:rPr lang="ko-KR" altLang="en-US" dirty="0"/>
+              <a:t>번 실행되고 </a:t>
+            </a:r>
+            <a:r>
+              <a:rPr lang="ko-KR" altLang="en-US" dirty="0" err="1"/>
+              <a:t>프래그먼트</a:t>
+            </a:r>
+            <a:r>
+              <a:rPr lang="ko-KR" altLang="en-US" dirty="0"/>
+              <a:t> </a:t>
+            </a:r>
+            <a:r>
+              <a:rPr lang="ko-KR" altLang="en-US" dirty="0" err="1"/>
+              <a:t>쉐이더는</a:t>
+            </a:r>
+            <a:r>
+              <a:rPr lang="ko-KR" altLang="en-US" dirty="0"/>
+              <a:t> </a:t>
+            </a:r>
+            <a:r>
+              <a:rPr lang="en-US" altLang="ko-KR" dirty="0"/>
+              <a:t>200</a:t>
+            </a:r>
+            <a:r>
+              <a:rPr lang="ko-KR" altLang="en-US" dirty="0" err="1"/>
+              <a:t>만번</a:t>
+            </a:r>
+            <a:r>
+              <a:rPr lang="ko-KR" altLang="en-US" dirty="0"/>
+              <a:t> 실행될 것이다</a:t>
+            </a:r>
+            <a:r>
+              <a:rPr lang="en-US" altLang="ko-KR" dirty="0"/>
+              <a:t>.</a:t>
+            </a:r>
+          </a:p>
+          <a:p>
+            <a:r>
+              <a:rPr lang="en-US" altLang="ko-KR" dirty="0"/>
+              <a:t>1000x1000 </a:t>
+            </a:r>
+            <a:r>
+              <a:rPr lang="ko-KR" altLang="en-US" dirty="0"/>
+              <a:t>에서 삼각형으로 구성된 </a:t>
+            </a:r>
+            <a:r>
+              <a:rPr lang="ko-KR" altLang="en-US" dirty="0" err="1"/>
+              <a:t>사각형하나의</a:t>
+            </a:r>
+            <a:r>
+              <a:rPr lang="ko-KR" altLang="en-US" dirty="0"/>
+              <a:t> 절반을 그리기 위해서는 </a:t>
+            </a:r>
+            <a:r>
+              <a:rPr lang="ko-KR" altLang="en-US" dirty="0" err="1"/>
+              <a:t>버텍스</a:t>
+            </a:r>
+            <a:r>
+              <a:rPr lang="ko-KR" altLang="en-US" dirty="0"/>
+              <a:t> </a:t>
+            </a:r>
+            <a:r>
+              <a:rPr lang="ko-KR" altLang="en-US" dirty="0" err="1"/>
+              <a:t>쉐이더는</a:t>
+            </a:r>
+            <a:r>
+              <a:rPr lang="ko-KR" altLang="en-US" dirty="0"/>
+              <a:t> 정점 </a:t>
+            </a:r>
+            <a:r>
+              <a:rPr lang="en-US" altLang="ko-KR" dirty="0"/>
+              <a:t>3</a:t>
+            </a:r>
+            <a:r>
+              <a:rPr lang="ko-KR" altLang="en-US" dirty="0"/>
+              <a:t>개에 대하여 </a:t>
+            </a:r>
+            <a:r>
+              <a:rPr lang="en-US" altLang="ko-KR" dirty="0"/>
+              <a:t>3</a:t>
+            </a:r>
+            <a:r>
+              <a:rPr lang="ko-KR" altLang="en-US" dirty="0"/>
+              <a:t>번 실행되고 </a:t>
+            </a:r>
+            <a:r>
+              <a:rPr lang="ko-KR" altLang="en-US" dirty="0" err="1"/>
+              <a:t>프래그먼트</a:t>
+            </a:r>
+            <a:r>
+              <a:rPr lang="ko-KR" altLang="en-US" dirty="0"/>
+              <a:t> </a:t>
+            </a:r>
+            <a:r>
+              <a:rPr lang="ko-KR" altLang="en-US" dirty="0" err="1"/>
+              <a:t>쉐이더는</a:t>
+            </a:r>
+            <a:r>
+              <a:rPr lang="ko-KR" altLang="en-US" dirty="0"/>
+              <a:t> </a:t>
+            </a:r>
+            <a:r>
+              <a:rPr lang="en-US" altLang="ko-KR" dirty="0"/>
+              <a:t>50</a:t>
+            </a:r>
+            <a:r>
+              <a:rPr lang="ko-KR" altLang="en-US" dirty="0" err="1"/>
+              <a:t>만번</a:t>
+            </a:r>
+            <a:r>
+              <a:rPr lang="ko-KR" altLang="en-US" dirty="0"/>
+              <a:t> 실행될 것이다</a:t>
+            </a:r>
+            <a:r>
+              <a:rPr lang="en-US" altLang="ko-KR" dirty="0"/>
+              <a:t>.</a:t>
+            </a:r>
+            <a:endParaRPr lang="ko-KR" altLang="en-US" dirty="0"/>
+          </a:p>
+        </p:txBody>
+      </p:sp>
+      <p:sp>
+        <p:nvSpPr>
+          <p:cNvPr id="4" name="슬라이드 번호 개체 틀 3"/>
+          <p:cNvSpPr>
+            <a:spLocks noGrp="1"/>
+          </p:cNvSpPr>
+          <p:nvPr>
+            <p:ph type="sldNum" sz="quarter" idx="5"/>
+          </p:nvPr>
+        </p:nvSpPr>
+        <p:spPr/>
+        <p:txBody>
+          <a:bodyPr/>
+          <a:lstStyle/>
+          <a:p>
+            <a:fld id="{7294ED82-511F-4E44-A98F-B1F8ED3F8FA0}" type="slidenum">
+              <a:rPr lang="ko-KR" altLang="en-US" smtClean="0"/>
+              <a:t>6</a:t>
+            </a:fld>
+            <a:endParaRPr lang="ko-KR" altLang="en-US"/>
+          </a:p>
+        </p:txBody>
+      </p:sp>
+    </p:spTree>
+    <p:extLst>
+      <p:ext uri="{BB962C8B-B14F-4D97-AF65-F5344CB8AC3E}">
+        <p14:creationId xmlns:p14="http://schemas.microsoft.com/office/powerpoint/2010/main" val="39348734"/>
+      </p:ext>
+    </p:extLst>
+  </p:cSld>
+  <p:clrMapOvr>
+    <a:masterClrMapping/>
+  </p:clrMapOvr>
+</p:notes>
+</file>
+
+<file path=ppt/notesSlides/notesSlide4.xml><?xml version="1.0" encoding="utf-8"?>
+<p:notes xmlns:a="http://schemas.openxmlformats.org/drawingml/2006/main" xmlns:r="http://schemas.openxmlformats.org/officeDocument/2006/relationships" xmlns:p="http://schemas.openxmlformats.org/presentationml/2006/main">
+  <p:cSld>
+    <p:spTree>
+      <p:nvGrpSpPr>
+        <p:cNvPr id="1" name=""/>
+        <p:cNvGrpSpPr/>
+        <p:nvPr/>
+      </p:nvGrpSpPr>
+      <p:grpSpPr>
+        <a:xfrm>
+          <a:off x="0" y="0"/>
+          <a:ext cx="0" cy="0"/>
+          <a:chOff x="0" y="0"/>
+          <a:chExt cx="0" cy="0"/>
+        </a:xfrm>
+      </p:grpSpPr>
+      <p:sp>
+        <p:nvSpPr>
+          <p:cNvPr id="2" name="슬라이드 이미지 개체 틀 1"/>
+          <p:cNvSpPr>
+            <a:spLocks noGrp="1" noRot="1" noChangeAspect="1"/>
+          </p:cNvSpPr>
+          <p:nvPr>
+            <p:ph type="sldImg"/>
+          </p:nvPr>
+        </p:nvSpPr>
+        <p:spPr/>
+      </p:sp>
+      <p:sp>
+        <p:nvSpPr>
+          <p:cNvPr id="3" name="슬라이드 노트 개체 틀 2"/>
+          <p:cNvSpPr>
+            <a:spLocks noGrp="1"/>
+          </p:cNvSpPr>
+          <p:nvPr>
+            <p:ph type="body" idx="1"/>
+          </p:nvPr>
+        </p:nvSpPr>
+        <p:spPr/>
+        <p:txBody>
+          <a:bodyPr/>
+          <a:lstStyle/>
+          <a:p>
+            <a:r>
+              <a:rPr lang="ko-KR" altLang="en-US" dirty="0"/>
+              <a:t>실제로 잘 </a:t>
+            </a:r>
+            <a:r>
+              <a:rPr lang="ko-KR" altLang="en-US" dirty="0" err="1"/>
+              <a:t>안씀</a:t>
+            </a:r>
+            <a:endParaRPr lang="en-US" altLang="ko-KR" dirty="0"/>
+          </a:p>
+          <a:p>
+            <a:r>
+              <a:rPr lang="ko-KR" altLang="en-US" dirty="0"/>
+              <a:t>요새 나오는 게임에서도 잘 </a:t>
+            </a:r>
+            <a:r>
+              <a:rPr lang="ko-KR" altLang="en-US" dirty="0" err="1"/>
+              <a:t>안씀</a:t>
+            </a:r>
+            <a:endParaRPr lang="en-US" altLang="ko-KR" dirty="0"/>
+          </a:p>
+          <a:p>
+            <a:endParaRPr lang="en-US" altLang="ko-KR" dirty="0"/>
+          </a:p>
+          <a:p>
+            <a:r>
+              <a:rPr lang="ko-KR" altLang="en-US" dirty="0" err="1"/>
+              <a:t>테셀레이션</a:t>
+            </a:r>
+            <a:r>
+              <a:rPr lang="ko-KR" altLang="en-US" dirty="0"/>
+              <a:t> </a:t>
+            </a:r>
+            <a:r>
+              <a:rPr lang="en-US" altLang="ko-KR" dirty="0"/>
+              <a:t>– </a:t>
+            </a:r>
+            <a:r>
+              <a:rPr lang="ko-KR" altLang="en-US" dirty="0" err="1"/>
+              <a:t>버텍스를</a:t>
+            </a:r>
+            <a:r>
+              <a:rPr lang="ko-KR" altLang="en-US" dirty="0"/>
+              <a:t> 추가할 수 있음</a:t>
+            </a:r>
+            <a:endParaRPr lang="en-US" altLang="ko-KR" dirty="0"/>
+          </a:p>
+          <a:p>
+            <a:r>
+              <a:rPr lang="ko-KR" altLang="en-US" dirty="0" err="1"/>
+              <a:t>지오메트리</a:t>
+            </a:r>
+            <a:r>
+              <a:rPr lang="ko-KR" altLang="en-US" dirty="0"/>
+              <a:t> </a:t>
+            </a:r>
+            <a:r>
+              <a:rPr lang="en-US" altLang="ko-KR" dirty="0"/>
+              <a:t>– </a:t>
+            </a:r>
+            <a:r>
+              <a:rPr lang="ko-KR" altLang="en-US" dirty="0"/>
+              <a:t>새로운 </a:t>
+            </a:r>
+            <a:r>
+              <a:rPr lang="ko-KR" altLang="en-US" dirty="0" err="1"/>
+              <a:t>프리미티브를</a:t>
+            </a:r>
+            <a:r>
+              <a:rPr lang="ko-KR" altLang="en-US" dirty="0"/>
+              <a:t> 추가할 수 있음</a:t>
+            </a:r>
+          </a:p>
+        </p:txBody>
+      </p:sp>
+      <p:sp>
+        <p:nvSpPr>
+          <p:cNvPr id="4" name="슬라이드 번호 개체 틀 3"/>
+          <p:cNvSpPr>
+            <a:spLocks noGrp="1"/>
+          </p:cNvSpPr>
+          <p:nvPr>
+            <p:ph type="sldNum" sz="quarter" idx="5"/>
+          </p:nvPr>
+        </p:nvSpPr>
+        <p:spPr/>
+        <p:txBody>
+          <a:bodyPr/>
+          <a:lstStyle/>
+          <a:p>
+            <a:fld id="{7294ED82-511F-4E44-A98F-B1F8ED3F8FA0}" type="slidenum">
+              <a:rPr lang="ko-KR" altLang="en-US" smtClean="0"/>
+              <a:t>7</a:t>
+            </a:fld>
+            <a:endParaRPr lang="ko-KR" altLang="en-US"/>
+          </a:p>
+        </p:txBody>
+      </p:sp>
+    </p:spTree>
+    <p:extLst>
+      <p:ext uri="{BB962C8B-B14F-4D97-AF65-F5344CB8AC3E}">
+        <p14:creationId xmlns:p14="http://schemas.microsoft.com/office/powerpoint/2010/main" val="4246289147"/>
+      </p:ext>
+    </p:extLst>
+  </p:cSld>
+  <p:clrMapOvr>
+    <a:masterClrMapping/>
+  </p:clrMapOvr>
+</p:notes>
+</file>
+
+<file path=ppt/notesSlides/notesSlide5.xml><?xml version="1.0" encoding="utf-8"?>
+<p:notes xmlns:a="http://schemas.openxmlformats.org/drawingml/2006/main" xmlns:r="http://schemas.openxmlformats.org/officeDocument/2006/relationships" xmlns:p="http://schemas.openxmlformats.org/presentationml/2006/main">
+  <p:cSld>
+    <p:spTree>
+      <p:nvGrpSpPr>
+        <p:cNvPr id="1" name=""/>
+        <p:cNvGrpSpPr/>
+        <p:nvPr/>
+      </p:nvGrpSpPr>
+      <p:grpSpPr>
+        <a:xfrm>
+          <a:off x="0" y="0"/>
+          <a:ext cx="0" cy="0"/>
+          <a:chOff x="0" y="0"/>
+          <a:chExt cx="0" cy="0"/>
+        </a:xfrm>
+      </p:grpSpPr>
+      <p:sp>
+        <p:nvSpPr>
+          <p:cNvPr id="2" name="슬라이드 이미지 개체 틀 1"/>
+          <p:cNvSpPr>
+            <a:spLocks noGrp="1" noRot="1" noChangeAspect="1"/>
+          </p:cNvSpPr>
+          <p:nvPr>
+            <p:ph type="sldImg"/>
+          </p:nvPr>
+        </p:nvSpPr>
+        <p:spPr/>
+      </p:sp>
+      <p:sp>
+        <p:nvSpPr>
+          <p:cNvPr id="3" name="슬라이드 노트 개체 틀 2"/>
+          <p:cNvSpPr>
+            <a:spLocks noGrp="1"/>
+          </p:cNvSpPr>
+          <p:nvPr>
+            <p:ph type="body" idx="1"/>
+          </p:nvPr>
+        </p:nvSpPr>
+        <p:spPr/>
+        <p:txBody>
+          <a:bodyPr/>
+          <a:lstStyle/>
+          <a:p>
+            <a:r>
+              <a:rPr lang="ko-KR" altLang="en-US" dirty="0" err="1"/>
+              <a:t>버텍스의</a:t>
+            </a:r>
+            <a:r>
+              <a:rPr lang="ko-KR" altLang="en-US" dirty="0"/>
+              <a:t> </a:t>
+            </a:r>
+            <a:r>
+              <a:rPr lang="ko-KR" altLang="en-US" dirty="0" err="1"/>
+              <a:t>쉐이더의</a:t>
+            </a:r>
+            <a:r>
+              <a:rPr lang="ko-KR" altLang="en-US" dirty="0"/>
+              <a:t> </a:t>
+            </a:r>
+            <a:r>
+              <a:rPr lang="ko-KR" altLang="en-US" dirty="0" err="1"/>
+              <a:t>출력값은</a:t>
+            </a:r>
+            <a:r>
+              <a:rPr lang="ko-KR" altLang="en-US" dirty="0"/>
+              <a:t> </a:t>
+            </a:r>
+            <a:r>
+              <a:rPr lang="ko-KR" altLang="en-US" dirty="0" err="1"/>
+              <a:t>프레그</a:t>
+            </a:r>
+            <a:r>
+              <a:rPr lang="ko-KR" altLang="en-US" dirty="0"/>
+              <a:t> </a:t>
+            </a:r>
+            <a:r>
+              <a:rPr lang="ko-KR" altLang="en-US" dirty="0" err="1"/>
+              <a:t>먼트</a:t>
+            </a:r>
+            <a:r>
+              <a:rPr lang="ko-KR" altLang="en-US" dirty="0"/>
+              <a:t> </a:t>
+            </a:r>
+            <a:r>
+              <a:rPr lang="ko-KR" altLang="en-US" dirty="0" err="1"/>
+              <a:t>쉐이더로</a:t>
+            </a:r>
+            <a:r>
+              <a:rPr lang="ko-KR" altLang="en-US" dirty="0"/>
+              <a:t> 들어오지만 그 개수는 다르다 </a:t>
+            </a:r>
+            <a:r>
+              <a:rPr lang="en-US" altLang="ko-KR" dirty="0"/>
+              <a:t>-&gt; </a:t>
+            </a:r>
+            <a:r>
+              <a:rPr lang="ko-KR" altLang="en-US" dirty="0" err="1"/>
+              <a:t>버텍스쉐이더를</a:t>
+            </a:r>
+            <a:r>
+              <a:rPr lang="ko-KR" altLang="en-US" dirty="0"/>
+              <a:t> 통한 </a:t>
+            </a:r>
+            <a:r>
+              <a:rPr lang="ko-KR" altLang="en-US" dirty="0" err="1"/>
+              <a:t>버텍스를</a:t>
+            </a:r>
+            <a:r>
+              <a:rPr lang="ko-KR" altLang="en-US" dirty="0"/>
+              <a:t> 이용해 만들어진 </a:t>
+            </a:r>
+            <a:r>
+              <a:rPr lang="ko-KR" altLang="en-US" dirty="0" err="1"/>
+              <a:t>프리미티브사이의</a:t>
+            </a:r>
+            <a:r>
+              <a:rPr lang="ko-KR" altLang="en-US" dirty="0"/>
+              <a:t> </a:t>
+            </a:r>
+            <a:r>
+              <a:rPr lang="ko-KR" altLang="en-US" dirty="0" err="1"/>
+              <a:t>프래그먼트들이</a:t>
+            </a:r>
+            <a:r>
+              <a:rPr lang="ko-KR" altLang="en-US" dirty="0"/>
+              <a:t> 들어온다</a:t>
+            </a:r>
+            <a:r>
+              <a:rPr lang="en-US" altLang="ko-KR" dirty="0"/>
+              <a:t>.</a:t>
+            </a:r>
+            <a:endParaRPr lang="ko-KR" altLang="en-US" dirty="0"/>
+          </a:p>
+        </p:txBody>
+      </p:sp>
+      <p:sp>
+        <p:nvSpPr>
+          <p:cNvPr id="4" name="슬라이드 번호 개체 틀 3"/>
+          <p:cNvSpPr>
+            <a:spLocks noGrp="1"/>
+          </p:cNvSpPr>
+          <p:nvPr>
+            <p:ph type="sldNum" sz="quarter" idx="5"/>
+          </p:nvPr>
+        </p:nvSpPr>
+        <p:spPr/>
+        <p:txBody>
+          <a:bodyPr/>
+          <a:lstStyle/>
+          <a:p>
+            <a:fld id="{7294ED82-511F-4E44-A98F-B1F8ED3F8FA0}" type="slidenum">
+              <a:rPr lang="ko-KR" altLang="en-US" smtClean="0"/>
+              <a:t>23</a:t>
+            </a:fld>
+            <a:endParaRPr lang="ko-KR" altLang="en-US"/>
+          </a:p>
+        </p:txBody>
+      </p:sp>
+    </p:spTree>
+    <p:extLst>
+      <p:ext uri="{BB962C8B-B14F-4D97-AF65-F5344CB8AC3E}">
+        <p14:creationId xmlns:p14="http://schemas.microsoft.com/office/powerpoint/2010/main" val="1164370798"/>
+      </p:ext>
+    </p:extLst>
+  </p:cSld>
+  <p:clrMapOvr>
+    <a:masterClrMapping/>
+  </p:clrMapOvr>
+</p:notes>
+</file>
+
+<file path=ppt/notesSlides/notesSlide6.xml><?xml version="1.0" encoding="utf-8"?>
+<p:notes xmlns:a="http://schemas.openxmlformats.org/drawingml/2006/main" xmlns:r="http://schemas.openxmlformats.org/officeDocument/2006/relationships" xmlns:p="http://schemas.openxmlformats.org/presentationml/2006/main">
+  <p:cSld>
+    <p:spTree>
+      <p:nvGrpSpPr>
+        <p:cNvPr id="1" name=""/>
+        <p:cNvGrpSpPr/>
+        <p:nvPr/>
+      </p:nvGrpSpPr>
+      <p:grpSpPr>
+        <a:xfrm>
+          <a:off x="0" y="0"/>
+          <a:ext cx="0" cy="0"/>
+          <a:chOff x="0" y="0"/>
+          <a:chExt cx="0" cy="0"/>
+        </a:xfrm>
+      </p:grpSpPr>
+      <p:sp>
+        <p:nvSpPr>
+          <p:cNvPr id="2" name="슬라이드 이미지 개체 틀 1"/>
+          <p:cNvSpPr>
+            <a:spLocks noGrp="1" noRot="1" noChangeAspect="1"/>
+          </p:cNvSpPr>
+          <p:nvPr>
+            <p:ph type="sldImg"/>
+          </p:nvPr>
+        </p:nvSpPr>
+        <p:spPr/>
+      </p:sp>
+      <p:sp>
+        <p:nvSpPr>
+          <p:cNvPr id="3" name="슬라이드 노트 개체 틀 2"/>
+          <p:cNvSpPr>
+            <a:spLocks noGrp="1"/>
+          </p:cNvSpPr>
+          <p:nvPr>
+            <p:ph type="body" idx="1"/>
+          </p:nvPr>
+        </p:nvSpPr>
+        <p:spPr/>
+        <p:txBody>
+          <a:bodyPr/>
+          <a:lstStyle/>
+          <a:p>
+            <a:r>
+              <a:rPr lang="ko-KR" altLang="en-US" dirty="0"/>
+              <a:t>이해할 필요가 있음</a:t>
+            </a:r>
+          </a:p>
+        </p:txBody>
+      </p:sp>
+      <p:sp>
+        <p:nvSpPr>
+          <p:cNvPr id="4" name="슬라이드 번호 개체 틀 3"/>
+          <p:cNvSpPr>
+            <a:spLocks noGrp="1"/>
+          </p:cNvSpPr>
+          <p:nvPr>
+            <p:ph type="sldNum" sz="quarter" idx="5"/>
+          </p:nvPr>
+        </p:nvSpPr>
+        <p:spPr/>
+        <p:txBody>
+          <a:bodyPr/>
+          <a:lstStyle/>
+          <a:p>
+            <a:fld id="{7294ED82-511F-4E44-A98F-B1F8ED3F8FA0}" type="slidenum">
+              <a:rPr lang="ko-KR" altLang="en-US" smtClean="0"/>
+              <a:t>24</a:t>
+            </a:fld>
+            <a:endParaRPr lang="ko-KR" altLang="en-US"/>
+          </a:p>
+        </p:txBody>
+      </p:sp>
+    </p:spTree>
+    <p:extLst>
+      <p:ext uri="{BB962C8B-B14F-4D97-AF65-F5344CB8AC3E}">
+        <p14:creationId xmlns:p14="http://schemas.microsoft.com/office/powerpoint/2010/main" val="371607456"/>
+      </p:ext>
+    </p:extLst>
+  </p:cSld>
+  <p:clrMapOvr>
+    <a:masterClrMapping/>
+  </p:clrMapOvr>
+</p:notes>
+</file>
+
+<file path=ppt/notesSlides/notesSlide7.xml><?xml version="1.0" encoding="utf-8"?>
+<p:notes xmlns:a="http://schemas.openxmlformats.org/drawingml/2006/main" xmlns:r="http://schemas.openxmlformats.org/officeDocument/2006/relationships" xmlns:p="http://schemas.openxmlformats.org/presentationml/2006/main">
+  <p:cSld>
+    <p:spTree>
+      <p:nvGrpSpPr>
+        <p:cNvPr id="1" name=""/>
+        <p:cNvGrpSpPr/>
+        <p:nvPr/>
+      </p:nvGrpSpPr>
+      <p:grpSpPr>
+        <a:xfrm>
+          <a:off x="0" y="0"/>
+          <a:ext cx="0" cy="0"/>
+          <a:chOff x="0" y="0"/>
+          <a:chExt cx="0" cy="0"/>
+        </a:xfrm>
+      </p:grpSpPr>
+      <p:sp>
+        <p:nvSpPr>
+          <p:cNvPr id="2" name="슬라이드 이미지 개체 틀 1"/>
+          <p:cNvSpPr>
+            <a:spLocks noGrp="1" noRot="1" noChangeAspect="1"/>
+          </p:cNvSpPr>
+          <p:nvPr>
+            <p:ph type="sldImg"/>
+          </p:nvPr>
+        </p:nvSpPr>
+        <p:spPr/>
+      </p:sp>
+      <p:sp>
+        <p:nvSpPr>
+          <p:cNvPr id="3" name="슬라이드 노트 개체 틀 2"/>
+          <p:cNvSpPr>
+            <a:spLocks noGrp="1"/>
+          </p:cNvSpPr>
+          <p:nvPr>
+            <p:ph type="body" idx="1"/>
+          </p:nvPr>
+        </p:nvSpPr>
+        <p:spPr/>
+        <p:txBody>
+          <a:bodyPr/>
+          <a:lstStyle/>
+          <a:p>
+            <a:r>
+              <a:rPr lang="ko-KR" altLang="en-US" dirty="0" err="1"/>
+              <a:t>어트리뷰트와</a:t>
+            </a:r>
+            <a:r>
+              <a:rPr lang="ko-KR" altLang="en-US" dirty="0"/>
+              <a:t> 유니폼의 차이는 유니폼은 선언할 수 있는 개수의 제한이 있다</a:t>
+            </a:r>
+            <a:r>
+              <a:rPr lang="en-US" altLang="ko-KR" dirty="0"/>
+              <a:t>.</a:t>
+            </a:r>
+          </a:p>
+          <a:p>
+            <a:r>
+              <a:rPr lang="ko-KR" altLang="en-US" dirty="0" err="1"/>
+              <a:t>둘다</a:t>
+            </a:r>
+            <a:r>
+              <a:rPr lang="ko-KR" altLang="en-US" dirty="0"/>
+              <a:t> 마찬가지로 </a:t>
+            </a:r>
+            <a:r>
+              <a:rPr lang="ko-KR" altLang="en-US" dirty="0" err="1"/>
+              <a:t>런하고</a:t>
+            </a:r>
+            <a:r>
+              <a:rPr lang="ko-KR" altLang="en-US" dirty="0"/>
+              <a:t> 나서는 </a:t>
+            </a:r>
+            <a:r>
+              <a:rPr lang="ko-KR" altLang="en-US" dirty="0" err="1"/>
+              <a:t>건드릴수</a:t>
+            </a:r>
+            <a:r>
+              <a:rPr lang="ko-KR" altLang="en-US" dirty="0"/>
+              <a:t> 없다</a:t>
+            </a:r>
+            <a:r>
+              <a:rPr lang="en-US" altLang="ko-KR" dirty="0"/>
+              <a:t>.</a:t>
+            </a:r>
+            <a:endParaRPr lang="ko-KR" altLang="en-US" dirty="0"/>
+          </a:p>
+        </p:txBody>
+      </p:sp>
+      <p:sp>
+        <p:nvSpPr>
+          <p:cNvPr id="4" name="슬라이드 번호 개체 틀 3"/>
+          <p:cNvSpPr>
+            <a:spLocks noGrp="1"/>
+          </p:cNvSpPr>
+          <p:nvPr>
+            <p:ph type="sldNum" sz="quarter" idx="5"/>
+          </p:nvPr>
+        </p:nvSpPr>
+        <p:spPr/>
+        <p:txBody>
+          <a:bodyPr/>
+          <a:lstStyle/>
+          <a:p>
+            <a:fld id="{7294ED82-511F-4E44-A98F-B1F8ED3F8FA0}" type="slidenum">
+              <a:rPr lang="ko-KR" altLang="en-US" smtClean="0"/>
+              <a:t>32</a:t>
+            </a:fld>
+            <a:endParaRPr lang="ko-KR" altLang="en-US"/>
+          </a:p>
+        </p:txBody>
+      </p:sp>
+    </p:spTree>
+    <p:extLst>
+      <p:ext uri="{BB962C8B-B14F-4D97-AF65-F5344CB8AC3E}">
+        <p14:creationId xmlns:p14="http://schemas.microsoft.com/office/powerpoint/2010/main" val="3494131452"/>
+      </p:ext>
+    </p:extLst>
+  </p:cSld>
+  <p:clrMapOvr>
+    <a:masterClrMapping/>
+  </p:clrMapOvr>
+</p:notes>
+</file>
+
+<file path=ppt/notesSlides/notesSlide8.xml><?xml version="1.0" encoding="utf-8"?>
+<p:notes xmlns:a="http://schemas.openxmlformats.org/drawingml/2006/main" xmlns:r="http://schemas.openxmlformats.org/officeDocument/2006/relationships" xmlns:p="http://schemas.openxmlformats.org/presentationml/2006/main">
+  <p:cSld>
+    <p:spTree>
+      <p:nvGrpSpPr>
+        <p:cNvPr id="1" name=""/>
+        <p:cNvGrpSpPr/>
+        <p:nvPr/>
+      </p:nvGrpSpPr>
+      <p:grpSpPr>
+        <a:xfrm>
+          <a:off x="0" y="0"/>
+          <a:ext cx="0" cy="0"/>
+          <a:chOff x="0" y="0"/>
+          <a:chExt cx="0" cy="0"/>
+        </a:xfrm>
+      </p:grpSpPr>
+      <p:sp>
+        <p:nvSpPr>
+          <p:cNvPr id="2" name="슬라이드 이미지 개체 틀 1"/>
+          <p:cNvSpPr>
+            <a:spLocks noGrp="1" noRot="1" noChangeAspect="1"/>
+          </p:cNvSpPr>
+          <p:nvPr>
+            <p:ph type="sldImg"/>
+          </p:nvPr>
+        </p:nvSpPr>
+        <p:spPr/>
+      </p:sp>
+      <p:sp>
+        <p:nvSpPr>
+          <p:cNvPr id="3" name="슬라이드 노트 개체 틀 2"/>
+          <p:cNvSpPr>
+            <a:spLocks noGrp="1"/>
+          </p:cNvSpPr>
+          <p:nvPr>
+            <p:ph type="body" idx="1"/>
+          </p:nvPr>
+        </p:nvSpPr>
+        <p:spPr/>
+        <p:txBody>
+          <a:bodyPr/>
+          <a:lstStyle/>
+          <a:p>
+            <a:r>
+              <a:rPr lang="ko-KR" altLang="en-US" dirty="0" err="1"/>
+              <a:t>쉐이더</a:t>
+            </a:r>
+            <a:r>
+              <a:rPr lang="ko-KR" altLang="en-US" dirty="0"/>
+              <a:t> 컴파일 하기 위해서는 두가지 파일 </a:t>
+            </a:r>
+            <a:r>
+              <a:rPr lang="ko-KR" altLang="en-US" dirty="0" err="1"/>
+              <a:t>둘다</a:t>
+            </a:r>
+            <a:r>
+              <a:rPr lang="ko-KR" altLang="en-US" dirty="0"/>
+              <a:t> 필요함</a:t>
+            </a:r>
+          </a:p>
+        </p:txBody>
+      </p:sp>
+      <p:sp>
+        <p:nvSpPr>
+          <p:cNvPr id="4" name="슬라이드 번호 개체 틀 3"/>
+          <p:cNvSpPr>
+            <a:spLocks noGrp="1"/>
+          </p:cNvSpPr>
+          <p:nvPr>
+            <p:ph type="sldNum" sz="quarter" idx="5"/>
+          </p:nvPr>
+        </p:nvSpPr>
+        <p:spPr/>
+        <p:txBody>
+          <a:bodyPr/>
+          <a:lstStyle/>
+          <a:p>
+            <a:fld id="{7294ED82-511F-4E44-A98F-B1F8ED3F8FA0}" type="slidenum">
+              <a:rPr lang="ko-KR" altLang="en-US" smtClean="0"/>
+              <a:t>38</a:t>
+            </a:fld>
+            <a:endParaRPr lang="ko-KR" altLang="en-US"/>
+          </a:p>
+        </p:txBody>
+      </p:sp>
+    </p:spTree>
+    <p:extLst>
+      <p:ext uri="{BB962C8B-B14F-4D97-AF65-F5344CB8AC3E}">
+        <p14:creationId xmlns:p14="http://schemas.microsoft.com/office/powerpoint/2010/main" val="995579565"/>
+      </p:ext>
+    </p:extLst>
+  </p:cSld>
+  <p:clrMapOvr>
+    <a:masterClrMapping/>
+  </p:clrMapOvr>
+</p:notes>
+</file>
+
 <file path=ppt/slideLayouts/slideLayout1.xml><?xml version="1.0" encoding="utf-8"?>
 <p:sldLayout xmlns:a="http://schemas.openxmlformats.org/drawingml/2006/main" xmlns:r="http://schemas.openxmlformats.org/officeDocument/2006/relationships" xmlns:p="http://schemas.openxmlformats.org/presentationml/2006/main" type="title" preserve="1">
   <p:cSld name="제목 슬라이드">
@@ -202,10 +1671,9 @@
           <a:lstStyle/>
           <a:p>
             <a:r>
-              <a:rPr lang="ko-KR" altLang="en-US" smtClean="0"/>
+              <a:rPr lang="ko-KR" altLang="en-US"/>
               <a:t>마스터 제목 스타일 편집</a:t>
             </a:r>
-            <a:endParaRPr lang="ko-KR" altLang="en-US"/>
           </a:p>
         </p:txBody>
       </p:sp>
@@ -321,10 +1789,9 @@
           </a:lstStyle>
           <a:p>
             <a:r>
-              <a:rPr lang="ko-KR" altLang="en-US" smtClean="0"/>
+              <a:rPr lang="ko-KR" altLang="en-US"/>
               <a:t>마스터 부제목 스타일 편집</a:t>
             </a:r>
-            <a:endParaRPr lang="ko-KR" altLang="en-US"/>
           </a:p>
         </p:txBody>
       </p:sp>
@@ -345,7 +1812,7 @@
           <a:p>
             <a:fld id="{FB30EDBD-1C2D-4C1E-B459-B60219FAB484}" type="datetimeFigureOut">
               <a:rPr lang="ko-KR" altLang="en-US" smtClean="0"/>
-              <a:t>2019-03-13</a:t>
+              <a:t>2019-03-25</a:t>
             </a:fld>
             <a:endParaRPr lang="ko-KR" altLang="en-US"/>
           </a:p>
@@ -434,10 +1901,9 @@
           <a:lstStyle/>
           <a:p>
             <a:r>
-              <a:rPr lang="ko-KR" altLang="en-US" smtClean="0"/>
+              <a:rPr lang="ko-KR" altLang="en-US"/>
               <a:t>마스터 제목 스타일 편집</a:t>
             </a:r>
-            <a:endParaRPr lang="ko-KR" altLang="en-US"/>
           </a:p>
         </p:txBody>
       </p:sp>
@@ -458,38 +1924,37 @@
           <a:p>
             <a:pPr lvl="0"/>
             <a:r>
-              <a:rPr lang="ko-KR" altLang="en-US" smtClean="0"/>
+              <a:rPr lang="ko-KR" altLang="en-US"/>
               <a:t>마스터 텍스트 스타일을 편집합니다</a:t>
             </a:r>
           </a:p>
           <a:p>
             <a:pPr lvl="1"/>
             <a:r>
-              <a:rPr lang="ko-KR" altLang="en-US" smtClean="0"/>
+              <a:rPr lang="ko-KR" altLang="en-US"/>
               <a:t>둘째 수준</a:t>
             </a:r>
           </a:p>
           <a:p>
             <a:pPr lvl="2"/>
             <a:r>
-              <a:rPr lang="ko-KR" altLang="en-US" smtClean="0"/>
+              <a:rPr lang="ko-KR" altLang="en-US"/>
               <a:t>셋째 수준</a:t>
             </a:r>
           </a:p>
           <a:p>
             <a:pPr lvl="3"/>
             <a:r>
-              <a:rPr lang="ko-KR" altLang="en-US" smtClean="0"/>
+              <a:rPr lang="ko-KR" altLang="en-US"/>
               <a:t>넷째 수준</a:t>
             </a:r>
           </a:p>
           <a:p>
             <a:pPr lvl="4"/>
             <a:r>
-              <a:rPr lang="ko-KR" altLang="en-US" smtClean="0"/>
+              <a:rPr lang="ko-KR" altLang="en-US"/>
               <a:t>다섯째 수준</a:t>
             </a:r>
-            <a:endParaRPr lang="ko-KR" altLang="en-US"/>
           </a:p>
         </p:txBody>
       </p:sp>
@@ -510,7 +1975,7 @@
           <a:p>
             <a:fld id="{FB30EDBD-1C2D-4C1E-B459-B60219FAB484}" type="datetimeFigureOut">
               <a:rPr lang="ko-KR" altLang="en-US" smtClean="0"/>
-              <a:t>2019-03-13</a:t>
+              <a:t>2019-03-25</a:t>
             </a:fld>
             <a:endParaRPr lang="ko-KR" altLang="en-US"/>
           </a:p>
@@ -604,10 +2069,9 @@
           <a:lstStyle/>
           <a:p>
             <a:r>
-              <a:rPr lang="ko-KR" altLang="en-US" smtClean="0"/>
+              <a:rPr lang="ko-KR" altLang="en-US"/>
               <a:t>마스터 제목 스타일 편집</a:t>
             </a:r>
-            <a:endParaRPr lang="ko-KR" altLang="en-US"/>
           </a:p>
         </p:txBody>
       </p:sp>
@@ -633,38 +2097,37 @@
           <a:p>
             <a:pPr lvl="0"/>
             <a:r>
-              <a:rPr lang="ko-KR" altLang="en-US" smtClean="0"/>
+              <a:rPr lang="ko-KR" altLang="en-US"/>
               <a:t>마스터 텍스트 스타일을 편집합니다</a:t>
             </a:r>
           </a:p>
           <a:p>
             <a:pPr lvl="1"/>
             <a:r>
-              <a:rPr lang="ko-KR" altLang="en-US" smtClean="0"/>
+              <a:rPr lang="ko-KR" altLang="en-US"/>
               <a:t>둘째 수준</a:t>
             </a:r>
           </a:p>
           <a:p>
             <a:pPr lvl="2"/>
             <a:r>
-              <a:rPr lang="ko-KR" altLang="en-US" smtClean="0"/>
+              <a:rPr lang="ko-KR" altLang="en-US"/>
               <a:t>셋째 수준</a:t>
             </a:r>
           </a:p>
           <a:p>
             <a:pPr lvl="3"/>
             <a:r>
-              <a:rPr lang="ko-KR" altLang="en-US" smtClean="0"/>
+              <a:rPr lang="ko-KR" altLang="en-US"/>
               <a:t>넷째 수준</a:t>
             </a:r>
           </a:p>
           <a:p>
             <a:pPr lvl="4"/>
             <a:r>
-              <a:rPr lang="ko-KR" altLang="en-US" smtClean="0"/>
+              <a:rPr lang="ko-KR" altLang="en-US"/>
               <a:t>다섯째 수준</a:t>
             </a:r>
-            <a:endParaRPr lang="ko-KR" altLang="en-US"/>
           </a:p>
         </p:txBody>
       </p:sp>
@@ -685,7 +2148,7 @@
           <a:p>
             <a:fld id="{FB30EDBD-1C2D-4C1E-B459-B60219FAB484}" type="datetimeFigureOut">
               <a:rPr lang="ko-KR" altLang="en-US" smtClean="0"/>
-              <a:t>2019-03-13</a:t>
+              <a:t>2019-03-25</a:t>
             </a:fld>
             <a:endParaRPr lang="ko-KR" altLang="en-US"/>
           </a:p>
@@ -774,10 +2237,9 @@
           <a:lstStyle/>
           <a:p>
             <a:r>
-              <a:rPr lang="ko-KR" altLang="en-US" smtClean="0"/>
+              <a:rPr lang="ko-KR" altLang="en-US"/>
               <a:t>마스터 제목 스타일 편집</a:t>
             </a:r>
-            <a:endParaRPr lang="ko-KR" altLang="en-US"/>
           </a:p>
         </p:txBody>
       </p:sp>
@@ -798,38 +2260,37 @@
           <a:p>
             <a:pPr lvl="0"/>
             <a:r>
-              <a:rPr lang="ko-KR" altLang="en-US" smtClean="0"/>
+              <a:rPr lang="ko-KR" altLang="en-US"/>
               <a:t>마스터 텍스트 스타일을 편집합니다</a:t>
             </a:r>
           </a:p>
           <a:p>
             <a:pPr lvl="1"/>
             <a:r>
-              <a:rPr lang="ko-KR" altLang="en-US" smtClean="0"/>
+              <a:rPr lang="ko-KR" altLang="en-US"/>
               <a:t>둘째 수준</a:t>
             </a:r>
           </a:p>
           <a:p>
             <a:pPr lvl="2"/>
             <a:r>
-              <a:rPr lang="ko-KR" altLang="en-US" smtClean="0"/>
+              <a:rPr lang="ko-KR" altLang="en-US"/>
               <a:t>셋째 수준</a:t>
             </a:r>
           </a:p>
           <a:p>
             <a:pPr lvl="3"/>
             <a:r>
-              <a:rPr lang="ko-KR" altLang="en-US" smtClean="0"/>
+              <a:rPr lang="ko-KR" altLang="en-US"/>
               <a:t>넷째 수준</a:t>
             </a:r>
           </a:p>
           <a:p>
             <a:pPr lvl="4"/>
             <a:r>
-              <a:rPr lang="ko-KR" altLang="en-US" smtClean="0"/>
+              <a:rPr lang="ko-KR" altLang="en-US"/>
               <a:t>다섯째 수준</a:t>
             </a:r>
-            <a:endParaRPr lang="ko-KR" altLang="en-US"/>
           </a:p>
         </p:txBody>
       </p:sp>
@@ -850,7 +2311,7 @@
           <a:p>
             <a:fld id="{FB30EDBD-1C2D-4C1E-B459-B60219FAB484}" type="datetimeFigureOut">
               <a:rPr lang="ko-KR" altLang="en-US" smtClean="0"/>
-              <a:t>2019-03-13</a:t>
+              <a:t>2019-03-25</a:t>
             </a:fld>
             <a:endParaRPr lang="ko-KR" altLang="en-US"/>
           </a:p>
@@ -948,10 +2409,9 @@
           </a:lstStyle>
           <a:p>
             <a:r>
-              <a:rPr lang="ko-KR" altLang="en-US" smtClean="0"/>
+              <a:rPr lang="ko-KR" altLang="en-US"/>
               <a:t>마스터 제목 스타일 편집</a:t>
             </a:r>
-            <a:endParaRPr lang="ko-KR" altLang="en-US"/>
           </a:p>
         </p:txBody>
       </p:sp>
@@ -1068,7 +2528,7 @@
           <a:p>
             <a:pPr lvl="0"/>
             <a:r>
-              <a:rPr lang="ko-KR" altLang="en-US" smtClean="0"/>
+              <a:rPr lang="ko-KR" altLang="en-US"/>
               <a:t>마스터 텍스트 스타일을 편집합니다</a:t>
             </a:r>
           </a:p>
@@ -1091,7 +2551,7 @@
           <a:p>
             <a:fld id="{FB30EDBD-1C2D-4C1E-B459-B60219FAB484}" type="datetimeFigureOut">
               <a:rPr lang="ko-KR" altLang="en-US" smtClean="0"/>
-              <a:t>2019-03-13</a:t>
+              <a:t>2019-03-25</a:t>
             </a:fld>
             <a:endParaRPr lang="ko-KR" altLang="en-US"/>
           </a:p>
@@ -1180,10 +2640,9 @@
           <a:lstStyle/>
           <a:p>
             <a:r>
-              <a:rPr lang="ko-KR" altLang="en-US" smtClean="0"/>
+              <a:rPr lang="ko-KR" altLang="en-US"/>
               <a:t>마스터 제목 스타일 편집</a:t>
             </a:r>
-            <a:endParaRPr lang="ko-KR" altLang="en-US"/>
           </a:p>
         </p:txBody>
       </p:sp>
@@ -1237,38 +2696,37 @@
           <a:p>
             <a:pPr lvl="0"/>
             <a:r>
-              <a:rPr lang="ko-KR" altLang="en-US" smtClean="0"/>
+              <a:rPr lang="ko-KR" altLang="en-US"/>
               <a:t>마스터 텍스트 스타일을 편집합니다</a:t>
             </a:r>
           </a:p>
           <a:p>
             <a:pPr lvl="1"/>
             <a:r>
-              <a:rPr lang="ko-KR" altLang="en-US" smtClean="0"/>
+              <a:rPr lang="ko-KR" altLang="en-US"/>
               <a:t>둘째 수준</a:t>
             </a:r>
           </a:p>
           <a:p>
             <a:pPr lvl="2"/>
             <a:r>
-              <a:rPr lang="ko-KR" altLang="en-US" smtClean="0"/>
+              <a:rPr lang="ko-KR" altLang="en-US"/>
               <a:t>셋째 수준</a:t>
             </a:r>
           </a:p>
           <a:p>
             <a:pPr lvl="3"/>
             <a:r>
-              <a:rPr lang="ko-KR" altLang="en-US" smtClean="0"/>
+              <a:rPr lang="ko-KR" altLang="en-US"/>
               <a:t>넷째 수준</a:t>
             </a:r>
           </a:p>
           <a:p>
             <a:pPr lvl="4"/>
             <a:r>
-              <a:rPr lang="ko-KR" altLang="en-US" smtClean="0"/>
+              <a:rPr lang="ko-KR" altLang="en-US"/>
               <a:t>다섯째 수준</a:t>
             </a:r>
-            <a:endParaRPr lang="ko-KR" altLang="en-US"/>
           </a:p>
         </p:txBody>
       </p:sp>
@@ -1322,38 +2780,37 @@
           <a:p>
             <a:pPr lvl="0"/>
             <a:r>
-              <a:rPr lang="ko-KR" altLang="en-US" smtClean="0"/>
+              <a:rPr lang="ko-KR" altLang="en-US"/>
               <a:t>마스터 텍스트 스타일을 편집합니다</a:t>
             </a:r>
           </a:p>
           <a:p>
             <a:pPr lvl="1"/>
             <a:r>
-              <a:rPr lang="ko-KR" altLang="en-US" smtClean="0"/>
+              <a:rPr lang="ko-KR" altLang="en-US"/>
               <a:t>둘째 수준</a:t>
             </a:r>
           </a:p>
           <a:p>
             <a:pPr lvl="2"/>
             <a:r>
-              <a:rPr lang="ko-KR" altLang="en-US" smtClean="0"/>
+              <a:rPr lang="ko-KR" altLang="en-US"/>
               <a:t>셋째 수준</a:t>
             </a:r>
           </a:p>
           <a:p>
             <a:pPr lvl="3"/>
             <a:r>
-              <a:rPr lang="ko-KR" altLang="en-US" smtClean="0"/>
+              <a:rPr lang="ko-KR" altLang="en-US"/>
               <a:t>넷째 수준</a:t>
             </a:r>
           </a:p>
           <a:p>
             <a:pPr lvl="4"/>
             <a:r>
-              <a:rPr lang="ko-KR" altLang="en-US" smtClean="0"/>
+              <a:rPr lang="ko-KR" altLang="en-US"/>
               <a:t>다섯째 수준</a:t>
             </a:r>
-            <a:endParaRPr lang="ko-KR" altLang="en-US"/>
           </a:p>
         </p:txBody>
       </p:sp>
@@ -1374,7 +2831,7 @@
           <a:p>
             <a:fld id="{FB30EDBD-1C2D-4C1E-B459-B60219FAB484}" type="datetimeFigureOut">
               <a:rPr lang="ko-KR" altLang="en-US" smtClean="0"/>
-              <a:t>2019-03-13</a:t>
+              <a:t>2019-03-25</a:t>
             </a:fld>
             <a:endParaRPr lang="ko-KR" altLang="en-US"/>
           </a:p>
@@ -1467,10 +2924,9 @@
           </a:lstStyle>
           <a:p>
             <a:r>
-              <a:rPr lang="ko-KR" altLang="en-US" smtClean="0"/>
+              <a:rPr lang="ko-KR" altLang="en-US"/>
               <a:t>마스터 제목 스타일 편집</a:t>
             </a:r>
-            <a:endParaRPr lang="ko-KR" altLang="en-US"/>
           </a:p>
         </p:txBody>
       </p:sp>
@@ -1533,7 +2989,7 @@
           <a:p>
             <a:pPr lvl="0"/>
             <a:r>
-              <a:rPr lang="ko-KR" altLang="en-US" smtClean="0"/>
+              <a:rPr lang="ko-KR" altLang="en-US"/>
               <a:t>마스터 텍스트 스타일을 편집합니다</a:t>
             </a:r>
           </a:p>
@@ -1589,38 +3045,37 @@
           <a:p>
             <a:pPr lvl="0"/>
             <a:r>
-              <a:rPr lang="ko-KR" altLang="en-US" smtClean="0"/>
+              <a:rPr lang="ko-KR" altLang="en-US"/>
               <a:t>마스터 텍스트 스타일을 편집합니다</a:t>
             </a:r>
           </a:p>
           <a:p>
             <a:pPr lvl="1"/>
             <a:r>
-              <a:rPr lang="ko-KR" altLang="en-US" smtClean="0"/>
+              <a:rPr lang="ko-KR" altLang="en-US"/>
               <a:t>둘째 수준</a:t>
             </a:r>
           </a:p>
           <a:p>
             <a:pPr lvl="2"/>
             <a:r>
-              <a:rPr lang="ko-KR" altLang="en-US" smtClean="0"/>
+              <a:rPr lang="ko-KR" altLang="en-US"/>
               <a:t>셋째 수준</a:t>
             </a:r>
           </a:p>
           <a:p>
             <a:pPr lvl="3"/>
             <a:r>
-              <a:rPr lang="ko-KR" altLang="en-US" smtClean="0"/>
+              <a:rPr lang="ko-KR" altLang="en-US"/>
               <a:t>넷째 수준</a:t>
             </a:r>
           </a:p>
           <a:p>
             <a:pPr lvl="4"/>
             <a:r>
-              <a:rPr lang="ko-KR" altLang="en-US" smtClean="0"/>
+              <a:rPr lang="ko-KR" altLang="en-US"/>
               <a:t>다섯째 수준</a:t>
             </a:r>
-            <a:endParaRPr lang="ko-KR" altLang="en-US"/>
           </a:p>
         </p:txBody>
       </p:sp>
@@ -1683,7 +3138,7 @@
           <a:p>
             <a:pPr lvl="0"/>
             <a:r>
-              <a:rPr lang="ko-KR" altLang="en-US" smtClean="0"/>
+              <a:rPr lang="ko-KR" altLang="en-US"/>
               <a:t>마스터 텍스트 스타일을 편집합니다</a:t>
             </a:r>
           </a:p>
@@ -1739,38 +3194,37 @@
           <a:p>
             <a:pPr lvl="0"/>
             <a:r>
-              <a:rPr lang="ko-KR" altLang="en-US" smtClean="0"/>
+              <a:rPr lang="ko-KR" altLang="en-US"/>
               <a:t>마스터 텍스트 스타일을 편집합니다</a:t>
             </a:r>
           </a:p>
           <a:p>
             <a:pPr lvl="1"/>
             <a:r>
-              <a:rPr lang="ko-KR" altLang="en-US" smtClean="0"/>
+              <a:rPr lang="ko-KR" altLang="en-US"/>
               <a:t>둘째 수준</a:t>
             </a:r>
           </a:p>
           <a:p>
             <a:pPr lvl="2"/>
             <a:r>
-              <a:rPr lang="ko-KR" altLang="en-US" smtClean="0"/>
+              <a:rPr lang="ko-KR" altLang="en-US"/>
               <a:t>셋째 수준</a:t>
             </a:r>
           </a:p>
           <a:p>
             <a:pPr lvl="3"/>
             <a:r>
-              <a:rPr lang="ko-KR" altLang="en-US" smtClean="0"/>
+              <a:rPr lang="ko-KR" altLang="en-US"/>
               <a:t>넷째 수준</a:t>
             </a:r>
           </a:p>
           <a:p>
             <a:pPr lvl="4"/>
             <a:r>
-              <a:rPr lang="ko-KR" altLang="en-US" smtClean="0"/>
+              <a:rPr lang="ko-KR" altLang="en-US"/>
               <a:t>다섯째 수준</a:t>
             </a:r>
-            <a:endParaRPr lang="ko-KR" altLang="en-US"/>
           </a:p>
         </p:txBody>
       </p:sp>
@@ -1791,7 +3245,7 @@
           <a:p>
             <a:fld id="{FB30EDBD-1C2D-4C1E-B459-B60219FAB484}" type="datetimeFigureOut">
               <a:rPr lang="ko-KR" altLang="en-US" smtClean="0"/>
-              <a:t>2019-03-13</a:t>
+              <a:t>2019-03-25</a:t>
             </a:fld>
             <a:endParaRPr lang="ko-KR" altLang="en-US"/>
           </a:p>
@@ -1880,10 +3334,9 @@
           <a:lstStyle/>
           <a:p>
             <a:r>
-              <a:rPr lang="ko-KR" altLang="en-US" smtClean="0"/>
+              <a:rPr lang="ko-KR" altLang="en-US"/>
               <a:t>마스터 제목 스타일 편집</a:t>
             </a:r>
-            <a:endParaRPr lang="ko-KR" altLang="en-US"/>
           </a:p>
         </p:txBody>
       </p:sp>
@@ -1904,7 +3357,7 @@
           <a:p>
             <a:fld id="{FB30EDBD-1C2D-4C1E-B459-B60219FAB484}" type="datetimeFigureOut">
               <a:rPr lang="ko-KR" altLang="en-US" smtClean="0"/>
-              <a:t>2019-03-13</a:t>
+              <a:t>2019-03-25</a:t>
             </a:fld>
             <a:endParaRPr lang="ko-KR" altLang="en-US"/>
           </a:p>
@@ -1994,7 +3447,7 @@
           <a:p>
             <a:fld id="{FB30EDBD-1C2D-4C1E-B459-B60219FAB484}" type="datetimeFigureOut">
               <a:rPr lang="ko-KR" altLang="en-US" smtClean="0"/>
-              <a:t>2019-03-13</a:t>
+              <a:t>2019-03-25</a:t>
             </a:fld>
             <a:endParaRPr lang="ko-KR" altLang="en-US"/>
           </a:p>
@@ -2092,10 +3545,9 @@
           </a:lstStyle>
           <a:p>
             <a:r>
-              <a:rPr lang="ko-KR" altLang="en-US" smtClean="0"/>
+              <a:rPr lang="ko-KR" altLang="en-US"/>
               <a:t>마스터 제목 스타일 편집</a:t>
             </a:r>
-            <a:endParaRPr lang="ko-KR" altLang="en-US"/>
           </a:p>
         </p:txBody>
       </p:sp>
@@ -2149,38 +3601,37 @@
           <a:p>
             <a:pPr lvl="0"/>
             <a:r>
-              <a:rPr lang="ko-KR" altLang="en-US" smtClean="0"/>
+              <a:rPr lang="ko-KR" altLang="en-US"/>
               <a:t>마스터 텍스트 스타일을 편집합니다</a:t>
             </a:r>
           </a:p>
           <a:p>
             <a:pPr lvl="1"/>
             <a:r>
-              <a:rPr lang="ko-KR" altLang="en-US" smtClean="0"/>
+              <a:rPr lang="ko-KR" altLang="en-US"/>
               <a:t>둘째 수준</a:t>
             </a:r>
           </a:p>
           <a:p>
             <a:pPr lvl="2"/>
             <a:r>
-              <a:rPr lang="ko-KR" altLang="en-US" smtClean="0"/>
+              <a:rPr lang="ko-KR" altLang="en-US"/>
               <a:t>셋째 수준</a:t>
             </a:r>
           </a:p>
           <a:p>
             <a:pPr lvl="3"/>
             <a:r>
-              <a:rPr lang="ko-KR" altLang="en-US" smtClean="0"/>
+              <a:rPr lang="ko-KR" altLang="en-US"/>
               <a:t>넷째 수준</a:t>
             </a:r>
           </a:p>
           <a:p>
             <a:pPr lvl="4"/>
             <a:r>
-              <a:rPr lang="ko-KR" altLang="en-US" smtClean="0"/>
+              <a:rPr lang="ko-KR" altLang="en-US"/>
               <a:t>다섯째 수준</a:t>
             </a:r>
-            <a:endParaRPr lang="ko-KR" altLang="en-US"/>
           </a:p>
         </p:txBody>
       </p:sp>
@@ -2243,7 +3694,7 @@
           <a:p>
             <a:pPr lvl="0"/>
             <a:r>
-              <a:rPr lang="ko-KR" altLang="en-US" smtClean="0"/>
+              <a:rPr lang="ko-KR" altLang="en-US"/>
               <a:t>마스터 텍스트 스타일을 편집합니다</a:t>
             </a:r>
           </a:p>
@@ -2266,7 +3717,7 @@
           <a:p>
             <a:fld id="{FB30EDBD-1C2D-4C1E-B459-B60219FAB484}" type="datetimeFigureOut">
               <a:rPr lang="ko-KR" altLang="en-US" smtClean="0"/>
-              <a:t>2019-03-13</a:t>
+              <a:t>2019-03-25</a:t>
             </a:fld>
             <a:endParaRPr lang="ko-KR" altLang="en-US"/>
           </a:p>
@@ -2364,10 +3815,9 @@
           </a:lstStyle>
           <a:p>
             <a:r>
-              <a:rPr lang="ko-KR" altLang="en-US" smtClean="0"/>
+              <a:rPr lang="ko-KR" altLang="en-US"/>
               <a:t>마스터 제목 스타일 편집</a:t>
             </a:r>
-            <a:endParaRPr lang="ko-KR" altLang="en-US"/>
           </a:p>
         </p:txBody>
       </p:sp>
@@ -2491,7 +3941,7 @@
           <a:p>
             <a:pPr lvl="0"/>
             <a:r>
-              <a:rPr lang="ko-KR" altLang="en-US" smtClean="0"/>
+              <a:rPr lang="ko-KR" altLang="en-US"/>
               <a:t>마스터 텍스트 스타일을 편집합니다</a:t>
             </a:r>
           </a:p>
@@ -2514,7 +3964,7 @@
           <a:p>
             <a:fld id="{FB30EDBD-1C2D-4C1E-B459-B60219FAB484}" type="datetimeFigureOut">
               <a:rPr lang="ko-KR" altLang="en-US" smtClean="0"/>
-              <a:t>2019-03-13</a:t>
+              <a:t>2019-03-25</a:t>
             </a:fld>
             <a:endParaRPr lang="ko-KR" altLang="en-US"/>
           </a:p>
@@ -2618,10 +4068,9 @@
           <a:lstStyle/>
           <a:p>
             <a:r>
-              <a:rPr lang="ko-KR" altLang="en-US" smtClean="0"/>
+              <a:rPr lang="ko-KR" altLang="en-US"/>
               <a:t>마스터 제목 스타일 편집</a:t>
             </a:r>
-            <a:endParaRPr lang="ko-KR" altLang="en-US"/>
           </a:p>
         </p:txBody>
       </p:sp>
@@ -2652,38 +4101,37 @@
           <a:p>
             <a:pPr lvl="0"/>
             <a:r>
-              <a:rPr lang="ko-KR" altLang="en-US" smtClean="0"/>
+              <a:rPr lang="ko-KR" altLang="en-US"/>
               <a:t>마스터 텍스트 스타일을 편집합니다</a:t>
             </a:r>
           </a:p>
           <a:p>
             <a:pPr lvl="1"/>
             <a:r>
-              <a:rPr lang="ko-KR" altLang="en-US" smtClean="0"/>
+              <a:rPr lang="ko-KR" altLang="en-US"/>
               <a:t>둘째 수준</a:t>
             </a:r>
           </a:p>
           <a:p>
             <a:pPr lvl="2"/>
             <a:r>
-              <a:rPr lang="ko-KR" altLang="en-US" smtClean="0"/>
+              <a:rPr lang="ko-KR" altLang="en-US"/>
               <a:t>셋째 수준</a:t>
             </a:r>
           </a:p>
           <a:p>
             <a:pPr lvl="3"/>
             <a:r>
-              <a:rPr lang="ko-KR" altLang="en-US" smtClean="0"/>
+              <a:rPr lang="ko-KR" altLang="en-US"/>
               <a:t>넷째 수준</a:t>
             </a:r>
           </a:p>
           <a:p>
             <a:pPr lvl="4"/>
             <a:r>
-              <a:rPr lang="ko-KR" altLang="en-US" smtClean="0"/>
+              <a:rPr lang="ko-KR" altLang="en-US"/>
               <a:t>다섯째 수준</a:t>
             </a:r>
-            <a:endParaRPr lang="ko-KR" altLang="en-US"/>
           </a:p>
         </p:txBody>
       </p:sp>
@@ -2722,7 +4170,7 @@
           <a:p>
             <a:fld id="{FB30EDBD-1C2D-4C1E-B459-B60219FAB484}" type="datetimeFigureOut">
               <a:rPr lang="ko-KR" altLang="en-US" smtClean="0"/>
-              <a:t>2019-03-13</a:t>
+              <a:t>2019-03-25</a:t>
             </a:fld>
             <a:endParaRPr lang="ko-KR" altLang="en-US"/>
           </a:p>
@@ -3108,12 +4556,8 @@
           <a:lstStyle/>
           <a:p>
             <a:r>
-              <a:rPr lang="ko-KR" altLang="en-US" dirty="0" err="1" smtClean="0"/>
-              <a:t>셰이더프로그래</a:t>
-            </a:r>
-            <a:r>
-              <a:rPr lang="ko-KR" altLang="en-US" dirty="0" err="1" smtClean="0"/>
-              <a:t>밍</a:t>
+              <a:rPr lang="ko-KR" altLang="en-US" dirty="0" err="1"/>
+              <a:t>셰이더프로그래밍</a:t>
             </a:r>
             <a:endParaRPr lang="ko-KR" altLang="en-US" dirty="0"/>
           </a:p>
@@ -3135,18 +4579,14 @@
           <a:lstStyle/>
           <a:p>
             <a:r>
-              <a:rPr lang="en-US" altLang="ko-KR" dirty="0" smtClean="0"/>
+              <a:rPr lang="en-US" altLang="ko-KR" dirty="0"/>
               <a:t>Lecture 3</a:t>
             </a:r>
           </a:p>
           <a:p>
             <a:r>
-              <a:rPr lang="ko-KR" altLang="en-US" dirty="0" err="1" smtClean="0"/>
-              <a:t>이택</a:t>
-            </a:r>
-            <a:r>
               <a:rPr lang="ko-KR" altLang="en-US" dirty="0" err="1"/>
-              <a:t>희</a:t>
+              <a:t>이택희</a:t>
             </a:r>
             <a:endParaRPr lang="ko-KR" altLang="en-US" dirty="0"/>
           </a:p>
@@ -3162,13 +4602,6 @@
   <p:clrMapOvr>
     <a:masterClrMapping/>
   </p:clrMapOvr>
-  <p:timing>
-    <p:tnLst>
-      <p:par>
-        <p:cTn id="1" dur="indefinite" restart="never" nodeType="tmRoot"/>
-      </p:par>
-    </p:tnLst>
-  </p:timing>
 </p:sld>
 </file>
 
@@ -3228,82 +4661,82 @@
           <a:lstStyle/>
           <a:p>
             <a:r>
-              <a:rPr lang="ko-KR" altLang="en-US" dirty="0" smtClean="0"/>
+              <a:rPr lang="ko-KR" altLang="en-US" dirty="0"/>
               <a:t>변수 범위 </a:t>
             </a:r>
             <a:r>
-              <a:rPr lang="en-US" altLang="ko-KR" dirty="0" smtClean="0"/>
+              <a:rPr lang="en-US" altLang="ko-KR" dirty="0"/>
               <a:t>(C </a:t>
             </a:r>
             <a:r>
-              <a:rPr lang="ko-KR" altLang="en-US" dirty="0" smtClean="0"/>
+              <a:rPr lang="ko-KR" altLang="en-US" dirty="0"/>
               <a:t>와 동일</a:t>
             </a:r>
             <a:r>
-              <a:rPr lang="en-US" altLang="ko-KR" dirty="0" smtClean="0"/>
+              <a:rPr lang="en-US" altLang="ko-KR" dirty="0"/>
               <a:t>)</a:t>
             </a:r>
           </a:p>
           <a:p>
             <a:pPr lvl="1"/>
             <a:r>
-              <a:rPr lang="ko-KR" altLang="en-US" dirty="0" smtClean="0"/>
+              <a:rPr lang="ko-KR" altLang="en-US" dirty="0"/>
               <a:t>함수 외부에서 선언된 경우 전역 변수로 인식</a:t>
             </a:r>
-            <a:endParaRPr lang="en-US" altLang="ko-KR" dirty="0" smtClean="0"/>
+            <a:endParaRPr lang="en-US" altLang="ko-KR" dirty="0"/>
           </a:p>
           <a:p>
             <a:pPr lvl="1"/>
             <a:r>
-              <a:rPr lang="en-US" altLang="ko-KR" dirty="0" smtClean="0"/>
+              <a:rPr lang="en-US" altLang="ko-KR" dirty="0"/>
               <a:t>For </a:t>
             </a:r>
             <a:r>
-              <a:rPr lang="ko-KR" altLang="en-US" dirty="0" smtClean="0"/>
+              <a:rPr lang="ko-KR" altLang="en-US" dirty="0"/>
               <a:t>나 </a:t>
             </a:r>
             <a:r>
-              <a:rPr lang="en-US" altLang="ko-KR" dirty="0" smtClean="0"/>
+              <a:rPr lang="en-US" altLang="ko-KR" dirty="0"/>
               <a:t>If </a:t>
             </a:r>
             <a:r>
-              <a:rPr lang="ko-KR" altLang="en-US" dirty="0" smtClean="0"/>
+              <a:rPr lang="ko-KR" altLang="en-US" dirty="0"/>
               <a:t>문 이후 등장하는 </a:t>
             </a:r>
             <a:r>
-              <a:rPr lang="en-US" altLang="ko-KR" dirty="0" smtClean="0"/>
+              <a:rPr lang="en-US" altLang="ko-KR" dirty="0"/>
               <a:t>{ } </a:t>
             </a:r>
             <a:r>
-              <a:rPr lang="ko-KR" altLang="en-US" dirty="0" smtClean="0"/>
+              <a:rPr lang="ko-KR" altLang="en-US" dirty="0"/>
               <a:t>내부에서 선언된 경우 내부에서만 제어 가능</a:t>
             </a:r>
-            <a:endParaRPr lang="en-US" altLang="ko-KR" dirty="0" smtClean="0"/>
+            <a:endParaRPr lang="en-US" altLang="ko-KR" dirty="0"/>
           </a:p>
           <a:p>
             <a:pPr lvl="1"/>
             <a:r>
-              <a:rPr lang="en-US" altLang="ko-KR" dirty="0" smtClean="0"/>
+              <a:rPr lang="en-US" altLang="ko-KR" dirty="0"/>
               <a:t>{ } </a:t>
             </a:r>
             <a:r>
-              <a:rPr lang="ko-KR" altLang="en-US" dirty="0" smtClean="0"/>
+              <a:rPr lang="ko-KR" altLang="en-US" dirty="0"/>
               <a:t>외부의 </a:t>
             </a:r>
             <a:r>
-              <a:rPr lang="en-US" altLang="ko-KR" dirty="0" smtClean="0"/>
+              <a:rPr lang="en-US" altLang="ko-KR" dirty="0"/>
               <a:t>Variables </a:t>
             </a:r>
             <a:r>
-              <a:rPr lang="ko-KR" altLang="en-US" dirty="0" smtClean="0"/>
+              <a:rPr lang="ko-KR" altLang="en-US" dirty="0"/>
               <a:t>는 </a:t>
             </a:r>
             <a:r>
-              <a:rPr lang="en-US" altLang="ko-KR" dirty="0" smtClean="0"/>
+              <a:rPr lang="en-US" altLang="ko-KR" dirty="0"/>
               <a:t>{ } </a:t>
             </a:r>
             <a:r>
-              <a:rPr lang="ko-KR" altLang="en-US" dirty="0" smtClean="0"/>
+              <a:rPr lang="ko-KR" altLang="en-US" dirty="0"/>
               <a:t>내부에서 제어 가능</a:t>
             </a:r>
             <a:endParaRPr lang="en-US" altLang="ko-KR" dirty="0"/>
@@ -3425,13 +4858,6 @@
   <p:clrMapOvr>
     <a:masterClrMapping/>
   </p:clrMapOvr>
-  <p:timing>
-    <p:tnLst>
-      <p:par>
-        <p:cTn id="1" dur="indefinite" restart="never" nodeType="tmRoot"/>
-      </p:par>
-    </p:tnLst>
-  </p:timing>
 </p:sld>
 </file>
 
@@ -3491,10 +4917,9 @@
           <a:lstStyle/>
           <a:p>
             <a:r>
-              <a:rPr lang="ko-KR" altLang="en-US" dirty="0" smtClean="0"/>
+              <a:rPr lang="ko-KR" altLang="en-US" dirty="0"/>
               <a:t>변수 초기화</a:t>
             </a:r>
-            <a:endParaRPr lang="ko-KR" altLang="en-US" dirty="0"/>
           </a:p>
         </p:txBody>
       </p:sp>
@@ -3613,13 +5038,6 @@
   <p:clrMapOvr>
     <a:masterClrMapping/>
   </p:clrMapOvr>
-  <p:timing>
-    <p:tnLst>
-      <p:par>
-        <p:cTn id="1" dur="indefinite" restart="never" nodeType="tmRoot"/>
-      </p:par>
-    </p:tnLst>
-  </p:timing>
 </p:sld>
 </file>
 
@@ -3679,57 +5097,57 @@
           <a:lstStyle/>
           <a:p>
             <a:r>
-              <a:rPr lang="ko-KR" altLang="en-US" dirty="0" smtClean="0"/>
+              <a:rPr lang="ko-KR" altLang="en-US" dirty="0"/>
               <a:t>변수 타입 캐스팅</a:t>
             </a:r>
-            <a:endParaRPr lang="en-US" altLang="ko-KR" dirty="0" smtClean="0"/>
+            <a:endParaRPr lang="en-US" altLang="ko-KR" dirty="0"/>
           </a:p>
           <a:p>
             <a:pPr lvl="1"/>
             <a:r>
-              <a:rPr lang="ko-KR" altLang="en-US" dirty="0" smtClean="0"/>
+              <a:rPr lang="ko-KR" altLang="en-US" dirty="0"/>
               <a:t>정보를 잃게 될 가능성이 있을 경우 명확하게 표시를 해 줘야 함</a:t>
             </a:r>
-            <a:endParaRPr lang="en-US" altLang="ko-KR" dirty="0" smtClean="0"/>
+            <a:endParaRPr lang="en-US" altLang="ko-KR" dirty="0"/>
           </a:p>
           <a:p>
             <a:pPr lvl="2"/>
             <a:r>
-              <a:rPr lang="en-US" altLang="ko-KR" dirty="0" smtClean="0"/>
+              <a:rPr lang="en-US" altLang="ko-KR" dirty="0"/>
               <a:t>Ex : double </a:t>
             </a:r>
             <a:r>
-              <a:rPr lang="en-US" altLang="ko-KR" dirty="0" smtClean="0">
+              <a:rPr lang="en-US" altLang="ko-KR" dirty="0">
                 <a:sym typeface="Wingdings" pitchFamily="2" charset="2"/>
               </a:rPr>
               <a:t> float, float  </a:t>
             </a:r>
             <a:r>
-              <a:rPr lang="en-US" altLang="ko-KR" dirty="0" err="1" smtClean="0">
+              <a:rPr lang="en-US" altLang="ko-KR" dirty="0" err="1">
                 <a:sym typeface="Wingdings" pitchFamily="2" charset="2"/>
               </a:rPr>
               <a:t>int</a:t>
             </a:r>
             <a:r>
-              <a:rPr lang="en-US" altLang="ko-KR" dirty="0" smtClean="0">
+              <a:rPr lang="en-US" altLang="ko-KR" dirty="0">
                 <a:sym typeface="Wingdings" pitchFamily="2" charset="2"/>
               </a:rPr>
               <a:t>, </a:t>
             </a:r>
             <a:r>
-              <a:rPr lang="en-US" altLang="ko-KR" dirty="0" err="1" smtClean="0">
+              <a:rPr lang="en-US" altLang="ko-KR" dirty="0" err="1">
                 <a:sym typeface="Wingdings" pitchFamily="2" charset="2"/>
               </a:rPr>
               <a:t>uint</a:t>
             </a:r>
             <a:r>
-              <a:rPr lang="en-US" altLang="ko-KR" dirty="0" smtClean="0">
+              <a:rPr lang="en-US" altLang="ko-KR" dirty="0">
                 <a:sym typeface="Wingdings" pitchFamily="2" charset="2"/>
               </a:rPr>
               <a:t>  </a:t>
             </a:r>
             <a:r>
-              <a:rPr lang="en-US" altLang="ko-KR" dirty="0" err="1" smtClean="0">
+              <a:rPr lang="en-US" altLang="ko-KR" dirty="0" err="1">
                 <a:sym typeface="Wingdings" pitchFamily="2" charset="2"/>
               </a:rPr>
               <a:t>int</a:t>
@@ -3889,18 +5307,17 @@
           <a:lstStyle/>
           <a:p>
             <a:r>
-              <a:rPr lang="ko-KR" altLang="en-US" dirty="0" smtClean="0"/>
+              <a:rPr lang="ko-KR" altLang="en-US" dirty="0"/>
               <a:t>그냥</a:t>
             </a:r>
             <a:r>
-              <a:rPr lang="en-US" altLang="ko-KR" dirty="0" smtClean="0"/>
+              <a:rPr lang="en-US" altLang="ko-KR" dirty="0"/>
               <a:t> </a:t>
             </a:r>
             <a:r>
-              <a:rPr lang="ko-KR" altLang="en-US" dirty="0" smtClean="0"/>
+              <a:rPr lang="ko-KR" altLang="en-US" dirty="0"/>
               <a:t>변경 가능</a:t>
             </a:r>
-            <a:endParaRPr lang="ko-KR" altLang="en-US" dirty="0"/>
           </a:p>
         </p:txBody>
       </p:sp>
@@ -3927,10 +5344,9 @@
           <a:lstStyle/>
           <a:p>
             <a:r>
-              <a:rPr lang="ko-KR" altLang="en-US" dirty="0" smtClean="0"/>
+              <a:rPr lang="ko-KR" altLang="en-US" dirty="0"/>
               <a:t>타입 캐스팅 필요</a:t>
             </a:r>
-            <a:endParaRPr lang="ko-KR" altLang="en-US" dirty="0"/>
           </a:p>
         </p:txBody>
       </p:sp>
@@ -3944,13 +5360,6 @@
   <p:clrMapOvr>
     <a:masterClrMapping/>
   </p:clrMapOvr>
-  <p:timing>
-    <p:tnLst>
-      <p:par>
-        <p:cTn id="1" dur="indefinite" restart="never" nodeType="tmRoot"/>
-      </p:par>
-    </p:tnLst>
-  </p:timing>
 </p:sld>
 </file>
 
@@ -4010,10 +5419,9 @@
           <a:lstStyle/>
           <a:p>
             <a:r>
-              <a:rPr lang="ko-KR" altLang="en-US" dirty="0" smtClean="0"/>
+              <a:rPr lang="ko-KR" altLang="en-US" dirty="0"/>
               <a:t>집합체 타입</a:t>
             </a:r>
-            <a:endParaRPr lang="ko-KR" altLang="en-US" dirty="0"/>
           </a:p>
         </p:txBody>
       </p:sp>
@@ -4091,13 +5499,6 @@
   <p:clrMapOvr>
     <a:masterClrMapping/>
   </p:clrMapOvr>
-  <p:timing>
-    <p:tnLst>
-      <p:par>
-        <p:cTn id="1" dur="indefinite" restart="never" nodeType="tmRoot"/>
-      </p:par>
-    </p:tnLst>
-  </p:timing>
 </p:sld>
 </file>
 
@@ -4157,19 +5558,19 @@
           <a:lstStyle/>
           <a:p>
             <a:r>
-              <a:rPr lang="ko-KR" altLang="en-US" dirty="0" smtClean="0"/>
+              <a:rPr lang="ko-KR" altLang="en-US" dirty="0"/>
               <a:t>집합체 타입 선언</a:t>
             </a:r>
-            <a:endParaRPr lang="en-US" altLang="ko-KR" dirty="0" smtClean="0"/>
-          </a:p>
-          <a:p>
-            <a:endParaRPr lang="en-US" altLang="ko-KR" dirty="0" smtClean="0"/>
-          </a:p>
-          <a:p>
-            <a:endParaRPr lang="en-US" altLang="ko-KR" dirty="0" smtClean="0"/>
-          </a:p>
-          <a:p>
-            <a:endParaRPr lang="en-US" altLang="ko-KR" dirty="0" smtClean="0"/>
+            <a:endParaRPr lang="en-US" altLang="ko-KR" dirty="0"/>
+          </a:p>
+          <a:p>
+            <a:endParaRPr lang="en-US" altLang="ko-KR" dirty="0"/>
+          </a:p>
+          <a:p>
+            <a:endParaRPr lang="en-US" altLang="ko-KR" dirty="0"/>
+          </a:p>
+          <a:p>
+            <a:endParaRPr lang="en-US" altLang="ko-KR" dirty="0"/>
           </a:p>
           <a:p>
             <a:endParaRPr lang="en-US" altLang="ko-KR" dirty="0"/>
@@ -4460,13 +5861,6 @@
   <p:clrMapOvr>
     <a:masterClrMapping/>
   </p:clrMapOvr>
-  <p:timing>
-    <p:tnLst>
-      <p:par>
-        <p:cTn id="1" dur="indefinite" restart="never" nodeType="tmRoot"/>
-      </p:par>
-    </p:tnLst>
-  </p:timing>
 </p:sld>
 </file>
 
@@ -4526,19 +5920,19 @@
           <a:lstStyle/>
           <a:p>
             <a:r>
-              <a:rPr lang="ko-KR" altLang="en-US" dirty="0" smtClean="0"/>
+              <a:rPr lang="ko-KR" altLang="en-US" dirty="0"/>
               <a:t>집합체 타입 선언</a:t>
             </a:r>
-            <a:endParaRPr lang="en-US" altLang="ko-KR" dirty="0" smtClean="0"/>
-          </a:p>
-          <a:p>
-            <a:endParaRPr lang="en-US" altLang="ko-KR" dirty="0" smtClean="0"/>
-          </a:p>
-          <a:p>
-            <a:endParaRPr lang="en-US" altLang="ko-KR" dirty="0" smtClean="0"/>
-          </a:p>
-          <a:p>
-            <a:endParaRPr lang="en-US" altLang="ko-KR" dirty="0" smtClean="0"/>
+            <a:endParaRPr lang="en-US" altLang="ko-KR" dirty="0"/>
+          </a:p>
+          <a:p>
+            <a:endParaRPr lang="en-US" altLang="ko-KR" dirty="0"/>
+          </a:p>
+          <a:p>
+            <a:endParaRPr lang="en-US" altLang="ko-KR" dirty="0"/>
+          </a:p>
+          <a:p>
+            <a:endParaRPr lang="en-US" altLang="ko-KR" dirty="0"/>
           </a:p>
           <a:p>
             <a:endParaRPr lang="en-US" altLang="ko-KR" dirty="0"/>
@@ -5046,11 +6440,11 @@
           <a:lstStyle/>
           <a:p>
             <a:r>
-              <a:rPr lang="en-US" altLang="ko-KR" dirty="0" err="1" smtClean="0"/>
+              <a:rPr lang="en-US" altLang="ko-KR" dirty="0" err="1"/>
               <a:t>Culumn</a:t>
             </a:r>
             <a:r>
-              <a:rPr lang="en-US" altLang="ko-KR" dirty="0" smtClean="0"/>
+              <a:rPr lang="en-US" altLang="ko-KR" dirty="0"/>
               <a:t> major matrices</a:t>
             </a:r>
           </a:p>
@@ -5066,13 +6460,6 @@
   <p:clrMapOvr>
     <a:masterClrMapping/>
   </p:clrMapOvr>
-  <p:timing>
-    <p:tnLst>
-      <p:par>
-        <p:cTn id="1" dur="indefinite" restart="never" nodeType="tmRoot"/>
-      </p:par>
-    </p:tnLst>
-  </p:timing>
 </p:sld>
 </file>
 
@@ -5132,16 +6519,16 @@
           <a:lstStyle/>
           <a:p>
             <a:r>
-              <a:rPr lang="ko-KR" altLang="en-US" dirty="0" smtClean="0"/>
+              <a:rPr lang="ko-KR" altLang="en-US" dirty="0"/>
               <a:t>집합체 캐스팅</a:t>
             </a:r>
-            <a:endParaRPr lang="en-US" altLang="ko-KR" dirty="0" smtClean="0"/>
-          </a:p>
-          <a:p>
-            <a:endParaRPr lang="en-US" altLang="ko-KR" dirty="0" smtClean="0"/>
-          </a:p>
-          <a:p>
-            <a:endParaRPr lang="en-US" altLang="ko-KR" dirty="0" smtClean="0"/>
+            <a:endParaRPr lang="en-US" altLang="ko-KR" dirty="0"/>
+          </a:p>
+          <a:p>
+            <a:endParaRPr lang="en-US" altLang="ko-KR" dirty="0"/>
+          </a:p>
+          <a:p>
+            <a:endParaRPr lang="en-US" altLang="ko-KR" dirty="0"/>
           </a:p>
           <a:p>
             <a:endParaRPr lang="en-US" altLang="ko-KR" dirty="0"/>
@@ -5537,13 +6924,6 @@
   <p:clrMapOvr>
     <a:masterClrMapping/>
   </p:clrMapOvr>
-  <p:timing>
-    <p:tnLst>
-      <p:par>
-        <p:cTn id="1" dur="indefinite" restart="never" nodeType="tmRoot"/>
-      </p:par>
-    </p:tnLst>
-  </p:timing>
 </p:sld>
 </file>
 
@@ -5644,10 +7024,9 @@
           <a:lstStyle/>
           <a:p>
             <a:r>
-              <a:rPr lang="ko-KR" altLang="en-US" dirty="0" smtClean="0"/>
+              <a:rPr lang="ko-KR" altLang="en-US" dirty="0"/>
               <a:t>집합체 사용</a:t>
             </a:r>
-            <a:endParaRPr lang="ko-KR" altLang="en-US" dirty="0"/>
           </a:p>
         </p:txBody>
       </p:sp>
@@ -6086,13 +7465,6 @@
   <p:clrMapOvr>
     <a:masterClrMapping/>
   </p:clrMapOvr>
-  <p:timing>
-    <p:tnLst>
-      <p:par>
-        <p:cTn id="1" dur="indefinite" restart="never" nodeType="tmRoot"/>
-      </p:par>
-    </p:tnLst>
-  </p:timing>
 </p:sld>
 </file>
 
@@ -6194,13 +7566,8 @@
           <a:p>
             <a:r>
               <a:rPr lang="ko-KR" altLang="en-US" dirty="0"/>
-              <a:t>집합체 </a:t>
-            </a:r>
-            <a:r>
-              <a:rPr lang="ko-KR" altLang="en-US" dirty="0" smtClean="0"/>
-              <a:t>사용 연습문제</a:t>
-            </a:r>
-            <a:endParaRPr lang="ko-KR" altLang="en-US" dirty="0"/>
+              <a:t>집합체 사용 연습문제</a:t>
+            </a:r>
           </a:p>
         </p:txBody>
       </p:sp>
@@ -6331,7 +7698,7 @@
           <a:lstStyle/>
           <a:p>
             <a:r>
-              <a:rPr lang="en-US" altLang="ko-KR" sz="2400" dirty="0" smtClean="0">
+              <a:rPr lang="en-US" altLang="ko-KR" sz="2400" dirty="0">
                 <a:solidFill>
                   <a:srgbClr val="FF0000"/>
                 </a:solidFill>
@@ -6341,7 +7708,7 @@
           </a:p>
           <a:p>
             <a:r>
-              <a:rPr lang="en-US" altLang="ko-KR" sz="2400" dirty="0" err="1" smtClean="0">
+              <a:rPr lang="en-US" altLang="ko-KR" sz="2400" dirty="0" err="1">
                 <a:solidFill>
                   <a:srgbClr val="FF0000"/>
                 </a:solidFill>
@@ -6349,7 +7716,7 @@
               <a:t>zVec</a:t>
             </a:r>
             <a:r>
-              <a:rPr lang="en-US" altLang="ko-KR" sz="2400" dirty="0" smtClean="0">
+              <a:rPr lang="en-US" altLang="ko-KR" sz="2400" dirty="0">
                 <a:solidFill>
                   <a:srgbClr val="FF0000"/>
                 </a:solidFill>
@@ -6359,7 +7726,7 @@
           </a:p>
           <a:p>
             <a:r>
-              <a:rPr lang="en-US" altLang="ko-KR" sz="2400" dirty="0" err="1" smtClean="0">
+              <a:rPr lang="en-US" altLang="ko-KR" sz="2400" dirty="0" err="1">
                 <a:solidFill>
                   <a:srgbClr val="FF0000"/>
                 </a:solidFill>
@@ -6367,7 +7734,7 @@
               <a:t>yScale</a:t>
             </a:r>
             <a:r>
-              <a:rPr lang="en-US" altLang="ko-KR" sz="2400" dirty="0" smtClean="0">
+              <a:rPr lang="en-US" altLang="ko-KR" sz="2400" dirty="0">
                 <a:solidFill>
                   <a:srgbClr val="FF0000"/>
                 </a:solidFill>
@@ -6392,13 +7759,6 @@
   <p:clrMapOvr>
     <a:masterClrMapping/>
   </p:clrMapOvr>
-  <p:timing>
-    <p:tnLst>
-      <p:par>
-        <p:cTn id="1" dur="indefinite" restart="never" nodeType="tmRoot"/>
-      </p:par>
-    </p:tnLst>
-  </p:timing>
 </p:sld>
 </file>
 
@@ -6458,10 +7818,9 @@
           <a:lstStyle/>
           <a:p>
             <a:r>
-              <a:rPr lang="ko-KR" altLang="en-US" dirty="0" smtClean="0"/>
+              <a:rPr lang="ko-KR" altLang="en-US" dirty="0"/>
               <a:t>함수 선언</a:t>
             </a:r>
-            <a:endParaRPr lang="ko-KR" altLang="en-US" dirty="0"/>
           </a:p>
         </p:txBody>
       </p:sp>
@@ -6603,13 +7962,6 @@
   <p:clrMapOvr>
     <a:masterClrMapping/>
   </p:clrMapOvr>
-  <p:timing>
-    <p:tnLst>
-      <p:par>
-        <p:cTn id="1" dur="indefinite" restart="never" nodeType="tmRoot"/>
-      </p:par>
-    </p:tnLst>
-  </p:timing>
 </p:sld>
 </file>
 
@@ -6646,10 +7998,9 @@
           <a:lstStyle/>
           <a:p>
             <a:r>
-              <a:rPr lang="ko-KR" altLang="en-US" dirty="0" smtClean="0"/>
+              <a:rPr lang="ko-KR" altLang="en-US" dirty="0"/>
               <a:t>개요</a:t>
             </a:r>
-            <a:endParaRPr lang="ko-KR" altLang="en-US" dirty="0"/>
           </a:p>
         </p:txBody>
       </p:sp>
@@ -6669,89 +8020,84 @@
           <a:lstStyle/>
           <a:p>
             <a:r>
-              <a:rPr lang="en-US" altLang="ko-KR" dirty="0" smtClean="0"/>
+              <a:rPr lang="en-US" altLang="ko-KR" dirty="0"/>
               <a:t>OpenGL Shading Language </a:t>
             </a:r>
           </a:p>
           <a:p>
             <a:r>
-              <a:rPr lang="en-US" altLang="ko-KR" dirty="0" smtClean="0"/>
+              <a:rPr lang="en-US" altLang="ko-KR" dirty="0"/>
               <a:t>Shader</a:t>
             </a:r>
             <a:r>
-              <a:rPr lang="ko-KR" altLang="en-US" dirty="0" smtClean="0"/>
+              <a:rPr lang="ko-KR" altLang="en-US" dirty="0"/>
+              <a:t> 입출력 </a:t>
+            </a:r>
+            <a:endParaRPr lang="en-US" altLang="ko-KR" dirty="0"/>
+          </a:p>
+          <a:p>
+            <a:r>
+              <a:rPr lang="en-US" altLang="ko-KR" dirty="0"/>
+              <a:t>Shader</a:t>
+            </a:r>
+            <a:r>
+              <a:rPr lang="ko-KR" altLang="en-US" dirty="0"/>
+              <a:t> 컴파일</a:t>
+            </a:r>
+            <a:endParaRPr lang="en-US" altLang="ko-KR" dirty="0"/>
+          </a:p>
+          <a:p>
+            <a:r>
+              <a:rPr lang="en-US" altLang="ko-KR" dirty="0"/>
+              <a:t>Vertex</a:t>
+            </a:r>
+            <a:r>
+              <a:rPr lang="ko-KR" altLang="en-US" dirty="0"/>
               <a:t> </a:t>
             </a:r>
             <a:r>
+              <a:rPr lang="en-US" altLang="ko-KR" dirty="0"/>
+              <a:t>Shader</a:t>
+            </a:r>
+            <a:r>
               <a:rPr lang="ko-KR" altLang="en-US" dirty="0"/>
-              <a:t>입출력 </a:t>
-            </a:r>
-            <a:endParaRPr lang="en-US" altLang="ko-KR" dirty="0" smtClean="0"/>
-          </a:p>
-          <a:p>
-            <a:r>
-              <a:rPr lang="en-US" altLang="ko-KR" dirty="0" smtClean="0"/>
+              <a:t> 입력</a:t>
+            </a:r>
+            <a:endParaRPr lang="en-US" altLang="ko-KR" dirty="0"/>
+          </a:p>
+          <a:p>
+            <a:r>
+              <a:rPr lang="en-US" altLang="ko-KR" dirty="0"/>
               <a:t>Shader</a:t>
             </a:r>
             <a:r>
-              <a:rPr lang="ko-KR" altLang="en-US" dirty="0" smtClean="0"/>
-              <a:t> 컴파일</a:t>
-            </a:r>
-            <a:endParaRPr lang="en-US" altLang="ko-KR" dirty="0" smtClean="0"/>
-          </a:p>
-          <a:p>
-            <a:r>
-              <a:rPr lang="en-US" altLang="ko-KR" dirty="0" smtClean="0"/>
-              <a:t>Vertex</a:t>
-            </a:r>
-            <a:r>
-              <a:rPr lang="ko-KR" altLang="en-US" dirty="0" smtClean="0"/>
-              <a:t> </a:t>
-            </a:r>
-            <a:r>
-              <a:rPr lang="en-US" altLang="ko-KR" dirty="0"/>
-              <a:t>Shader</a:t>
-            </a:r>
-            <a:r>
-              <a:rPr lang="ko-KR" altLang="en-US" dirty="0" smtClean="0"/>
-              <a:t> 입력</a:t>
-            </a:r>
-            <a:endParaRPr lang="en-US" altLang="ko-KR" dirty="0" smtClean="0"/>
-          </a:p>
-          <a:p>
-            <a:r>
-              <a:rPr lang="en-US" altLang="ko-KR" dirty="0"/>
-              <a:t>Shader</a:t>
-            </a:r>
-            <a:r>
-              <a:rPr lang="ko-KR" altLang="en-US" dirty="0" smtClean="0"/>
+              <a:rPr lang="ko-KR" altLang="en-US" dirty="0"/>
               <a:t> 외부 입력</a:t>
             </a:r>
-            <a:endParaRPr lang="en-US" altLang="ko-KR" dirty="0" smtClean="0"/>
-          </a:p>
-          <a:p>
-            <a:r>
-              <a:rPr lang="ko-KR" altLang="en-US" dirty="0" smtClean="0"/>
+            <a:endParaRPr lang="en-US" altLang="ko-KR" dirty="0"/>
+          </a:p>
+          <a:p>
+            <a:r>
+              <a:rPr lang="ko-KR" altLang="en-US" dirty="0"/>
               <a:t>실습 </a:t>
             </a:r>
             <a:r>
-              <a:rPr lang="en-US" altLang="ko-KR" dirty="0" smtClean="0"/>
+              <a:rPr lang="en-US" altLang="ko-KR" dirty="0"/>
               <a:t>: </a:t>
             </a:r>
             <a:r>
-              <a:rPr lang="ko-KR" altLang="en-US" dirty="0" smtClean="0"/>
+              <a:rPr lang="ko-KR" altLang="en-US" dirty="0"/>
               <a:t>외부 입력 추가</a:t>
             </a:r>
-            <a:endParaRPr lang="ko-KR" altLang="en-US" dirty="0"/>
           </a:p>
           <a:p>
             <a:pPr marL="0" indent="0">
               <a:buNone/>
             </a:pPr>
-            <a:endParaRPr lang="en-US" altLang="ko-KR" dirty="0" smtClean="0"/>
-          </a:p>
-          <a:p>
-            <a:endParaRPr lang="en-US" altLang="ko-KR" dirty="0" smtClean="0"/>
+            <a:endParaRPr lang="en-US" altLang="ko-KR" dirty="0"/>
+          </a:p>
+          <a:p>
+            <a:endParaRPr lang="en-US" altLang="ko-KR" dirty="0"/>
           </a:p>
         </p:txBody>
       </p:sp>
@@ -6765,13 +8111,6 @@
   <p:clrMapOvr>
     <a:masterClrMapping/>
   </p:clrMapOvr>
-  <p:timing>
-    <p:tnLst>
-      <p:par>
-        <p:cTn id="1" dur="indefinite" restart="never" nodeType="tmRoot"/>
-      </p:par>
-    </p:tnLst>
-  </p:timing>
 </p:sld>
 </file>
 
@@ -6850,66 +8189,29 @@
                   <a:schemeClr val="tx1"/>
                 </a:solidFill>
               </a:rPr>
-              <a:t>(float a, </a:t>
-            </a:r>
-            <a:r>
-              <a:rPr lang="en-US" altLang="ko-KR" sz="2000" dirty="0" smtClean="0">
-                <a:solidFill>
-                  <a:schemeClr val="tx1"/>
-                </a:solidFill>
-              </a:rPr>
-              <a:t>out float </a:t>
-            </a:r>
+              <a:t>(float a, out float b)</a:t>
+            </a:r>
+          </a:p>
+          <a:p>
             <a:r>
               <a:rPr lang="en-US" altLang="ko-KR" sz="2000" dirty="0">
                 <a:solidFill>
                   <a:schemeClr val="tx1"/>
                 </a:solidFill>
               </a:rPr>
-              <a:t>b)</a:t>
-            </a:r>
-          </a:p>
-          <a:p>
-            <a:r>
-              <a:rPr lang="en-US" altLang="ko-KR" sz="2000" dirty="0" smtClean="0">
-                <a:solidFill>
-                  <a:schemeClr val="tx1"/>
-                </a:solidFill>
-              </a:rPr>
               <a:t>{</a:t>
             </a:r>
           </a:p>
           <a:p>
             <a:pPr lvl="1"/>
-            <a:r>
-              <a:rPr lang="en-US" altLang="ko-KR" sz="2000" dirty="0" smtClean="0">
-                <a:solidFill>
-                  <a:schemeClr val="tx1"/>
-                </a:solidFill>
-              </a:rPr>
-              <a:t>a </a:t>
-            </a:r>
             <a:r>
               <a:rPr lang="en-US" altLang="ko-KR" sz="2000" dirty="0">
                 <a:solidFill>
                   <a:schemeClr val="tx1"/>
                 </a:solidFill>
               </a:rPr>
-              <a:t>= a+1.0</a:t>
-            </a:r>
-            <a:r>
-              <a:rPr lang="en-US" altLang="ko-KR" sz="2000" dirty="0" smtClean="0">
-                <a:solidFill>
-                  <a:schemeClr val="tx1"/>
-                </a:solidFill>
-              </a:rPr>
-              <a:t>;</a:t>
-            </a:r>
-            <a:endParaRPr lang="en-US" altLang="ko-KR" sz="2000" dirty="0">
-              <a:solidFill>
-                <a:schemeClr val="tx1"/>
-              </a:solidFill>
-            </a:endParaRPr>
+              <a:t>a = a+1.0;</a:t>
+            </a:r>
           </a:p>
           <a:p>
             <a:pPr lvl="1"/>
@@ -6919,21 +8221,8 @@
                   <a:schemeClr val="tx1"/>
                 </a:solidFill>
               </a:rPr>
-              <a:t>b = a</a:t>
-            </a:r>
-            <a:r>
-              <a:rPr lang="en-US" altLang="ko-KR" sz="2000" dirty="0" smtClean="0">
-                <a:solidFill>
-                  <a:schemeClr val="tx1"/>
-                </a:solidFill>
-              </a:rPr>
-              <a:t>;</a:t>
-            </a:r>
-            <a:endParaRPr lang="en-US" altLang="ko-KR" sz="2000" dirty="0">
-              <a:solidFill>
-                <a:schemeClr val="tx1"/>
-              </a:solidFill>
-            </a:endParaRPr>
+              <a:t>b = a;</a:t>
+            </a:r>
           </a:p>
           <a:p>
             <a:pPr lvl="1"/>
@@ -7023,10 +8312,10 @@
           <a:lstStyle/>
           <a:p>
             <a:r>
-              <a:rPr lang="ko-KR" altLang="en-US" dirty="0" smtClean="0"/>
+              <a:rPr lang="ko-KR" altLang="en-US" dirty="0"/>
               <a:t>함수 선언</a:t>
             </a:r>
-            <a:endParaRPr lang="en-US" altLang="ko-KR" dirty="0" smtClean="0"/>
+            <a:endParaRPr lang="en-US" altLang="ko-KR" dirty="0"/>
           </a:p>
         </p:txBody>
       </p:sp>
@@ -7075,7 +8364,7 @@
               <a:t>float </a:t>
             </a:r>
             <a:r>
-              <a:rPr lang="en-US" altLang="ko-KR" sz="2000" dirty="0" err="1" smtClean="0">
+              <a:rPr lang="en-US" altLang="ko-KR" sz="2000" dirty="0" err="1">
                 <a:solidFill>
                   <a:schemeClr val="tx1"/>
                 </a:solidFill>
@@ -7083,7 +8372,7 @@
               <a:t>addSome</a:t>
             </a:r>
             <a:r>
-              <a:rPr lang="en-US" altLang="ko-KR" sz="2000" dirty="0" smtClean="0">
+              <a:rPr lang="en-US" altLang="ko-KR" sz="2000" dirty="0">
                 <a:solidFill>
                   <a:schemeClr val="tx1"/>
                 </a:solidFill>
@@ -7091,7 +8380,7 @@
               <a:t>(</a:t>
             </a:r>
             <a:r>
-              <a:rPr lang="en-US" altLang="ko-KR" sz="2000" dirty="0" err="1" smtClean="0">
+              <a:rPr lang="en-US" altLang="ko-KR" sz="2000" dirty="0" err="1">
                 <a:solidFill>
                   <a:schemeClr val="tx1"/>
                 </a:solidFill>
@@ -7099,25 +8388,17 @@
               <a:t>const</a:t>
             </a:r>
             <a:r>
-              <a:rPr lang="en-US" altLang="ko-KR" sz="2000" dirty="0" smtClean="0">
-                <a:solidFill>
-                  <a:schemeClr val="tx1"/>
-                </a:solidFill>
-              </a:rPr>
-              <a:t> in float </a:t>
-            </a:r>
-            <a:r>
               <a:rPr lang="en-US" altLang="ko-KR" sz="2000" dirty="0">
                 <a:solidFill>
                   <a:schemeClr val="tx1"/>
                 </a:solidFill>
               </a:rPr>
-              <a:t>a, float b)</a:t>
-            </a:r>
-          </a:p>
-          <a:p>
-            <a:r>
-              <a:rPr lang="en-US" altLang="ko-KR" sz="2000" dirty="0" smtClean="0">
+              <a:t> in float a, float b)</a:t>
+            </a:r>
+          </a:p>
+          <a:p>
+            <a:r>
+              <a:rPr lang="en-US" altLang="ko-KR" sz="2000" dirty="0">
                 <a:solidFill>
                   <a:schemeClr val="tx1"/>
                 </a:solidFill>
@@ -7128,34 +8409,13 @@
           <a:p>
             <a:pPr lvl="1"/>
             <a:r>
-              <a:rPr lang="en-US" altLang="ko-KR" sz="2000" dirty="0" smtClean="0">
-                <a:solidFill>
-                  <a:schemeClr val="tx1"/>
-                </a:solidFill>
-              </a:rPr>
-              <a:t>a </a:t>
-            </a:r>
-            <a:r>
               <a:rPr lang="en-US" altLang="ko-KR" sz="2000" dirty="0">
                 <a:solidFill>
                   <a:schemeClr val="tx1"/>
                 </a:solidFill>
               </a:rPr>
-              <a:t>= a+1.0</a:t>
-            </a:r>
-            <a:r>
-              <a:rPr lang="en-US" altLang="ko-KR" sz="2000" dirty="0" smtClean="0">
-                <a:solidFill>
-                  <a:schemeClr val="tx1"/>
-                </a:solidFill>
-              </a:rPr>
-              <a:t>;</a:t>
-            </a:r>
-            <a:endParaRPr lang="en-US" altLang="ko-KR" sz="2000" dirty="0">
-              <a:solidFill>
-                <a:schemeClr val="tx1"/>
-              </a:solidFill>
-            </a:endParaRPr>
+              <a:t>a = a+1.0;</a:t>
+            </a:r>
           </a:p>
           <a:p>
             <a:pPr lvl="1"/>
@@ -7171,7 +8431,7 @@
           <a:p>
             <a:pPr lvl="1"/>
             <a:r>
-              <a:rPr lang="en-US" altLang="ko-KR" sz="2000" dirty="0" smtClean="0">
+              <a:rPr lang="en-US" altLang="ko-KR" sz="2000" dirty="0">
                 <a:solidFill>
                   <a:schemeClr val="tx1"/>
                 </a:solidFill>
@@ -7273,7 +8533,7 @@
               <a:t>(float a, </a:t>
             </a:r>
             <a:r>
-              <a:rPr lang="en-US" altLang="ko-KR" sz="2000" dirty="0" err="1" smtClean="0">
+              <a:rPr lang="en-US" altLang="ko-KR" sz="2000" dirty="0" err="1">
                 <a:solidFill>
                   <a:schemeClr val="tx1"/>
                 </a:solidFill>
@@ -7281,7 +8541,7 @@
               <a:t>inout</a:t>
             </a:r>
             <a:r>
-              <a:rPr lang="ko-KR" altLang="en-US" sz="2000" dirty="0" smtClean="0">
+              <a:rPr lang="ko-KR" altLang="en-US" sz="2000" dirty="0">
                 <a:solidFill>
                   <a:schemeClr val="tx1"/>
                 </a:solidFill>
@@ -7289,25 +8549,17 @@
               <a:t> </a:t>
             </a:r>
             <a:r>
-              <a:rPr lang="en-US" altLang="ko-KR" sz="2000" dirty="0" smtClean="0">
-                <a:solidFill>
-                  <a:schemeClr val="tx1"/>
-                </a:solidFill>
-              </a:rPr>
-              <a:t>float </a:t>
-            </a:r>
-            <a:r>
               <a:rPr lang="en-US" altLang="ko-KR" sz="2000" dirty="0">
                 <a:solidFill>
                   <a:schemeClr val="tx1"/>
                 </a:solidFill>
               </a:rPr>
-              <a:t>b)</a:t>
-            </a:r>
-          </a:p>
-          <a:p>
-            <a:r>
-              <a:rPr lang="en-US" altLang="ko-KR" sz="2000" dirty="0" smtClean="0">
+              <a:t>float b)</a:t>
+            </a:r>
+          </a:p>
+          <a:p>
+            <a:r>
+              <a:rPr lang="en-US" altLang="ko-KR" sz="2000" dirty="0">
                 <a:solidFill>
                   <a:schemeClr val="tx1"/>
                 </a:solidFill>
@@ -7318,45 +8570,24 @@
           <a:p>
             <a:pPr lvl="1"/>
             <a:r>
-              <a:rPr lang="en-US" altLang="ko-KR" sz="2000" dirty="0" smtClean="0">
-                <a:solidFill>
-                  <a:schemeClr val="tx1"/>
-                </a:solidFill>
-              </a:rPr>
-              <a:t>a </a:t>
-            </a:r>
-            <a:r>
               <a:rPr lang="en-US" altLang="ko-KR" sz="2000" dirty="0">
                 <a:solidFill>
                   <a:schemeClr val="tx1"/>
                 </a:solidFill>
               </a:rPr>
-              <a:t>= a+1.0</a:t>
-            </a:r>
-            <a:r>
-              <a:rPr lang="en-US" altLang="ko-KR" sz="2000" dirty="0" smtClean="0">
-                <a:solidFill>
-                  <a:schemeClr val="tx1"/>
-                </a:solidFill>
-              </a:rPr>
-              <a:t>;</a:t>
+              <a:t>a = a+1.0;</a:t>
             </a:r>
           </a:p>
           <a:p>
             <a:pPr lvl="1"/>
             <a:r>
-              <a:rPr lang="en-US" altLang="ko-KR" sz="2000" dirty="0" smtClean="0">
+              <a:rPr lang="en-US" altLang="ko-KR" sz="2000" dirty="0">
                 <a:solidFill>
                   <a:schemeClr val="tx1"/>
                 </a:solidFill>
               </a:rPr>
               <a:t>b = a;</a:t>
             </a:r>
-            <a:endParaRPr lang="en-US" altLang="ko-KR" sz="2000" dirty="0">
-              <a:solidFill>
-                <a:schemeClr val="tx1"/>
-              </a:solidFill>
-            </a:endParaRPr>
           </a:p>
           <a:p>
             <a:pPr lvl="1"/>
@@ -7447,7 +8678,7 @@
               <a:t>float </a:t>
             </a:r>
             <a:r>
-              <a:rPr lang="en-US" altLang="ko-KR" sz="2000" dirty="0" err="1" smtClean="0">
+              <a:rPr lang="en-US" altLang="ko-KR" sz="2000" dirty="0" err="1">
                 <a:solidFill>
                   <a:schemeClr val="tx1"/>
                 </a:solidFill>
@@ -7455,25 +8686,17 @@
               <a:t>addSome</a:t>
             </a:r>
             <a:r>
-              <a:rPr lang="en-US" altLang="ko-KR" sz="2000" dirty="0" smtClean="0">
-                <a:solidFill>
-                  <a:schemeClr val="tx1"/>
-                </a:solidFill>
-              </a:rPr>
-              <a:t>(in float </a:t>
-            </a:r>
-            <a:r>
               <a:rPr lang="en-US" altLang="ko-KR" sz="2000" dirty="0">
                 <a:solidFill>
                   <a:schemeClr val="tx1"/>
                 </a:solidFill>
               </a:rPr>
-              <a:t>a, float b)</a:t>
-            </a:r>
-          </a:p>
-          <a:p>
-            <a:r>
-              <a:rPr lang="en-US" altLang="ko-KR" sz="2000" dirty="0" smtClean="0">
+              <a:t>(in float a, float b)</a:t>
+            </a:r>
+          </a:p>
+          <a:p>
+            <a:r>
+              <a:rPr lang="en-US" altLang="ko-KR" sz="2000" dirty="0">
                 <a:solidFill>
                   <a:schemeClr val="tx1"/>
                 </a:solidFill>
@@ -7484,34 +8707,13 @@
           <a:p>
             <a:pPr lvl="1"/>
             <a:r>
-              <a:rPr lang="en-US" altLang="ko-KR" sz="2000" dirty="0" smtClean="0">
-                <a:solidFill>
-                  <a:schemeClr val="tx1"/>
-                </a:solidFill>
-              </a:rPr>
-              <a:t>a </a:t>
-            </a:r>
-            <a:r>
               <a:rPr lang="en-US" altLang="ko-KR" sz="2000" dirty="0">
                 <a:solidFill>
                   <a:schemeClr val="tx1"/>
                 </a:solidFill>
               </a:rPr>
-              <a:t>= a+1.0</a:t>
-            </a:r>
-            <a:r>
-              <a:rPr lang="en-US" altLang="ko-KR" sz="2000" dirty="0" smtClean="0">
-                <a:solidFill>
-                  <a:schemeClr val="tx1"/>
-                </a:solidFill>
-              </a:rPr>
-              <a:t>;</a:t>
-            </a:r>
-            <a:endParaRPr lang="en-US" altLang="ko-KR" sz="2000" dirty="0">
-              <a:solidFill>
-                <a:schemeClr val="tx1"/>
-              </a:solidFill>
-            </a:endParaRPr>
+              <a:t>a = a+1.0;</a:t>
+            </a:r>
           </a:p>
           <a:p>
             <a:pPr lvl="1"/>
@@ -7527,7 +8729,7 @@
           <a:p>
             <a:pPr lvl="1"/>
             <a:r>
-              <a:rPr lang="en-US" altLang="ko-KR" sz="2000" dirty="0" smtClean="0">
+              <a:rPr lang="en-US" altLang="ko-KR" sz="2000" dirty="0">
                 <a:solidFill>
                   <a:schemeClr val="tx1"/>
                 </a:solidFill>
@@ -7578,13 +8780,6 @@
   <p:clrMapOvr>
     <a:masterClrMapping/>
   </p:clrMapOvr>
-  <p:timing>
-    <p:tnLst>
-      <p:par>
-        <p:cTn id="1" dur="indefinite" restart="never" nodeType="tmRoot"/>
-      </p:par>
-    </p:tnLst>
-  </p:timing>
 </p:sld>
 </file>
 
@@ -7621,14 +8816,13 @@
           <a:lstStyle/>
           <a:p>
             <a:r>
-              <a:rPr lang="en-US" altLang="ko-KR" dirty="0" smtClean="0"/>
+              <a:rPr lang="en-US" altLang="ko-KR" dirty="0"/>
               <a:t>Shader </a:t>
             </a:r>
             <a:r>
-              <a:rPr lang="ko-KR" altLang="en-US" dirty="0" smtClean="0"/>
+              <a:rPr lang="ko-KR" altLang="en-US" dirty="0"/>
               <a:t>입출력</a:t>
             </a:r>
-            <a:endParaRPr lang="ko-KR" altLang="en-US" dirty="0"/>
           </a:p>
         </p:txBody>
       </p:sp>
@@ -7723,7 +8917,7 @@
           <a:lstStyle/>
           <a:p>
             <a:r>
-              <a:rPr lang="ko-KR" altLang="en-US" dirty="0" smtClean="0"/>
+              <a:rPr lang="ko-KR" altLang="en-US" dirty="0"/>
               <a:t>각 </a:t>
             </a:r>
             <a:r>
@@ -7731,10 +8925,9 @@
               <a:t>Shader</a:t>
             </a:r>
             <a:r>
-              <a:rPr lang="ko-KR" altLang="en-US" dirty="0" smtClean="0"/>
+              <a:rPr lang="ko-KR" altLang="en-US" dirty="0"/>
               <a:t> 단위로 입력 값과 출력 값이 있으며 고유의 입출력 값과 사용자 정의 입출력 값이 있음</a:t>
             </a:r>
-            <a:endParaRPr lang="ko-KR" altLang="en-US" dirty="0"/>
           </a:p>
         </p:txBody>
       </p:sp>
@@ -7773,7 +8966,7 @@
           <a:p>
             <a:pPr algn="ctr"/>
             <a:r>
-              <a:rPr lang="en-US" altLang="ko-KR" b="1" dirty="0" smtClean="0">
+              <a:rPr lang="en-US" altLang="ko-KR" b="1" dirty="0">
                 <a:effectLst>
                   <a:outerShdw blurRad="38100" dist="38100" dir="2700000" algn="tl">
                     <a:srgbClr val="000000">
@@ -7823,7 +9016,7 @@
               <a:buChar char="•"/>
             </a:pPr>
             <a:r>
-              <a:rPr lang="ko-KR" altLang="en-US" dirty="0" smtClean="0">
+              <a:rPr lang="ko-KR" altLang="en-US" dirty="0">
                 <a:solidFill>
                   <a:srgbClr val="FF0000"/>
                 </a:solidFill>
@@ -7831,7 +9024,7 @@
               <a:t>사용자가 정의한 </a:t>
             </a:r>
             <a:r>
-              <a:rPr lang="en-US" altLang="ko-KR" dirty="0" smtClean="0">
+              <a:rPr lang="en-US" altLang="ko-KR" dirty="0">
                 <a:solidFill>
                   <a:srgbClr val="FF0000"/>
                 </a:solidFill>
@@ -7839,14 +9032,14 @@
               <a:t>VS </a:t>
             </a:r>
             <a:r>
-              <a:rPr lang="ko-KR" altLang="en-US" dirty="0" smtClean="0">
+              <a:rPr lang="ko-KR" altLang="en-US" dirty="0">
                 <a:solidFill>
                   <a:srgbClr val="FF0000"/>
                 </a:solidFill>
               </a:rPr>
               <a:t>출력 값</a:t>
             </a:r>
-            <a:endParaRPr lang="en-US" altLang="ko-KR" dirty="0" smtClean="0">
+            <a:endParaRPr lang="en-US" altLang="ko-KR" dirty="0">
               <a:solidFill>
                 <a:srgbClr val="FF0000"/>
               </a:solidFill>
@@ -7857,7 +9050,7 @@
               <a:buFont typeface="Arial" pitchFamily="34" charset="0"/>
               <a:buChar char="•"/>
             </a:pPr>
-            <a:endParaRPr lang="en-US" altLang="ko-KR" dirty="0" smtClean="0">
+            <a:endParaRPr lang="en-US" altLang="ko-KR" dirty="0">
               <a:solidFill>
                 <a:srgbClr val="FF0000"/>
               </a:solidFill>
@@ -7874,15 +9067,7 @@
             </a:r>
             <a:r>
               <a:rPr lang="ko-KR" altLang="en-US" dirty="0"/>
-              <a:t>고유의 </a:t>
-            </a:r>
-            <a:r>
-              <a:rPr lang="ko-KR" altLang="en-US" dirty="0" smtClean="0"/>
-              <a:t>출력 </a:t>
-            </a:r>
-            <a:r>
-              <a:rPr lang="ko-KR" altLang="en-US" dirty="0"/>
-              <a:t>값</a:t>
+              <a:t>고유의 출력 값</a:t>
             </a:r>
             <a:endParaRPr lang="en-US" altLang="ko-KR" dirty="0"/>
           </a:p>
@@ -7892,10 +9077,10 @@
               <a:buChar char="•"/>
             </a:pPr>
             <a:r>
-              <a:rPr lang="en-US" altLang="ko-KR" dirty="0" err="1" smtClean="0"/>
+              <a:rPr lang="en-US" altLang="ko-KR" dirty="0" err="1"/>
               <a:t>gl_Position</a:t>
             </a:r>
-            <a:endParaRPr lang="en-US" altLang="ko-KR" dirty="0" smtClean="0"/>
+            <a:endParaRPr lang="en-US" altLang="ko-KR" dirty="0"/>
           </a:p>
           <a:p>
             <a:pPr marL="742950" lvl="1" indent="-285750">
@@ -7903,10 +9088,10 @@
               <a:buChar char="•"/>
             </a:pPr>
             <a:r>
-              <a:rPr lang="en-US" altLang="ko-KR" dirty="0" err="1" smtClean="0"/>
+              <a:rPr lang="en-US" altLang="ko-KR" dirty="0" err="1"/>
               <a:t>gl_PointSize</a:t>
             </a:r>
-            <a:endParaRPr lang="en-US" altLang="ko-KR" dirty="0" smtClean="0"/>
+            <a:endParaRPr lang="en-US" altLang="ko-KR" dirty="0"/>
           </a:p>
           <a:p>
             <a:pPr marL="742950" lvl="1" indent="-285750">
@@ -7914,7 +9099,7 @@
               <a:buChar char="•"/>
             </a:pPr>
             <a:r>
-              <a:rPr lang="en-US" altLang="ko-KR" dirty="0" smtClean="0"/>
+              <a:rPr lang="en-US" altLang="ko-KR" dirty="0"/>
               <a:t>…</a:t>
             </a:r>
           </a:p>
@@ -7947,14 +9132,14 @@
               <a:buChar char="•"/>
             </a:pPr>
             <a:r>
-              <a:rPr lang="ko-KR" altLang="en-US" dirty="0" smtClean="0">
+              <a:rPr lang="ko-KR" altLang="en-US" dirty="0">
                 <a:solidFill>
                   <a:srgbClr val="FF0000"/>
                 </a:solidFill>
               </a:rPr>
               <a:t>사용자가 정의한 입력 값</a:t>
             </a:r>
-            <a:endParaRPr lang="en-US" altLang="ko-KR" dirty="0" smtClean="0">
+            <a:endParaRPr lang="en-US" altLang="ko-KR" dirty="0">
               <a:solidFill>
                 <a:srgbClr val="FF0000"/>
               </a:solidFill>
@@ -7965,7 +9150,7 @@
               <a:buFont typeface="Arial" pitchFamily="34" charset="0"/>
               <a:buChar char="•"/>
             </a:pPr>
-            <a:endParaRPr lang="en-US" altLang="ko-KR" dirty="0" smtClean="0"/>
+            <a:endParaRPr lang="en-US" altLang="ko-KR" dirty="0"/>
           </a:p>
           <a:p>
             <a:pPr marL="285750" indent="-285750">
@@ -7973,14 +9158,14 @@
               <a:buChar char="•"/>
             </a:pPr>
             <a:r>
-              <a:rPr lang="en-US" altLang="ko-KR" dirty="0" smtClean="0"/>
+              <a:rPr lang="en-US" altLang="ko-KR" dirty="0"/>
               <a:t>OpenGL </a:t>
             </a:r>
             <a:r>
-              <a:rPr lang="ko-KR" altLang="en-US" dirty="0" smtClean="0"/>
+              <a:rPr lang="ko-KR" altLang="en-US" dirty="0"/>
               <a:t>고유의 입력 값</a:t>
             </a:r>
-            <a:endParaRPr lang="en-US" altLang="ko-KR" dirty="0" smtClean="0"/>
+            <a:endParaRPr lang="en-US" altLang="ko-KR" dirty="0"/>
           </a:p>
           <a:p>
             <a:pPr marL="742950" lvl="1" indent="-285750">
@@ -7988,10 +9173,10 @@
               <a:buChar char="•"/>
             </a:pPr>
             <a:r>
-              <a:rPr lang="en-US" altLang="ko-KR" dirty="0" err="1" smtClean="0"/>
+              <a:rPr lang="en-US" altLang="ko-KR" dirty="0" err="1"/>
               <a:t>gl_VertexID</a:t>
             </a:r>
-            <a:endParaRPr lang="en-US" altLang="ko-KR" dirty="0" smtClean="0"/>
+            <a:endParaRPr lang="en-US" altLang="ko-KR" dirty="0"/>
           </a:p>
           <a:p>
             <a:pPr marL="742950" lvl="1" indent="-285750">
@@ -7999,10 +9184,10 @@
               <a:buChar char="•"/>
             </a:pPr>
             <a:r>
-              <a:rPr lang="en-US" altLang="ko-KR" dirty="0" err="1" smtClean="0"/>
+              <a:rPr lang="en-US" altLang="ko-KR" dirty="0" err="1"/>
               <a:t>gl_InstanceID</a:t>
             </a:r>
-            <a:endParaRPr lang="en-US" altLang="ko-KR" dirty="0" smtClean="0"/>
+            <a:endParaRPr lang="en-US" altLang="ko-KR" dirty="0"/>
           </a:p>
           <a:p>
             <a:pPr marL="742950" lvl="1" indent="-285750">
@@ -8010,7 +9195,7 @@
               <a:buChar char="•"/>
             </a:pPr>
             <a:r>
-              <a:rPr lang="en-US" altLang="ko-KR" dirty="0" smtClean="0"/>
+              <a:rPr lang="en-US" altLang="ko-KR" dirty="0"/>
               <a:t>…</a:t>
             </a:r>
           </a:p>
@@ -8102,13 +9287,6 @@
   <p:clrMapOvr>
     <a:masterClrMapping/>
   </p:clrMapOvr>
-  <p:timing>
-    <p:tnLst>
-      <p:par>
-        <p:cTn id="1" dur="indefinite" restart="never" nodeType="tmRoot"/>
-      </p:par>
-    </p:tnLst>
-  </p:timing>
 </p:sld>
 </file>
 
@@ -8171,7 +9349,7 @@
           <a:lstStyle/>
           <a:p>
             <a:r>
-              <a:rPr lang="ko-KR" altLang="en-US" dirty="0" smtClean="0"/>
+              <a:rPr lang="ko-KR" altLang="en-US" dirty="0"/>
               <a:t>각 </a:t>
             </a:r>
             <a:r>
@@ -8179,12 +9357,8 @@
               <a:t>Shader</a:t>
             </a:r>
             <a:r>
-              <a:rPr lang="ko-KR" altLang="en-US" dirty="0" smtClean="0"/>
-              <a:t> 단위로 입력 값과 출력 값이 있으며 </a:t>
-            </a:r>
-            <a:r>
               <a:rPr lang="ko-KR" altLang="en-US" dirty="0"/>
-              <a:t>고유의 입출력 값과 사용자 정의 입출력 값이 있음</a:t>
+              <a:t> 단위로 입력 값과 출력 값이 있으며 고유의 입출력 값과 사용자 정의 입출력 값이 있음</a:t>
             </a:r>
           </a:p>
         </p:txBody>
@@ -8224,7 +9398,7 @@
           <a:p>
             <a:pPr algn="ctr"/>
             <a:r>
-              <a:rPr lang="en-US" altLang="ko-KR" b="1" dirty="0" smtClean="0">
+              <a:rPr lang="en-US" altLang="ko-KR" b="1" dirty="0">
                 <a:effectLst>
                   <a:outerShdw blurRad="38100" dist="38100" dir="2700000" algn="tl">
                     <a:srgbClr val="000000">
@@ -8274,7 +9448,7 @@
               <a:buChar char="•"/>
             </a:pPr>
             <a:r>
-              <a:rPr lang="ko-KR" altLang="en-US" dirty="0" smtClean="0">
+              <a:rPr lang="ko-KR" altLang="en-US" dirty="0">
                 <a:solidFill>
                   <a:srgbClr val="FF0000"/>
                 </a:solidFill>
@@ -8282,7 +9456,7 @@
               <a:t>사용자가 정의한 </a:t>
             </a:r>
             <a:r>
-              <a:rPr lang="en-US" altLang="ko-KR" dirty="0" smtClean="0">
+              <a:rPr lang="en-US" altLang="ko-KR" dirty="0">
                 <a:solidFill>
                   <a:srgbClr val="FF0000"/>
                 </a:solidFill>
@@ -8290,14 +9464,14 @@
               <a:t>FS </a:t>
             </a:r>
             <a:r>
-              <a:rPr lang="ko-KR" altLang="en-US" dirty="0" smtClean="0">
+              <a:rPr lang="ko-KR" altLang="en-US" dirty="0">
                 <a:solidFill>
                   <a:srgbClr val="FF0000"/>
                 </a:solidFill>
               </a:rPr>
               <a:t>출력 값</a:t>
             </a:r>
-            <a:endParaRPr lang="en-US" altLang="ko-KR" dirty="0" smtClean="0">
+            <a:endParaRPr lang="en-US" altLang="ko-KR" dirty="0">
               <a:solidFill>
                 <a:srgbClr val="FF0000"/>
               </a:solidFill>
@@ -8308,7 +9482,7 @@
               <a:buFont typeface="Arial" pitchFamily="34" charset="0"/>
               <a:buChar char="•"/>
             </a:pPr>
-            <a:endParaRPr lang="en-US" altLang="ko-KR" dirty="0" smtClean="0">
+            <a:endParaRPr lang="en-US" altLang="ko-KR" dirty="0">
               <a:solidFill>
                 <a:srgbClr val="FF0000"/>
               </a:solidFill>
@@ -8325,15 +9499,7 @@
             </a:r>
             <a:r>
               <a:rPr lang="ko-KR" altLang="en-US" dirty="0"/>
-              <a:t>고유의 </a:t>
-            </a:r>
-            <a:r>
-              <a:rPr lang="ko-KR" altLang="en-US" dirty="0" smtClean="0"/>
-              <a:t>출력 </a:t>
-            </a:r>
-            <a:r>
-              <a:rPr lang="ko-KR" altLang="en-US" dirty="0"/>
-              <a:t>값</a:t>
+              <a:t>고유의 출력 값</a:t>
             </a:r>
             <a:endParaRPr lang="en-US" altLang="ko-KR" dirty="0"/>
           </a:p>
@@ -8343,7 +9509,7 @@
               <a:buChar char="•"/>
             </a:pPr>
             <a:r>
-              <a:rPr lang="en-US" altLang="ko-KR" dirty="0" err="1" smtClean="0"/>
+              <a:rPr lang="en-US" altLang="ko-KR" dirty="0" err="1"/>
               <a:t>gl_FragDepth</a:t>
             </a:r>
             <a:endParaRPr lang="en-US" altLang="ko-KR" dirty="0"/>
@@ -8354,7 +9520,7 @@
               <a:buChar char="•"/>
             </a:pPr>
             <a:r>
-              <a:rPr lang="en-US" altLang="ko-KR" dirty="0" smtClean="0"/>
+              <a:rPr lang="en-US" altLang="ko-KR" dirty="0"/>
               <a:t>…</a:t>
             </a:r>
           </a:p>
@@ -8387,7 +9553,7 @@
               <a:buChar char="•"/>
             </a:pPr>
             <a:r>
-              <a:rPr lang="ko-KR" altLang="en-US" dirty="0" smtClean="0">
+              <a:rPr lang="ko-KR" altLang="en-US" dirty="0">
                 <a:solidFill>
                   <a:srgbClr val="FF0000"/>
                 </a:solidFill>
@@ -8395,7 +9561,7 @@
               <a:t>사용자가 정의한 </a:t>
             </a:r>
             <a:r>
-              <a:rPr lang="en-US" altLang="ko-KR" dirty="0" smtClean="0">
+              <a:rPr lang="en-US" altLang="ko-KR" dirty="0">
                 <a:solidFill>
                   <a:srgbClr val="FF0000"/>
                 </a:solidFill>
@@ -8403,14 +9569,14 @@
               <a:t>FS </a:t>
             </a:r>
             <a:r>
-              <a:rPr lang="ko-KR" altLang="en-US" dirty="0" smtClean="0">
+              <a:rPr lang="ko-KR" altLang="en-US" dirty="0">
                 <a:solidFill>
                   <a:srgbClr val="FF0000"/>
                 </a:solidFill>
               </a:rPr>
               <a:t>입력 값</a:t>
             </a:r>
-            <a:endParaRPr lang="en-US" altLang="ko-KR" dirty="0" smtClean="0">
+            <a:endParaRPr lang="en-US" altLang="ko-KR" dirty="0">
               <a:solidFill>
                 <a:srgbClr val="FF0000"/>
               </a:solidFill>
@@ -8421,7 +9587,7 @@
               <a:buFont typeface="Arial" pitchFamily="34" charset="0"/>
               <a:buChar char="•"/>
             </a:pPr>
-            <a:endParaRPr lang="en-US" altLang="ko-KR" dirty="0" smtClean="0"/>
+            <a:endParaRPr lang="en-US" altLang="ko-KR" dirty="0"/>
           </a:p>
           <a:p>
             <a:pPr marL="285750" indent="-285750">
@@ -8444,10 +9610,10 @@
               <a:buChar char="•"/>
             </a:pPr>
             <a:r>
-              <a:rPr lang="en-US" altLang="ko-KR" dirty="0" err="1" smtClean="0"/>
+              <a:rPr lang="en-US" altLang="ko-KR" dirty="0" err="1"/>
               <a:t>gl_FragCoord</a:t>
             </a:r>
-            <a:endParaRPr lang="en-US" altLang="ko-KR" dirty="0" smtClean="0"/>
+            <a:endParaRPr lang="en-US" altLang="ko-KR" dirty="0"/>
           </a:p>
           <a:p>
             <a:pPr marL="742950" lvl="1" indent="-285750">
@@ -8455,10 +9621,10 @@
               <a:buChar char="•"/>
             </a:pPr>
             <a:r>
-              <a:rPr lang="en-US" altLang="ko-KR" dirty="0" err="1" smtClean="0"/>
+              <a:rPr lang="en-US" altLang="ko-KR" dirty="0" err="1"/>
               <a:t>gl_FrontFacing</a:t>
             </a:r>
-            <a:endParaRPr lang="en-US" altLang="ko-KR" dirty="0" smtClean="0"/>
+            <a:endParaRPr lang="en-US" altLang="ko-KR" dirty="0"/>
           </a:p>
           <a:p>
             <a:pPr marL="742950" lvl="1" indent="-285750">
@@ -8466,10 +9632,10 @@
               <a:buChar char="•"/>
             </a:pPr>
             <a:r>
-              <a:rPr lang="en-US" altLang="ko-KR" dirty="0" err="1" smtClean="0"/>
+              <a:rPr lang="en-US" altLang="ko-KR" dirty="0" err="1"/>
               <a:t>gl_PointCoord</a:t>
             </a:r>
-            <a:endParaRPr lang="en-US" altLang="ko-KR" dirty="0" smtClean="0"/>
+            <a:endParaRPr lang="en-US" altLang="ko-KR" dirty="0"/>
           </a:p>
           <a:p>
             <a:pPr marL="742950" lvl="1" indent="-285750">
@@ -8477,7 +9643,7 @@
               <a:buChar char="•"/>
             </a:pPr>
             <a:r>
-              <a:rPr lang="en-US" altLang="ko-KR" dirty="0" smtClean="0"/>
+              <a:rPr lang="en-US" altLang="ko-KR" dirty="0"/>
               <a:t>…</a:t>
             </a:r>
             <a:endParaRPr lang="ko-KR" altLang="en-US" dirty="0"/>
@@ -8570,13 +9736,6 @@
   <p:clrMapOvr>
     <a:masterClrMapping/>
   </p:clrMapOvr>
-  <p:timing>
-    <p:tnLst>
-      <p:par>
-        <p:cTn id="1" dur="indefinite" restart="never" nodeType="tmRoot"/>
-      </p:par>
-    </p:tnLst>
-  </p:timing>
 </p:sld>
 </file>
 
@@ -8696,7 +9855,7 @@
           <a:p>
             <a:pPr algn="ctr"/>
             <a:r>
-              <a:rPr lang="en-US" altLang="ko-KR" b="1" dirty="0" smtClean="0">
+              <a:rPr lang="en-US" altLang="ko-KR" b="1" dirty="0">
                 <a:effectLst>
                   <a:outerShdw blurRad="38100" dist="38100" dir="2700000" algn="tl">
                     <a:srgbClr val="000000">
@@ -8756,7 +9915,7 @@
           <a:p>
             <a:pPr algn="ctr"/>
             <a:r>
-              <a:rPr lang="en-US" altLang="ko-KR" b="1" dirty="0" smtClean="0">
+              <a:rPr lang="en-US" altLang="ko-KR" b="1" dirty="0">
                 <a:effectLst>
                   <a:outerShdw blurRad="38100" dist="38100" dir="2700000" algn="tl">
                     <a:srgbClr val="000000">
@@ -8816,7 +9975,7 @@
           <a:p>
             <a:pPr algn="ctr"/>
             <a:r>
-              <a:rPr lang="en-US" altLang="ko-KR" b="1" dirty="0" err="1" smtClean="0">
+              <a:rPr lang="en-US" altLang="ko-KR" b="1" dirty="0" err="1">
                 <a:effectLst>
                   <a:outerShdw blurRad="38100" dist="38100" dir="2700000" algn="tl">
                     <a:srgbClr val="000000">
@@ -8828,7 +9987,7 @@
               <a:t>Rasterization</a:t>
             </a:r>
             <a:r>
-              <a:rPr lang="en-US" altLang="ko-KR" b="1" dirty="0" smtClean="0">
+              <a:rPr lang="en-US" altLang="ko-KR" b="1" dirty="0">
                 <a:effectLst>
                   <a:outerShdw blurRad="38100" dist="38100" dir="2700000" algn="tl">
                     <a:srgbClr val="000000">
@@ -8929,7 +10088,7 @@
           <a:p>
             <a:pPr algn="ctr"/>
             <a:r>
-              <a:rPr lang="en-US" altLang="ko-KR" b="1" dirty="0" smtClean="0">
+              <a:rPr lang="en-US" altLang="ko-KR" b="1" dirty="0">
                 <a:effectLst>
                   <a:outerShdw blurRad="38100" dist="38100" dir="2700000" algn="tl">
                     <a:srgbClr val="000000">
@@ -8988,7 +10147,7 @@
           <a:lstStyle/>
           <a:p>
             <a:r>
-              <a:rPr lang="ko-KR" altLang="en-US" sz="1600" dirty="0" smtClean="0">
+              <a:rPr lang="ko-KR" altLang="en-US" sz="1600" dirty="0">
                 <a:solidFill>
                   <a:srgbClr val="FF0000"/>
                 </a:solidFill>
@@ -8996,7 +10155,7 @@
               <a:t>사용자가 정의한 </a:t>
             </a:r>
             <a:r>
-              <a:rPr lang="en-US" altLang="ko-KR" sz="1600" dirty="0" smtClean="0">
+              <a:rPr lang="en-US" altLang="ko-KR" sz="1600" dirty="0">
                 <a:solidFill>
                   <a:srgbClr val="FF0000"/>
                 </a:solidFill>
@@ -9004,7 +10163,7 @@
               <a:t>VS </a:t>
             </a:r>
             <a:r>
-              <a:rPr lang="ko-KR" altLang="en-US" sz="1600" dirty="0" smtClean="0">
+              <a:rPr lang="ko-KR" altLang="en-US" sz="1600" dirty="0">
                 <a:solidFill>
                   <a:srgbClr val="FF0000"/>
                 </a:solidFill>
@@ -9063,7 +10222,7 @@
               <a:t>사용자가 정의한 </a:t>
             </a:r>
             <a:r>
-              <a:rPr lang="en-US" altLang="ko-KR" sz="1600" dirty="0" smtClean="0">
+              <a:rPr lang="en-US" altLang="ko-KR" sz="1600" dirty="0">
                 <a:solidFill>
                   <a:srgbClr val="FF0000"/>
                 </a:solidFill>
@@ -9071,20 +10230,12 @@
               <a:t>VS </a:t>
             </a:r>
             <a:r>
-              <a:rPr lang="ko-KR" altLang="en-US" sz="1600" dirty="0" smtClean="0">
-                <a:solidFill>
-                  <a:srgbClr val="FF0000"/>
-                </a:solidFill>
-              </a:rPr>
-              <a:t>출력 </a:t>
-            </a:r>
-            <a:r>
               <a:rPr lang="ko-KR" altLang="en-US" sz="1600" dirty="0">
                 <a:solidFill>
                   <a:srgbClr val="FF0000"/>
                 </a:solidFill>
               </a:rPr>
-              <a:t>값</a:t>
+              <a:t>출력 값</a:t>
             </a:r>
             <a:endParaRPr lang="en-US" altLang="ko-KR" sz="1600" dirty="0">
               <a:solidFill>
@@ -9176,7 +10327,7 @@
               <a:t>사용자가 정의한 </a:t>
             </a:r>
             <a:r>
-              <a:rPr lang="en-US" altLang="ko-KR" sz="1400" dirty="0" smtClean="0">
+              <a:rPr lang="en-US" altLang="ko-KR" sz="1400" dirty="0">
                 <a:solidFill>
                   <a:srgbClr val="FF0000"/>
                 </a:solidFill>
@@ -9184,20 +10335,12 @@
               <a:t>FS </a:t>
             </a:r>
             <a:r>
-              <a:rPr lang="ko-KR" altLang="en-US" sz="1400" dirty="0" smtClean="0">
-                <a:solidFill>
-                  <a:srgbClr val="FF0000"/>
-                </a:solidFill>
-              </a:rPr>
-              <a:t>출력 </a:t>
-            </a:r>
-            <a:r>
               <a:rPr lang="ko-KR" altLang="en-US" sz="1400" dirty="0">
                 <a:solidFill>
                   <a:srgbClr val="FF0000"/>
                 </a:solidFill>
               </a:rPr>
-              <a:t>값</a:t>
+              <a:t>출력 값</a:t>
             </a:r>
             <a:endParaRPr lang="en-US" altLang="ko-KR" sz="1400" dirty="0">
               <a:solidFill>
@@ -9251,7 +10394,7 @@
               <a:t>고유의 </a:t>
             </a:r>
             <a:r>
-              <a:rPr lang="en-US" altLang="ko-KR" sz="1600" dirty="0" smtClean="0">
+              <a:rPr lang="en-US" altLang="ko-KR" sz="1600" dirty="0">
                 <a:solidFill>
                   <a:srgbClr val="FF0000"/>
                 </a:solidFill>
@@ -9259,20 +10402,12 @@
               <a:t>VS</a:t>
             </a:r>
             <a:r>
-              <a:rPr lang="ko-KR" altLang="en-US" sz="1600" dirty="0" smtClean="0">
-                <a:solidFill>
-                  <a:srgbClr val="FF0000"/>
-                </a:solidFill>
-              </a:rPr>
-              <a:t>입력 </a:t>
-            </a:r>
-            <a:r>
               <a:rPr lang="ko-KR" altLang="en-US" sz="1600" dirty="0">
                 <a:solidFill>
                   <a:srgbClr val="FF0000"/>
                 </a:solidFill>
               </a:rPr>
-              <a:t>값</a:t>
+              <a:t>입력 값</a:t>
             </a:r>
             <a:endParaRPr lang="en-US" altLang="ko-KR" sz="1600" dirty="0">
               <a:solidFill>
@@ -9392,7 +10527,7 @@
           <a:lstStyle/>
           <a:p>
             <a:r>
-              <a:rPr lang="ko-KR" altLang="en-US" sz="1600" dirty="0" smtClean="0">
+              <a:rPr lang="ko-KR" altLang="en-US" sz="1600" dirty="0">
                 <a:solidFill>
                   <a:srgbClr val="FF0000"/>
                 </a:solidFill>
@@ -9400,7 +10535,7 @@
               <a:t>고유의 </a:t>
             </a:r>
             <a:r>
-              <a:rPr lang="en-US" altLang="ko-KR" sz="1600" dirty="0" smtClean="0">
+              <a:rPr lang="en-US" altLang="ko-KR" sz="1600" dirty="0">
                 <a:solidFill>
                   <a:srgbClr val="FF0000"/>
                 </a:solidFill>
@@ -9408,7 +10543,7 @@
               <a:t>VS </a:t>
             </a:r>
             <a:r>
-              <a:rPr lang="ko-KR" altLang="en-US" sz="1600" dirty="0" smtClean="0">
+              <a:rPr lang="ko-KR" altLang="en-US" sz="1600" dirty="0">
                 <a:solidFill>
                   <a:srgbClr val="FF0000"/>
                 </a:solidFill>
@@ -9579,7 +10714,7 @@
           <a:lstStyle/>
           <a:p>
             <a:r>
-              <a:rPr lang="ko-KR" altLang="en-US" sz="1400" dirty="0" smtClean="0">
+              <a:rPr lang="ko-KR" altLang="en-US" sz="1400" dirty="0">
                 <a:solidFill>
                   <a:srgbClr val="FF0000"/>
                 </a:solidFill>
@@ -9587,7 +10722,7 @@
               <a:t>고유의</a:t>
             </a:r>
             <a:r>
-              <a:rPr lang="en-US" altLang="ko-KR" sz="1400" dirty="0" smtClean="0">
+              <a:rPr lang="en-US" altLang="ko-KR" sz="1400" dirty="0">
                 <a:solidFill>
                   <a:srgbClr val="FF0000"/>
                 </a:solidFill>
@@ -9595,20 +10730,12 @@
               <a:t> FS </a:t>
             </a:r>
             <a:r>
-              <a:rPr lang="ko-KR" altLang="en-US" sz="1400" dirty="0" smtClean="0">
-                <a:solidFill>
-                  <a:srgbClr val="FF0000"/>
-                </a:solidFill>
-              </a:rPr>
-              <a:t>출력 </a:t>
-            </a:r>
-            <a:r>
               <a:rPr lang="ko-KR" altLang="en-US" sz="1400" dirty="0">
                 <a:solidFill>
                   <a:srgbClr val="FF0000"/>
                 </a:solidFill>
               </a:rPr>
-              <a:t>값</a:t>
+              <a:t>출력 값</a:t>
             </a:r>
             <a:endParaRPr lang="en-US" altLang="ko-KR" sz="1400" dirty="0">
               <a:solidFill>
@@ -9662,7 +10789,7 @@
               <a:t>사용자가 정의한 </a:t>
             </a:r>
             <a:r>
-              <a:rPr lang="en-US" altLang="ko-KR" sz="1600" dirty="0" smtClean="0">
+              <a:rPr lang="en-US" altLang="ko-KR" sz="1600" dirty="0">
                 <a:solidFill>
                   <a:srgbClr val="FF0000"/>
                 </a:solidFill>
@@ -9670,20 +10797,12 @@
               <a:t>FS</a:t>
             </a:r>
             <a:r>
-              <a:rPr lang="ko-KR" altLang="en-US" sz="1600" dirty="0" smtClean="0">
-                <a:solidFill>
-                  <a:srgbClr val="FF0000"/>
-                </a:solidFill>
-              </a:rPr>
-              <a:t> 입력 </a:t>
-            </a:r>
-            <a:r>
               <a:rPr lang="ko-KR" altLang="en-US" sz="1600" dirty="0">
                 <a:solidFill>
                   <a:srgbClr val="FF0000"/>
                 </a:solidFill>
               </a:rPr>
-              <a:t>값</a:t>
+              <a:t> 입력 값</a:t>
             </a:r>
             <a:endParaRPr lang="en-US" altLang="ko-KR" sz="1600" dirty="0">
               <a:solidFill>
@@ -9729,7 +10848,7 @@
           <a:lstStyle/>
           <a:p>
             <a:r>
-              <a:rPr lang="ko-KR" altLang="en-US" sz="1600" dirty="0" smtClean="0">
+              <a:rPr lang="ko-KR" altLang="en-US" sz="1600" dirty="0">
                 <a:solidFill>
                   <a:srgbClr val="FF0000"/>
                 </a:solidFill>
@@ -9737,7 +10856,7 @@
               <a:t>고유의 </a:t>
             </a:r>
             <a:r>
-              <a:rPr lang="en-US" altLang="ko-KR" sz="1600" dirty="0" smtClean="0">
+              <a:rPr lang="en-US" altLang="ko-KR" sz="1600" dirty="0">
                 <a:solidFill>
                   <a:srgbClr val="FF0000"/>
                 </a:solidFill>
@@ -9745,7 +10864,7 @@
               <a:t>FS </a:t>
             </a:r>
             <a:r>
-              <a:rPr lang="ko-KR" altLang="en-US" sz="1600" dirty="0" smtClean="0">
+              <a:rPr lang="ko-KR" altLang="en-US" sz="1600" dirty="0">
                 <a:solidFill>
                   <a:srgbClr val="FF0000"/>
                 </a:solidFill>
@@ -10203,7 +11322,7 @@
                                           </p:endCondLst>
                                         </p:cTn>
                                         <p:tgtEl>
-                                          <p:sndTgt r:embed="rId2" name="bomb.wav"/>
+                                          <p:sndTgt r:embed="rId3" name="bomb.wav"/>
                                         </p:tgtEl>
                                       </p:cMediaNode>
                                     </p:audio>
@@ -10262,7 +11381,7 @@
                                           </p:endCondLst>
                                         </p:cTn>
                                         <p:tgtEl>
-                                          <p:sndTgt r:embed="rId2" name="bomb.wav"/>
+                                          <p:sndTgt r:embed="rId3" name="bomb.wav"/>
                                         </p:tgtEl>
                                       </p:cMediaNode>
                                     </p:audio>
@@ -10321,7 +11440,7 @@
                                           </p:endCondLst>
                                         </p:cTn>
                                         <p:tgtEl>
-                                          <p:sndTgt r:embed="rId3" name="laser.wav"/>
+                                          <p:sndTgt r:embed="rId4" name="laser.wav"/>
                                         </p:tgtEl>
                                       </p:cMediaNode>
                                     </p:audio>
@@ -10380,7 +11499,7 @@
                                           </p:endCondLst>
                                         </p:cTn>
                                         <p:tgtEl>
-                                          <p:sndTgt r:embed="rId4" name="arrow.wav"/>
+                                          <p:sndTgt r:embed="rId5" name="arrow.wav"/>
                                         </p:tgtEl>
                                       </p:cMediaNode>
                                     </p:audio>
@@ -10457,22 +11576,21 @@
           <a:lstStyle/>
           <a:p>
             <a:r>
-              <a:rPr lang="en-US" altLang="ko-KR" dirty="0" smtClean="0"/>
+              <a:rPr lang="en-US" altLang="ko-KR" dirty="0"/>
               <a:t>Vertex </a:t>
             </a:r>
             <a:r>
-              <a:rPr lang="en-US" altLang="ko-KR" dirty="0" err="1" smtClean="0"/>
+              <a:rPr lang="en-US" altLang="ko-KR" dirty="0" err="1"/>
               <a:t>shader</a:t>
             </a:r>
             <a:r>
-              <a:rPr lang="en-US" altLang="ko-KR" dirty="0" smtClean="0"/>
+              <a:rPr lang="en-US" altLang="ko-KR" dirty="0"/>
               <a:t> </a:t>
             </a:r>
             <a:r>
-              <a:rPr lang="ko-KR" altLang="en-US" dirty="0" smtClean="0"/>
+              <a:rPr lang="ko-KR" altLang="en-US" dirty="0"/>
               <a:t>입력</a:t>
             </a:r>
-            <a:endParaRPr lang="ko-KR" altLang="en-US" dirty="0"/>
           </a:p>
         </p:txBody>
       </p:sp>
@@ -10505,13 +11623,6 @@
   <p:clrMapOvr>
     <a:masterClrMapping/>
   </p:clrMapOvr>
-  <p:timing>
-    <p:tnLst>
-      <p:par>
-        <p:cTn id="1" dur="indefinite" restart="never" nodeType="tmRoot"/>
-      </p:par>
-    </p:tnLst>
-  </p:timing>
 </p:sld>
 </file>
 
@@ -10549,17 +11660,12 @@
           <a:p>
             <a:r>
               <a:rPr lang="en-US" altLang="ko-KR" dirty="0"/>
-              <a:t>Vertex </a:t>
-            </a:r>
-            <a:r>
-              <a:rPr lang="en-US" altLang="ko-KR" dirty="0" smtClean="0"/>
-              <a:t>Shader </a:t>
-            </a:r>
-            <a:r>
-              <a:rPr lang="ko-KR" altLang="en-US" dirty="0" smtClean="0"/>
+              <a:t>Vertex Shader </a:t>
+            </a:r>
+            <a:r>
+              <a:rPr lang="ko-KR" altLang="en-US" dirty="0"/>
               <a:t>입력</a:t>
             </a:r>
-            <a:endParaRPr lang="ko-KR" altLang="en-US" dirty="0"/>
           </a:p>
         </p:txBody>
       </p:sp>
@@ -10597,7 +11703,7 @@
               <a:t>사용자가 정의한 </a:t>
             </a:r>
             <a:r>
-              <a:rPr lang="en-US" altLang="ko-KR" sz="2400" dirty="0" smtClean="0">
+              <a:rPr lang="en-US" altLang="ko-KR" sz="2400" dirty="0">
                 <a:solidFill>
                   <a:srgbClr val="FF0000"/>
                 </a:solidFill>
@@ -10605,7 +11711,7 @@
               <a:t>VS </a:t>
             </a:r>
             <a:r>
-              <a:rPr lang="ko-KR" altLang="en-US" sz="2400" dirty="0" smtClean="0">
+              <a:rPr lang="ko-KR" altLang="en-US" sz="2400" dirty="0">
                 <a:solidFill>
                   <a:srgbClr val="FF0000"/>
                 </a:solidFill>
@@ -10624,7 +11730,7 @@
               <a:buChar char="•"/>
             </a:pPr>
             <a:r>
-              <a:rPr lang="en-US" altLang="ko-KR" sz="2400" dirty="0" smtClean="0">
+              <a:rPr lang="en-US" altLang="ko-KR" sz="2400" dirty="0">
                 <a:solidFill>
                   <a:srgbClr val="FF0000"/>
                 </a:solidFill>
@@ -10632,7 +11738,7 @@
               <a:t>Attribute </a:t>
             </a:r>
             <a:r>
-              <a:rPr lang="ko-KR" altLang="en-US" sz="2400" dirty="0" smtClean="0">
+              <a:rPr lang="ko-KR" altLang="en-US" sz="2400" dirty="0">
                 <a:solidFill>
                   <a:srgbClr val="FF0000"/>
                 </a:solidFill>
@@ -10688,24 +11794,15 @@
               <a:rPr lang="en-US" altLang="ko-KR" dirty="0"/>
               <a:t>);</a:t>
             </a:r>
-            <a:endParaRPr lang="en-US" altLang="ko-KR" dirty="0" smtClean="0"/>
-          </a:p>
-          <a:p>
-            <a:r>
-              <a:rPr lang="en-US" altLang="ko-KR" dirty="0" err="1" smtClean="0"/>
+          </a:p>
+          <a:p>
+            <a:r>
+              <a:rPr lang="en-US" altLang="ko-KR" dirty="0" err="1"/>
               <a:t>glBindBuffer</a:t>
             </a:r>
             <a:r>
-              <a:rPr lang="en-US" altLang="ko-KR" dirty="0" smtClean="0"/>
-              <a:t>(GL_ARRAY_BUFFER</a:t>
-            </a:r>
-            <a:r>
-              <a:rPr lang="en-US" altLang="ko-KR" dirty="0"/>
-              <a:t>, VBO</a:t>
-            </a:r>
-            <a:r>
-              <a:rPr lang="en-US" altLang="ko-KR" dirty="0" smtClean="0"/>
-              <a:t>);</a:t>
+              <a:rPr lang="en-US" altLang="ko-KR" dirty="0"/>
+              <a:t>(GL_ARRAY_BUFFER, VBO);</a:t>
             </a:r>
           </a:p>
           <a:p>
@@ -10768,7 +11865,7 @@
           <a:p>
             <a:pPr algn="ctr"/>
             <a:r>
-              <a:rPr lang="en-US" altLang="ko-KR" b="1" dirty="0" smtClean="0">
+              <a:rPr lang="en-US" altLang="ko-KR" b="1" dirty="0">
                 <a:effectLst>
                   <a:outerShdw blurRad="38100" dist="38100" dir="2700000" algn="tl">
                     <a:srgbClr val="000000">
@@ -10827,7 +11924,7 @@
           <a:lstStyle/>
           <a:p>
             <a:r>
-              <a:rPr lang="ko-KR" altLang="en-US" sz="1600" dirty="0" smtClean="0">
+              <a:rPr lang="ko-KR" altLang="en-US" sz="1600" dirty="0">
                 <a:solidFill>
                   <a:srgbClr val="FF0000"/>
                 </a:solidFill>
@@ -10835,7 +11932,7 @@
               <a:t>사용자가 정의한 </a:t>
             </a:r>
             <a:r>
-              <a:rPr lang="en-US" altLang="ko-KR" sz="1600" dirty="0" smtClean="0">
+              <a:rPr lang="en-US" altLang="ko-KR" sz="1600" dirty="0">
                 <a:solidFill>
                   <a:srgbClr val="FF0000"/>
                 </a:solidFill>
@@ -10843,7 +11940,7 @@
               <a:t>VS </a:t>
             </a:r>
             <a:r>
-              <a:rPr lang="ko-KR" altLang="en-US" sz="1600" dirty="0" smtClean="0">
+              <a:rPr lang="ko-KR" altLang="en-US" sz="1600" dirty="0">
                 <a:solidFill>
                   <a:srgbClr val="FF0000"/>
                 </a:solidFill>
@@ -10902,7 +11999,7 @@
               <a:t>고유의 </a:t>
             </a:r>
             <a:r>
-              <a:rPr lang="en-US" altLang="ko-KR" sz="1600" dirty="0" smtClean="0">
+              <a:rPr lang="en-US" altLang="ko-KR" sz="1600" dirty="0">
                 <a:solidFill>
                   <a:srgbClr val="FF0000"/>
                 </a:solidFill>
@@ -10910,20 +12007,12 @@
               <a:t>VS</a:t>
             </a:r>
             <a:r>
-              <a:rPr lang="ko-KR" altLang="en-US" sz="1600" dirty="0" smtClean="0">
-                <a:solidFill>
-                  <a:srgbClr val="FF0000"/>
-                </a:solidFill>
-              </a:rPr>
-              <a:t>입력 </a:t>
-            </a:r>
-            <a:r>
               <a:rPr lang="ko-KR" altLang="en-US" sz="1600" dirty="0">
                 <a:solidFill>
                   <a:srgbClr val="FF0000"/>
                 </a:solidFill>
               </a:rPr>
-              <a:t>값</a:t>
+              <a:t>입력 값</a:t>
             </a:r>
             <a:endParaRPr lang="en-US" altLang="ko-KR" sz="1600" dirty="0">
               <a:solidFill>
@@ -11050,13 +12139,6 @@
   <p:clrMapOvr>
     <a:masterClrMapping/>
   </p:clrMapOvr>
-  <p:timing>
-    <p:tnLst>
-      <p:par>
-        <p:cTn id="1" dur="indefinite" restart="never" nodeType="tmRoot"/>
-      </p:par>
-    </p:tnLst>
-  </p:timing>
 </p:sld>
 </file>
 
@@ -11179,7 +12261,7 @@
           <a:p>
             <a:pPr algn="ctr"/>
             <a:r>
-              <a:rPr lang="en-US" altLang="ko-KR" b="1" dirty="0" smtClean="0">
+              <a:rPr lang="en-US" altLang="ko-KR" b="1" dirty="0">
                 <a:effectLst>
                   <a:outerShdw blurRad="38100" dist="38100" dir="2700000" algn="tl">
                     <a:srgbClr val="000000">
@@ -11229,17 +12311,9 @@
                   <a:srgbClr val="FF0000"/>
                 </a:solidFill>
               </a:rPr>
-              <a:t>사용자가 정의한 입력 </a:t>
-            </a:r>
-            <a:r>
-              <a:rPr lang="ko-KR" altLang="en-US" dirty="0" smtClean="0">
-                <a:solidFill>
-                  <a:srgbClr val="FF0000"/>
-                </a:solidFill>
-              </a:rPr>
-              <a:t>값</a:t>
-            </a:r>
-            <a:endParaRPr lang="en-US" altLang="ko-KR" dirty="0" smtClean="0">
+              <a:t>사용자가 정의한 입력 값</a:t>
+            </a:r>
+            <a:endParaRPr lang="en-US" altLang="ko-KR" dirty="0">
               <a:solidFill>
                 <a:srgbClr val="FF0000"/>
               </a:solidFill>
@@ -11247,7 +12321,7 @@
           </a:p>
           <a:p>
             <a:r>
-              <a:rPr lang="en-US" altLang="ko-KR" dirty="0" smtClean="0">
+              <a:rPr lang="en-US" altLang="ko-KR" dirty="0">
                 <a:solidFill>
                   <a:srgbClr val="FF0000"/>
                 </a:solidFill>
@@ -11256,11 +12330,11 @@
               <a:t> </a:t>
             </a:r>
             <a:r>
-              <a:rPr lang="en-US" altLang="ko-KR" dirty="0" smtClean="0"/>
+              <a:rPr lang="en-US" altLang="ko-KR" dirty="0"/>
               <a:t>layout (location = </a:t>
             </a:r>
             <a:r>
-              <a:rPr lang="en-US" altLang="ko-KR" b="1" dirty="0" smtClean="0">
+              <a:rPr lang="en-US" altLang="ko-KR" b="1" dirty="0">
                 <a:solidFill>
                   <a:srgbClr val="FF0000"/>
                 </a:solidFill>
@@ -11268,16 +12342,8 @@
               <a:t>0</a:t>
             </a:r>
             <a:r>
-              <a:rPr lang="en-US" altLang="ko-KR" dirty="0" smtClean="0"/>
-              <a:t>) in </a:t>
-            </a:r>
-            <a:r>
-              <a:rPr lang="en-US" altLang="ko-KR" dirty="0"/>
-              <a:t>vec3 Position</a:t>
-            </a:r>
-            <a:r>
-              <a:rPr lang="en-US" altLang="ko-KR" dirty="0" smtClean="0"/>
-              <a:t>;</a:t>
+              <a:rPr lang="en-US" altLang="ko-KR" dirty="0"/>
+              <a:t>) in vec3 Position;</a:t>
             </a:r>
             <a:endParaRPr lang="en-US" altLang="ko-KR" dirty="0">
               <a:solidFill>
@@ -11328,24 +12394,15 @@
               <a:rPr lang="en-US" altLang="ko-KR" dirty="0"/>
               <a:t>);</a:t>
             </a:r>
-            <a:endParaRPr lang="en-US" altLang="ko-KR" dirty="0" smtClean="0"/>
-          </a:p>
-          <a:p>
-            <a:r>
-              <a:rPr lang="en-US" altLang="ko-KR" dirty="0" err="1" smtClean="0"/>
+          </a:p>
+          <a:p>
+            <a:r>
+              <a:rPr lang="en-US" altLang="ko-KR" dirty="0" err="1"/>
               <a:t>glBindBuffer</a:t>
             </a:r>
             <a:r>
-              <a:rPr lang="en-US" altLang="ko-KR" dirty="0" smtClean="0"/>
-              <a:t>(GL_ARRAY_BUFFER</a:t>
-            </a:r>
-            <a:r>
-              <a:rPr lang="en-US" altLang="ko-KR" dirty="0"/>
-              <a:t>, VBO</a:t>
-            </a:r>
-            <a:r>
-              <a:rPr lang="en-US" altLang="ko-KR" dirty="0" smtClean="0"/>
-              <a:t>);</a:t>
+              <a:rPr lang="en-US" altLang="ko-KR" dirty="0"/>
+              <a:t>(GL_ARRAY_BUFFER, VBO);</a:t>
             </a:r>
           </a:p>
           <a:p>
@@ -11433,34 +12490,33 @@
           <a:p>
             <a:pPr algn="ctr"/>
             <a:r>
-              <a:rPr lang="ko-KR" altLang="en-US" dirty="0" err="1" smtClean="0"/>
+              <a:rPr lang="ko-KR" altLang="en-US" dirty="0" err="1"/>
               <a:t>버텍스</a:t>
             </a:r>
             <a:r>
-              <a:rPr lang="ko-KR" altLang="en-US" dirty="0" smtClean="0"/>
+              <a:rPr lang="ko-KR" altLang="en-US" dirty="0"/>
               <a:t> </a:t>
             </a:r>
             <a:r>
-              <a:rPr lang="ko-KR" altLang="en-US" dirty="0" err="1" smtClean="0"/>
+              <a:rPr lang="ko-KR" altLang="en-US" dirty="0" err="1"/>
               <a:t>쉐이더</a:t>
             </a:r>
             <a:r>
-              <a:rPr lang="en-US" altLang="ko-KR" dirty="0" smtClean="0"/>
+              <a:rPr lang="en-US" altLang="ko-KR" dirty="0"/>
               <a:t> </a:t>
             </a:r>
             <a:r>
-              <a:rPr lang="ko-KR" altLang="en-US" dirty="0" smtClean="0"/>
+              <a:rPr lang="ko-KR" altLang="en-US" dirty="0"/>
               <a:t>코드의 </a:t>
             </a:r>
             <a:r>
-              <a:rPr lang="en-US" altLang="ko-KR" dirty="0" smtClean="0"/>
+              <a:rPr lang="en-US" altLang="ko-KR" dirty="0"/>
               <a:t>layout </a:t>
             </a:r>
             <a:r>
-              <a:rPr lang="ko-KR" altLang="en-US" dirty="0" smtClean="0"/>
+              <a:rPr lang="ko-KR" altLang="en-US" dirty="0"/>
               <a:t>부분과 연동됨</a:t>
             </a:r>
-            <a:endParaRPr lang="ko-KR" altLang="en-US" dirty="0"/>
           </a:p>
         </p:txBody>
       </p:sp>
@@ -11474,13 +12530,6 @@
   <p:clrMapOvr>
     <a:masterClrMapping/>
   </p:clrMapOvr>
-  <p:timing>
-    <p:tnLst>
-      <p:par>
-        <p:cTn id="1" dur="indefinite" restart="never" nodeType="tmRoot"/>
-      </p:par>
-    </p:tnLst>
-  </p:timing>
 </p:sld>
 </file>
 
@@ -11603,7 +12652,7 @@
           <a:p>
             <a:pPr algn="ctr"/>
             <a:r>
-              <a:rPr lang="en-US" altLang="ko-KR" b="1" dirty="0" smtClean="0">
+              <a:rPr lang="en-US" altLang="ko-KR" b="1" dirty="0">
                 <a:effectLst>
                   <a:outerShdw blurRad="38100" dist="38100" dir="2700000" algn="tl">
                     <a:srgbClr val="000000">
@@ -11653,17 +12702,9 @@
                   <a:srgbClr val="FF0000"/>
                 </a:solidFill>
               </a:rPr>
-              <a:t>사용자가 정의한 입력 </a:t>
-            </a:r>
-            <a:r>
-              <a:rPr lang="ko-KR" altLang="en-US" dirty="0" smtClean="0">
-                <a:solidFill>
-                  <a:srgbClr val="FF0000"/>
-                </a:solidFill>
-              </a:rPr>
-              <a:t>값</a:t>
-            </a:r>
-            <a:endParaRPr lang="en-US" altLang="ko-KR" dirty="0" smtClean="0">
+              <a:t>사용자가 정의한 입력 값</a:t>
+            </a:r>
+            <a:endParaRPr lang="en-US" altLang="ko-KR" dirty="0">
               <a:solidFill>
                 <a:srgbClr val="FF0000"/>
               </a:solidFill>
@@ -11675,11 +12716,11 @@
               <a:buChar char="à"/>
             </a:pPr>
             <a:r>
-              <a:rPr lang="en-US" altLang="ko-KR" dirty="0" smtClean="0"/>
+              <a:rPr lang="en-US" altLang="ko-KR" dirty="0"/>
               <a:t>layout (location = </a:t>
             </a:r>
             <a:r>
-              <a:rPr lang="en-US" altLang="ko-KR" b="1" dirty="0" smtClean="0">
+              <a:rPr lang="en-US" altLang="ko-KR" b="1" dirty="0">
                 <a:solidFill>
                   <a:srgbClr val="FF0000"/>
                 </a:solidFill>
@@ -11687,7 +12728,7 @@
               <a:t>0</a:t>
             </a:r>
             <a:r>
-              <a:rPr lang="en-US" altLang="ko-KR" dirty="0" smtClean="0"/>
+              <a:rPr lang="en-US" altLang="ko-KR" dirty="0"/>
               <a:t>) in vec3 Position;</a:t>
             </a:r>
           </a:p>
@@ -11701,7 +12742,7 @@
               <a:t>layout (location = </a:t>
             </a:r>
             <a:r>
-              <a:rPr lang="en-US" altLang="ko-KR" b="1" dirty="0" smtClean="0">
+              <a:rPr lang="en-US" altLang="ko-KR" b="1" dirty="0">
                 <a:solidFill>
                   <a:srgbClr val="0070C0"/>
                 </a:solidFill>
@@ -11709,16 +12750,8 @@
               <a:t>1</a:t>
             </a:r>
             <a:r>
-              <a:rPr lang="en-US" altLang="ko-KR" dirty="0" smtClean="0"/>
-              <a:t>) </a:t>
-            </a:r>
-            <a:r>
-              <a:rPr lang="en-US" altLang="ko-KR" dirty="0"/>
-              <a:t>in vec3 </a:t>
-            </a:r>
-            <a:r>
-              <a:rPr lang="en-US" altLang="ko-KR" dirty="0" smtClean="0"/>
-              <a:t>Color;</a:t>
+              <a:rPr lang="en-US" altLang="ko-KR" dirty="0"/>
+              <a:t>) in vec3 Color;</a:t>
             </a:r>
             <a:endParaRPr lang="en-US" altLang="ko-KR" dirty="0">
               <a:solidFill>
@@ -11769,24 +12802,15 @@
               <a:rPr lang="en-US" altLang="ko-KR" dirty="0"/>
               <a:t>);</a:t>
             </a:r>
-            <a:endParaRPr lang="en-US" altLang="ko-KR" dirty="0" smtClean="0"/>
-          </a:p>
-          <a:p>
-            <a:r>
-              <a:rPr lang="en-US" altLang="ko-KR" dirty="0" err="1" smtClean="0"/>
+          </a:p>
+          <a:p>
+            <a:r>
+              <a:rPr lang="en-US" altLang="ko-KR" dirty="0" err="1"/>
               <a:t>glBindBuffer</a:t>
             </a:r>
             <a:r>
-              <a:rPr lang="en-US" altLang="ko-KR" dirty="0" smtClean="0"/>
-              <a:t>(GL_ARRAY_BUFFER</a:t>
-            </a:r>
-            <a:r>
-              <a:rPr lang="en-US" altLang="ko-KR" dirty="0"/>
-              <a:t>, VBO</a:t>
-            </a:r>
-            <a:r>
-              <a:rPr lang="en-US" altLang="ko-KR" dirty="0" smtClean="0"/>
-              <a:t>);</a:t>
+              <a:rPr lang="en-US" altLang="ko-KR" dirty="0"/>
+              <a:t>(GL_ARRAY_BUFFER, VBO);</a:t>
             </a:r>
           </a:p>
           <a:p>
@@ -11808,27 +12832,23 @@
             </a:r>
             <a:r>
               <a:rPr lang="en-US" altLang="ko-KR" dirty="0"/>
-              <a:t>, 3, GL_FLOAT, GL_FALSE, 0, 0</a:t>
-            </a:r>
-            <a:r>
-              <a:rPr lang="en-US" altLang="ko-KR" dirty="0" smtClean="0"/>
-              <a:t>);</a:t>
-            </a:r>
-          </a:p>
-          <a:p>
-            <a:endParaRPr lang="en-US" altLang="ko-KR" dirty="0" smtClean="0"/>
-          </a:p>
-          <a:p>
-            <a:r>
-              <a:rPr lang="en-US" altLang="ko-KR" dirty="0" err="1" smtClean="0"/>
+              <a:t>, 3, GL_FLOAT, GL_FALSE, 0, 0);</a:t>
+            </a:r>
+          </a:p>
+          <a:p>
+            <a:endParaRPr lang="en-US" altLang="ko-KR" dirty="0"/>
+          </a:p>
+          <a:p>
+            <a:r>
+              <a:rPr lang="en-US" altLang="ko-KR" dirty="0" err="1"/>
               <a:t>glEnableVertexAttribArray</a:t>
             </a:r>
             <a:r>
-              <a:rPr lang="en-US" altLang="ko-KR" dirty="0" smtClean="0"/>
+              <a:rPr lang="en-US" altLang="ko-KR" dirty="0"/>
               <a:t>(</a:t>
             </a:r>
             <a:r>
-              <a:rPr lang="en-US" altLang="ko-KR" b="1" dirty="0" smtClean="0">
+              <a:rPr lang="en-US" altLang="ko-KR" b="1" dirty="0">
                 <a:solidFill>
                   <a:srgbClr val="0070C0"/>
                 </a:solidFill>
@@ -11836,10 +12856,9 @@
               <a:t>1</a:t>
             </a:r>
             <a:r>
-              <a:rPr lang="en-US" altLang="ko-KR" dirty="0" smtClean="0"/>
+              <a:rPr lang="en-US" altLang="ko-KR" dirty="0"/>
               <a:t>);</a:t>
             </a:r>
-            <a:endParaRPr lang="en-US" altLang="ko-KR" dirty="0"/>
           </a:p>
           <a:p>
             <a:r>
@@ -11848,25 +12867,20 @@
             </a:r>
             <a:r>
               <a:rPr lang="en-US" altLang="ko-KR" dirty="0"/>
-              <a:t>(GL_ARRAY_BUFFER, </a:t>
-            </a:r>
-            <a:r>
-              <a:rPr lang="en-US" altLang="ko-KR" dirty="0" smtClean="0"/>
-              <a:t>VBO1);</a:t>
-            </a:r>
-            <a:endParaRPr lang="en-US" altLang="ko-KR" dirty="0"/>
-          </a:p>
-          <a:p>
-            <a:r>
-              <a:rPr lang="en-US" altLang="ko-KR" dirty="0" err="1" smtClean="0"/>
+              <a:t>(GL_ARRAY_BUFFER, VBO1);</a:t>
+            </a:r>
+          </a:p>
+          <a:p>
+            <a:r>
+              <a:rPr lang="en-US" altLang="ko-KR" dirty="0" err="1"/>
               <a:t>glVertexAttribPointer</a:t>
             </a:r>
             <a:r>
-              <a:rPr lang="en-US" altLang="ko-KR" dirty="0" smtClean="0"/>
+              <a:rPr lang="en-US" altLang="ko-KR" dirty="0"/>
               <a:t>(</a:t>
             </a:r>
             <a:r>
-              <a:rPr lang="en-US" altLang="ko-KR" b="1" dirty="0" smtClean="0">
+              <a:rPr lang="en-US" altLang="ko-KR" b="1" dirty="0">
                 <a:solidFill>
                   <a:srgbClr val="0070C0"/>
                 </a:solidFill>
@@ -11874,16 +12888,8 @@
               <a:t>1</a:t>
             </a:r>
             <a:r>
-              <a:rPr lang="en-US" altLang="ko-KR" dirty="0" smtClean="0"/>
-              <a:t>, </a:t>
-            </a:r>
-            <a:r>
-              <a:rPr lang="en-US" altLang="ko-KR" dirty="0"/>
-              <a:t>3, GL_FLOAT, GL_FALSE, 0, 0</a:t>
-            </a:r>
-            <a:r>
-              <a:rPr lang="en-US" altLang="ko-KR" dirty="0" smtClean="0"/>
-              <a:t>);</a:t>
+              <a:rPr lang="en-US" altLang="ko-KR" dirty="0"/>
+              <a:t>, 3, GL_FLOAT, GL_FALSE, 0, 0);</a:t>
             </a:r>
             <a:endParaRPr lang="ko-KR" altLang="en-US" dirty="0"/>
           </a:p>
@@ -11912,19 +12918,19 @@
           <a:lstStyle/>
           <a:p>
             <a:r>
-              <a:rPr lang="ko-KR" altLang="en-US" sz="2400" dirty="0" smtClean="0"/>
+              <a:rPr lang="ko-KR" altLang="en-US" sz="2400" dirty="0"/>
               <a:t>사용자가</a:t>
             </a:r>
             <a:r>
-              <a:rPr lang="en-US" altLang="ko-KR" sz="2400" dirty="0" smtClean="0"/>
+              <a:rPr lang="en-US" altLang="ko-KR" sz="2400" dirty="0"/>
               <a:t> </a:t>
             </a:r>
             <a:r>
-              <a:rPr lang="ko-KR" altLang="en-US" sz="2400" dirty="0" smtClean="0"/>
+              <a:rPr lang="ko-KR" altLang="en-US" sz="2400" dirty="0"/>
               <a:t>원하는 입력 값이 두 개라면</a:t>
             </a:r>
             <a:r>
-              <a:rPr lang="en-US" altLang="ko-KR" sz="2400" dirty="0" smtClean="0"/>
+              <a:rPr lang="en-US" altLang="ko-KR" sz="2400" dirty="0"/>
               <a:t>?</a:t>
             </a:r>
             <a:endParaRPr lang="ko-KR" altLang="en-US" sz="2400" dirty="0"/>
@@ -11941,13 +12947,6 @@
   <p:clrMapOvr>
     <a:masterClrMapping/>
   </p:clrMapOvr>
-  <p:timing>
-    <p:tnLst>
-      <p:par>
-        <p:cTn id="1" dur="indefinite" restart="never" nodeType="tmRoot"/>
-      </p:par>
-    </p:tnLst>
-  </p:timing>
 </p:sld>
 </file>
 
@@ -12010,47 +13009,47 @@
           <a:lstStyle/>
           <a:p>
             <a:r>
-              <a:rPr lang="en-US" altLang="ko-KR" dirty="0" smtClean="0"/>
+              <a:rPr lang="en-US" altLang="ko-KR" dirty="0"/>
               <a:t>layout </a:t>
             </a:r>
             <a:r>
-              <a:rPr lang="ko-KR" altLang="en-US" dirty="0" smtClean="0"/>
+              <a:rPr lang="ko-KR" altLang="en-US" dirty="0"/>
               <a:t>없이도 사용 가능</a:t>
             </a:r>
-            <a:endParaRPr lang="en-US" altLang="ko-KR" dirty="0" smtClean="0"/>
+            <a:endParaRPr lang="en-US" altLang="ko-KR" dirty="0"/>
           </a:p>
           <a:p>
             <a:pPr lvl="1"/>
             <a:r>
-              <a:rPr lang="en-US" altLang="ko-KR" dirty="0" err="1" smtClean="0"/>
+              <a:rPr lang="en-US" altLang="ko-KR" dirty="0" err="1"/>
               <a:t>GLint</a:t>
             </a:r>
             <a:r>
-              <a:rPr lang="en-US" altLang="ko-KR" dirty="0" smtClean="0"/>
+              <a:rPr lang="en-US" altLang="ko-KR" dirty="0"/>
               <a:t> </a:t>
             </a:r>
             <a:r>
-              <a:rPr lang="en-US" altLang="ko-KR" dirty="0" err="1" smtClean="0"/>
+              <a:rPr lang="en-US" altLang="ko-KR" dirty="0" err="1"/>
               <a:t>glGetAttribLocation</a:t>
             </a:r>
             <a:r>
-              <a:rPr lang="en-US" altLang="ko-KR" dirty="0" smtClean="0"/>
+              <a:rPr lang="en-US" altLang="ko-KR" dirty="0"/>
               <a:t>(</a:t>
             </a:r>
             <a:r>
-              <a:rPr lang="en-US" altLang="ko-KR" dirty="0" err="1" smtClean="0"/>
+              <a:rPr lang="en-US" altLang="ko-KR" dirty="0" err="1"/>
               <a:t>GLuint</a:t>
             </a:r>
             <a:r>
-              <a:rPr lang="en-US" altLang="ko-KR" dirty="0" smtClean="0"/>
+              <a:rPr lang="en-US" altLang="ko-KR" dirty="0"/>
               <a:t> program, </a:t>
             </a:r>
             <a:r>
-              <a:rPr lang="en-US" altLang="ko-KR" dirty="0" err="1" smtClean="0"/>
+              <a:rPr lang="en-US" altLang="ko-KR" dirty="0" err="1"/>
               <a:t>const</a:t>
             </a:r>
             <a:r>
-              <a:rPr lang="en-US" altLang="ko-KR" dirty="0" smtClean="0"/>
+              <a:rPr lang="en-US" altLang="ko-KR" dirty="0"/>
               <a:t> char* name);</a:t>
             </a:r>
           </a:p>
@@ -12060,7 +13059,7 @@
           </a:p>
           <a:p>
             <a:pPr lvl="1"/>
-            <a:endParaRPr lang="en-US" altLang="ko-KR" dirty="0" smtClean="0"/>
+            <a:endParaRPr lang="en-US" altLang="ko-KR" dirty="0"/>
           </a:p>
           <a:p>
             <a:pPr lvl="1"/>
@@ -12136,17 +13135,9 @@
                   <a:srgbClr val="FF0000"/>
                 </a:solidFill>
               </a:rPr>
-              <a:t>사용자가 정의한 입력 </a:t>
-            </a:r>
-            <a:r>
-              <a:rPr lang="ko-KR" altLang="en-US" dirty="0" smtClean="0">
-                <a:solidFill>
-                  <a:srgbClr val="FF0000"/>
-                </a:solidFill>
-              </a:rPr>
-              <a:t>값</a:t>
-            </a:r>
-            <a:endParaRPr lang="en-US" altLang="ko-KR" dirty="0" smtClean="0">
+              <a:t>사용자가 정의한 입력 값</a:t>
+            </a:r>
+            <a:endParaRPr lang="en-US" altLang="ko-KR" dirty="0">
               <a:solidFill>
                 <a:srgbClr val="FF0000"/>
               </a:solidFill>
@@ -12158,7 +13149,7 @@
               <a:buChar char="à"/>
             </a:pPr>
             <a:r>
-              <a:rPr lang="en-US" altLang="ko-KR" dirty="0" smtClean="0"/>
+              <a:rPr lang="en-US" altLang="ko-KR" dirty="0"/>
               <a:t>in vec3 Position;</a:t>
             </a:r>
           </a:p>
@@ -12168,16 +13159,8 @@
               <a:buChar char="à"/>
             </a:pPr>
             <a:r>
-              <a:rPr lang="en-US" altLang="ko-KR" dirty="0" smtClean="0"/>
-              <a:t>in </a:t>
-            </a:r>
-            <a:r>
-              <a:rPr lang="en-US" altLang="ko-KR" dirty="0"/>
-              <a:t>vec3 </a:t>
-            </a:r>
-            <a:r>
-              <a:rPr lang="en-US" altLang="ko-KR" dirty="0" smtClean="0"/>
-              <a:t>Color;</a:t>
+              <a:rPr lang="en-US" altLang="ko-KR" dirty="0"/>
+              <a:t>in vec3 Color;</a:t>
             </a:r>
             <a:endParaRPr lang="en-US" altLang="ko-KR" dirty="0">
               <a:solidFill>
@@ -12218,20 +13201,12 @@
               <a:t> id0 =  </a:t>
             </a:r>
             <a:r>
-              <a:rPr lang="en-US" altLang="ko-KR" dirty="0" err="1" smtClean="0"/>
+              <a:rPr lang="en-US" altLang="ko-KR" dirty="0" err="1"/>
               <a:t>glGetAttribLocation</a:t>
             </a:r>
             <a:r>
-              <a:rPr lang="en-US" altLang="ko-KR" dirty="0" smtClean="0"/>
-              <a:t>(program</a:t>
-            </a:r>
-            <a:r>
-              <a:rPr lang="en-US" altLang="ko-KR" dirty="0"/>
-              <a:t>, </a:t>
-            </a:r>
-            <a:r>
-              <a:rPr lang="en-US" altLang="ko-KR" dirty="0" smtClean="0"/>
-              <a:t>“Position”);</a:t>
+              <a:rPr lang="en-US" altLang="ko-KR" dirty="0"/>
+              <a:t>(program, “Position”);</a:t>
             </a:r>
           </a:p>
           <a:p>
@@ -12242,15 +13217,7 @@
             </a:r>
             <a:r>
               <a:rPr lang="en-US" altLang="ko-KR" dirty="0"/>
-              <a:t> </a:t>
-            </a:r>
-            <a:r>
-              <a:rPr lang="en-US" altLang="ko-KR" dirty="0" smtClean="0"/>
-              <a:t>id1 </a:t>
-            </a:r>
-            <a:r>
-              <a:rPr lang="en-US" altLang="ko-KR" dirty="0"/>
-              <a:t>=  </a:t>
+              <a:t> id1 =  </a:t>
             </a:r>
             <a:r>
               <a:rPr lang="en-US" altLang="ko-KR" dirty="0" err="1"/>
@@ -12258,13 +13225,8 @@
             </a:r>
             <a:r>
               <a:rPr lang="en-US" altLang="ko-KR" dirty="0"/>
-              <a:t>(program, </a:t>
-            </a:r>
-            <a:r>
-              <a:rPr lang="en-US" altLang="ko-KR" dirty="0" smtClean="0"/>
-              <a:t>“Color”);</a:t>
-            </a:r>
-            <a:endParaRPr lang="en-US" altLang="ko-KR" dirty="0"/>
+              <a:t>(program, “Color”);</a:t>
+            </a:r>
           </a:p>
         </p:txBody>
       </p:sp>
@@ -12297,24 +13259,15 @@
               <a:rPr lang="en-US" altLang="ko-KR" dirty="0"/>
               <a:t>(id0);</a:t>
             </a:r>
-            <a:endParaRPr lang="en-US" altLang="ko-KR" dirty="0" smtClean="0"/>
-          </a:p>
-          <a:p>
-            <a:r>
-              <a:rPr lang="en-US" altLang="ko-KR" dirty="0" err="1" smtClean="0"/>
+          </a:p>
+          <a:p>
+            <a:r>
+              <a:rPr lang="en-US" altLang="ko-KR" dirty="0" err="1"/>
               <a:t>glBindBuffer</a:t>
             </a:r>
             <a:r>
-              <a:rPr lang="en-US" altLang="ko-KR" dirty="0" smtClean="0"/>
-              <a:t>(GL_ARRAY_BUFFER</a:t>
-            </a:r>
-            <a:r>
-              <a:rPr lang="en-US" altLang="ko-KR" dirty="0"/>
-              <a:t>, VBO</a:t>
-            </a:r>
-            <a:r>
-              <a:rPr lang="en-US" altLang="ko-KR" dirty="0" smtClean="0"/>
-              <a:t>);</a:t>
+              <a:rPr lang="en-US" altLang="ko-KR" dirty="0"/>
+              <a:t>(GL_ARRAY_BUFFER, VBO);</a:t>
             </a:r>
           </a:p>
           <a:p>
@@ -12324,15 +13277,11 @@
             </a:r>
             <a:r>
               <a:rPr lang="en-US" altLang="ko-KR" dirty="0"/>
-              <a:t>(id0, 3, GL_FLOAT, GL_FALSE, 0, 0</a:t>
-            </a:r>
-            <a:r>
-              <a:rPr lang="en-US" altLang="ko-KR" dirty="0" smtClean="0"/>
-              <a:t>);</a:t>
-            </a:r>
-          </a:p>
-          <a:p>
-            <a:endParaRPr lang="en-US" altLang="ko-KR" dirty="0" smtClean="0"/>
+              <a:t>(id0, 3, GL_FLOAT, GL_FALSE, 0, 0);</a:t>
+            </a:r>
+          </a:p>
+          <a:p>
+            <a:endParaRPr lang="en-US" altLang="ko-KR" dirty="0"/>
           </a:p>
           <a:p>
             <a:r>
@@ -12351,13 +13300,8 @@
             </a:r>
             <a:r>
               <a:rPr lang="en-US" altLang="ko-KR" dirty="0"/>
-              <a:t>(GL_ARRAY_BUFFER, </a:t>
-            </a:r>
-            <a:r>
-              <a:rPr lang="en-US" altLang="ko-KR" dirty="0" smtClean="0"/>
-              <a:t>VBO1);</a:t>
-            </a:r>
-            <a:endParaRPr lang="en-US" altLang="ko-KR" dirty="0"/>
+              <a:t>(GL_ARRAY_BUFFER, VBO1);</a:t>
+            </a:r>
           </a:p>
           <a:p>
             <a:r>
@@ -12366,11 +13310,7 @@
             </a:r>
             <a:r>
               <a:rPr lang="en-US" altLang="ko-KR" dirty="0"/>
-              <a:t>(id1, 3, GL_FLOAT, GL_FALSE, 0, 0</a:t>
-            </a:r>
-            <a:r>
-              <a:rPr lang="en-US" altLang="ko-KR" dirty="0" smtClean="0"/>
-              <a:t>);</a:t>
+              <a:t>(id1, 3, GL_FLOAT, GL_FALSE, 0, 0);</a:t>
             </a:r>
             <a:endParaRPr lang="ko-KR" altLang="en-US" dirty="0"/>
           </a:p>
@@ -12386,13 +13326,6 @@
   <p:clrMapOvr>
     <a:masterClrMapping/>
   </p:clrMapOvr>
-  <p:timing>
-    <p:tnLst>
-      <p:par>
-        <p:cTn id="1" dur="indefinite" restart="never" nodeType="tmRoot"/>
-      </p:par>
-    </p:tnLst>
-  </p:timing>
 </p:sld>
 </file>
 
@@ -12464,13 +13397,6 @@
   <p:clrMapOvr>
     <a:masterClrMapping/>
   </p:clrMapOvr>
-  <p:timing>
-    <p:tnLst>
-      <p:par>
-        <p:cTn id="1" dur="indefinite" restart="never" nodeType="tmRoot"/>
-      </p:par>
-    </p:tnLst>
-  </p:timing>
 </p:sld>
 </file>
 
@@ -12507,18 +13433,17 @@
           <a:lstStyle/>
           <a:p>
             <a:r>
-              <a:rPr lang="en-US" altLang="ko-KR" dirty="0" err="1" smtClean="0"/>
+              <a:rPr lang="en-US" altLang="ko-KR" dirty="0" err="1"/>
               <a:t>shader</a:t>
             </a:r>
             <a:r>
-              <a:rPr lang="en-US" altLang="ko-KR" dirty="0" smtClean="0"/>
+              <a:rPr lang="en-US" altLang="ko-KR" dirty="0"/>
               <a:t> </a:t>
             </a:r>
             <a:r>
-              <a:rPr lang="ko-KR" altLang="en-US" dirty="0" smtClean="0"/>
+              <a:rPr lang="ko-KR" altLang="en-US" dirty="0"/>
               <a:t>외부 입력</a:t>
             </a:r>
-            <a:endParaRPr lang="ko-KR" altLang="en-US" dirty="0"/>
           </a:p>
         </p:txBody>
       </p:sp>
@@ -12551,13 +13476,6 @@
   <p:clrMapOvr>
     <a:masterClrMapping/>
   </p:clrMapOvr>
-  <p:timing>
-    <p:tnLst>
-      <p:par>
-        <p:cTn id="1" dur="indefinite" restart="never" nodeType="tmRoot"/>
-      </p:par>
-    </p:tnLst>
-  </p:timing>
 </p:sld>
 </file>
 
@@ -12594,7 +13512,7 @@
           <a:lstStyle/>
           <a:p>
             <a:r>
-              <a:rPr lang="en-US" altLang="ko-KR" dirty="0" smtClean="0"/>
+              <a:rPr lang="en-US" altLang="ko-KR" dirty="0"/>
               <a:t>Shader </a:t>
             </a:r>
             <a:r>
@@ -12653,7 +13571,7 @@
             <a:p>
               <a:pPr algn="ctr"/>
               <a:r>
-                <a:rPr lang="en-US" altLang="ko-KR" b="1" dirty="0" smtClean="0">
+                <a:rPr lang="en-US" altLang="ko-KR" b="1" dirty="0">
                   <a:effectLst>
                     <a:outerShdw blurRad="38100" dist="38100" dir="2700000" algn="tl">
                       <a:srgbClr val="000000">
@@ -12713,7 +13631,7 @@
             <a:p>
               <a:pPr algn="ctr"/>
               <a:r>
-                <a:rPr lang="en-US" altLang="ko-KR" b="1" dirty="0" smtClean="0">
+                <a:rPr lang="en-US" altLang="ko-KR" b="1" dirty="0">
                   <a:effectLst>
                     <a:outerShdw blurRad="38100" dist="38100" dir="2700000" algn="tl">
                       <a:srgbClr val="000000">
@@ -12773,7 +13691,7 @@
             <a:p>
               <a:pPr algn="ctr"/>
               <a:r>
-                <a:rPr lang="en-US" altLang="ko-KR" b="1" dirty="0" err="1" smtClean="0">
+                <a:rPr lang="en-US" altLang="ko-KR" b="1" dirty="0" err="1">
                   <a:effectLst>
                     <a:outerShdw blurRad="38100" dist="38100" dir="2700000" algn="tl">
                       <a:srgbClr val="000000">
@@ -12785,7 +13703,7 @@
                 <a:t>Rasterization</a:t>
               </a:r>
               <a:r>
-                <a:rPr lang="en-US" altLang="ko-KR" b="1" dirty="0" smtClean="0">
+                <a:rPr lang="en-US" altLang="ko-KR" b="1" dirty="0">
                   <a:effectLst>
                     <a:outerShdw blurRad="38100" dist="38100" dir="2700000" algn="tl">
                       <a:srgbClr val="000000">
@@ -12843,7 +13761,7 @@
             <a:p>
               <a:pPr algn="ctr"/>
               <a:r>
-                <a:rPr lang="en-US" altLang="ko-KR" b="1" dirty="0" smtClean="0">
+                <a:rPr lang="en-US" altLang="ko-KR" b="1" dirty="0">
                   <a:effectLst>
                     <a:outerShdw blurRad="38100" dist="38100" dir="2700000" algn="tl">
                       <a:srgbClr val="000000">
@@ -12903,7 +13821,7 @@
             <a:p>
               <a:pPr algn="ctr"/>
               <a:r>
-                <a:rPr lang="en-US" altLang="ko-KR" b="1" dirty="0" smtClean="0">
+                <a:rPr lang="en-US" altLang="ko-KR" b="1" dirty="0">
                   <a:effectLst>
                     <a:outerShdw blurRad="38100" dist="38100" dir="2700000" algn="tl">
                       <a:srgbClr val="000000">
@@ -13179,18 +14097,18 @@
           <a:p>
             <a:pPr algn="ctr"/>
             <a:r>
-              <a:rPr lang="ko-KR" altLang="en-US" dirty="0" smtClean="0"/>
+              <a:rPr lang="ko-KR" altLang="en-US" dirty="0"/>
               <a:t>외부</a:t>
             </a:r>
             <a:r>
-              <a:rPr lang="en-US" altLang="ko-KR" dirty="0" smtClean="0"/>
+              <a:rPr lang="en-US" altLang="ko-KR" dirty="0"/>
               <a:t> </a:t>
             </a:r>
             <a:r>
-              <a:rPr lang="ko-KR" altLang="en-US" dirty="0" smtClean="0"/>
+              <a:rPr lang="ko-KR" altLang="en-US" dirty="0"/>
               <a:t>입력 변수</a:t>
             </a:r>
-            <a:endParaRPr lang="en-US" altLang="ko-KR" dirty="0" smtClean="0"/>
+            <a:endParaRPr lang="en-US" altLang="ko-KR" dirty="0"/>
           </a:p>
           <a:p>
             <a:pPr marL="285750" indent="-285750" algn="ctr">
@@ -13198,10 +14116,10 @@
               <a:buChar char="-"/>
             </a:pPr>
             <a:r>
-              <a:rPr lang="ko-KR" altLang="en-US" dirty="0" smtClean="0"/>
+              <a:rPr lang="ko-KR" altLang="en-US" dirty="0"/>
               <a:t>시간에 관계된 변수</a:t>
             </a:r>
-            <a:endParaRPr lang="en-US" altLang="ko-KR" dirty="0" smtClean="0"/>
+            <a:endParaRPr lang="en-US" altLang="ko-KR" dirty="0"/>
           </a:p>
           <a:p>
             <a:pPr marL="285750" indent="-285750" algn="ctr">
@@ -13209,10 +14127,10 @@
               <a:buChar char="-"/>
             </a:pPr>
             <a:r>
-              <a:rPr lang="ko-KR" altLang="en-US" dirty="0" smtClean="0"/>
+              <a:rPr lang="ko-KR" altLang="en-US" dirty="0"/>
               <a:t>가중치에 관계된 변수</a:t>
             </a:r>
-            <a:endParaRPr lang="en-US" altLang="ko-KR" dirty="0" smtClean="0"/>
+            <a:endParaRPr lang="en-US" altLang="ko-KR" dirty="0"/>
           </a:p>
           <a:p>
             <a:pPr marL="285750" indent="-285750" algn="ctr">
@@ -13220,11 +14138,11 @@
               <a:buChar char="-"/>
             </a:pPr>
             <a:r>
-              <a:rPr lang="ko-KR" altLang="en-US" dirty="0" smtClean="0"/>
+              <a:rPr lang="ko-KR" altLang="en-US" dirty="0"/>
               <a:t>기타</a:t>
             </a:r>
             <a:r>
-              <a:rPr lang="en-US" altLang="ko-KR" dirty="0" smtClean="0"/>
+              <a:rPr lang="en-US" altLang="ko-KR" dirty="0"/>
               <a:t>..</a:t>
             </a:r>
             <a:endParaRPr lang="ko-KR" altLang="en-US" dirty="0"/>
@@ -13313,13 +14231,6 @@
   <p:clrMapOvr>
     <a:masterClrMapping/>
   </p:clrMapOvr>
-  <p:timing>
-    <p:tnLst>
-      <p:par>
-        <p:cTn id="1" dur="indefinite" restart="never" nodeType="tmRoot"/>
-      </p:par>
-    </p:tnLst>
-  </p:timing>
 </p:sld>
 </file>
 
@@ -13356,7 +14267,7 @@
           <a:lstStyle/>
           <a:p>
             <a:r>
-              <a:rPr lang="en-US" altLang="ko-KR" dirty="0" smtClean="0"/>
+              <a:rPr lang="en-US" altLang="ko-KR" dirty="0"/>
               <a:t>Shader </a:t>
             </a:r>
             <a:r>
@@ -13382,54 +14293,54 @@
           <a:lstStyle/>
           <a:p>
             <a:r>
-              <a:rPr lang="en-US" altLang="ko-KR" dirty="0" smtClean="0"/>
+              <a:rPr lang="en-US" altLang="ko-KR" dirty="0"/>
               <a:t>uniform </a:t>
             </a:r>
             <a:r>
-              <a:rPr lang="ko-KR" altLang="en-US" dirty="0" err="1" smtClean="0"/>
+              <a:rPr lang="ko-KR" altLang="en-US" dirty="0" err="1"/>
               <a:t>선언자</a:t>
             </a:r>
             <a:r>
-              <a:rPr lang="ko-KR" altLang="en-US" dirty="0" smtClean="0"/>
+              <a:rPr lang="ko-KR" altLang="en-US" dirty="0"/>
               <a:t> 사용</a:t>
             </a:r>
-            <a:endParaRPr lang="en-US" altLang="ko-KR" dirty="0" smtClean="0"/>
+            <a:endParaRPr lang="en-US" altLang="ko-KR" dirty="0"/>
           </a:p>
           <a:p>
             <a:pPr lvl="1"/>
             <a:r>
-              <a:rPr lang="en-US" altLang="ko-KR" dirty="0" smtClean="0"/>
+              <a:rPr lang="en-US" altLang="ko-KR" dirty="0"/>
               <a:t>uniform </a:t>
             </a:r>
             <a:r>
-              <a:rPr lang="ko-KR" altLang="en-US" dirty="0" smtClean="0"/>
+              <a:rPr lang="ko-KR" altLang="en-US" dirty="0"/>
               <a:t>으로 선언된 변수는 외부에서 입력된 값을 가지고 있으며 </a:t>
             </a:r>
             <a:r>
-              <a:rPr lang="ko-KR" altLang="en-US" dirty="0" err="1" smtClean="0"/>
+              <a:rPr lang="ko-KR" altLang="en-US" dirty="0" err="1"/>
               <a:t>쉐이더</a:t>
             </a:r>
             <a:r>
-              <a:rPr lang="ko-KR" altLang="en-US" dirty="0" smtClean="0"/>
+              <a:rPr lang="ko-KR" altLang="en-US" dirty="0"/>
               <a:t> 내부에선 읽기만 가능하고 쓰기는 불가능 함</a:t>
             </a:r>
-            <a:endParaRPr lang="en-US" altLang="ko-KR" dirty="0" smtClean="0"/>
+            <a:endParaRPr lang="en-US" altLang="ko-KR" dirty="0"/>
           </a:p>
           <a:p>
             <a:pPr lvl="1"/>
             <a:r>
-              <a:rPr lang="ko-KR" altLang="en-US" dirty="0" err="1" smtClean="0"/>
+              <a:rPr lang="ko-KR" altLang="en-US" dirty="0" err="1"/>
               <a:t>쉐이더</a:t>
             </a:r>
             <a:r>
-              <a:rPr lang="en-US" altLang="ko-KR" dirty="0" smtClean="0"/>
+              <a:rPr lang="en-US" altLang="ko-KR" dirty="0"/>
               <a:t> </a:t>
             </a:r>
             <a:r>
-              <a:rPr lang="ko-KR" altLang="en-US" dirty="0" smtClean="0"/>
+              <a:rPr lang="ko-KR" altLang="en-US" dirty="0"/>
               <a:t>전반에 걸쳐 읽기가 가능함</a:t>
             </a:r>
-            <a:endParaRPr lang="en-US" altLang="ko-KR" dirty="0" smtClean="0"/>
+            <a:endParaRPr lang="en-US" altLang="ko-KR" dirty="0"/>
           </a:p>
           <a:p>
             <a:pPr lvl="1"/>
@@ -13451,13 +14362,6 @@
   <p:clrMapOvr>
     <a:masterClrMapping/>
   </p:clrMapOvr>
-  <p:timing>
-    <p:tnLst>
-      <p:par>
-        <p:cTn id="1" dur="indefinite" restart="never" nodeType="tmRoot"/>
-      </p:par>
-    </p:tnLst>
-  </p:timing>
 </p:sld>
 </file>
 
@@ -13535,7 +14439,7 @@
           <a:lstStyle/>
           <a:p>
             <a:r>
-              <a:rPr lang="en-US" altLang="ko-KR" dirty="0" smtClean="0"/>
+              <a:rPr lang="en-US" altLang="ko-KR" dirty="0"/>
               <a:t>Shader </a:t>
             </a:r>
             <a:r>
@@ -13589,11 +14493,11 @@
               <a:t>gScale</a:t>
             </a:r>
             <a:r>
-              <a:rPr lang="en-US" altLang="ko-KR" sz="1800" dirty="0" smtClean="0"/>
+              <a:rPr lang="en-US" altLang="ko-KR" sz="1800" dirty="0"/>
               <a:t>; //</a:t>
             </a:r>
             <a:r>
-              <a:rPr lang="ko-KR" altLang="en-US" sz="1800" dirty="0" smtClean="0"/>
+              <a:rPr lang="ko-KR" altLang="en-US" sz="1800" dirty="0"/>
               <a:t>외부에서 값을 넘겨받음</a:t>
             </a:r>
             <a:endParaRPr lang="en-US" altLang="ko-KR" sz="1800" dirty="0"/>
@@ -13653,13 +14557,6 @@
   <p:clrMapOvr>
     <a:masterClrMapping/>
   </p:clrMapOvr>
-  <p:timing>
-    <p:tnLst>
-      <p:par>
-        <p:cTn id="1" dur="indefinite" restart="never" nodeType="tmRoot"/>
-      </p:par>
-    </p:tnLst>
-  </p:timing>
 </p:sld>
 </file>
 
@@ -13753,65 +14650,52 @@
             </a:r>
             <a:r>
               <a:rPr lang="en-US" altLang="ko-KR" sz="2400" dirty="0"/>
-              <a:t> char* name</a:t>
-            </a:r>
-            <a:r>
-              <a:rPr lang="en-US" altLang="ko-KR" sz="2400" dirty="0" smtClean="0"/>
-              <a:t>);</a:t>
+              <a:t> char* name);</a:t>
             </a:r>
           </a:p>
           <a:p>
             <a:endParaRPr lang="en-US" altLang="ko-KR" sz="2400" dirty="0"/>
           </a:p>
           <a:p>
-            <a:endParaRPr lang="en-US" altLang="ko-KR" sz="2400" dirty="0" smtClean="0"/>
-          </a:p>
-          <a:p>
             <a:endParaRPr lang="en-US" altLang="ko-KR" sz="2400" dirty="0"/>
           </a:p>
           <a:p>
-            <a:endParaRPr lang="en-US" altLang="ko-KR" sz="2400" dirty="0" smtClean="0"/>
-          </a:p>
-          <a:p>
             <a:endParaRPr lang="en-US" altLang="ko-KR" sz="2400" dirty="0"/>
           </a:p>
           <a:p>
-            <a:endParaRPr lang="en-US" altLang="ko-KR" sz="2400" dirty="0" smtClean="0"/>
-          </a:p>
-          <a:p>
-            <a:r>
-              <a:rPr lang="en-US" altLang="ko-KR" sz="2400" dirty="0" err="1" smtClean="0"/>
+            <a:endParaRPr lang="en-US" altLang="ko-KR" sz="2400" dirty="0"/>
+          </a:p>
+          <a:p>
+            <a:endParaRPr lang="en-US" altLang="ko-KR" sz="2400" dirty="0"/>
+          </a:p>
+          <a:p>
+            <a:endParaRPr lang="en-US" altLang="ko-KR" sz="2400" dirty="0"/>
+          </a:p>
+          <a:p>
+            <a:r>
+              <a:rPr lang="en-US" altLang="ko-KR" sz="2400" dirty="0" err="1"/>
               <a:t>GLint</a:t>
             </a:r>
             <a:r>
-              <a:rPr lang="en-US" altLang="ko-KR" sz="2400" dirty="0" smtClean="0"/>
+              <a:rPr lang="en-US" altLang="ko-KR" sz="2400" dirty="0"/>
               <a:t> id = </a:t>
             </a:r>
             <a:r>
-              <a:rPr lang="en-US" altLang="ko-KR" sz="2400" dirty="0" err="1" smtClean="0"/>
+              <a:rPr lang="en-US" altLang="ko-KR" sz="2400" dirty="0" err="1"/>
               <a:t>glGetUniformLocation</a:t>
             </a:r>
             <a:r>
-              <a:rPr lang="en-US" altLang="ko-KR" sz="2400" dirty="0" smtClean="0"/>
-              <a:t>(program</a:t>
-            </a:r>
-            <a:r>
               <a:rPr lang="en-US" altLang="ko-KR" sz="2400" dirty="0"/>
-              <a:t>, </a:t>
-            </a:r>
-            <a:r>
-              <a:rPr lang="en-US" altLang="ko-KR" sz="2400" dirty="0" smtClean="0"/>
-              <a:t>“</a:t>
-            </a:r>
-            <a:r>
-              <a:rPr lang="en-US" altLang="ko-KR" sz="2400" dirty="0" err="1" smtClean="0"/>
+              <a:t>(program, “</a:t>
+            </a:r>
+            <a:r>
+              <a:rPr lang="en-US" altLang="ko-KR" sz="2400" dirty="0" err="1"/>
               <a:t>gScale</a:t>
             </a:r>
             <a:r>
-              <a:rPr lang="en-US" altLang="ko-KR" sz="2400" dirty="0" smtClean="0"/>
+              <a:rPr lang="en-US" altLang="ko-KR" sz="2400" dirty="0"/>
               <a:t>”);</a:t>
             </a:r>
-            <a:endParaRPr lang="en-US" altLang="ko-KR" sz="2400" dirty="0"/>
           </a:p>
           <a:p>
             <a:endParaRPr lang="ko-KR" altLang="en-US" sz="2400" dirty="0"/>
@@ -13947,13 +14831,6 @@
   <p:clrMapOvr>
     <a:masterClrMapping/>
   </p:clrMapOvr>
-  <p:timing>
-    <p:tnLst>
-      <p:par>
-        <p:cTn id="1" dur="indefinite" restart="never" nodeType="tmRoot"/>
-      </p:par>
-    </p:tnLst>
-  </p:timing>
 </p:sld>
 </file>
 
@@ -14053,14 +14930,13 @@
               <a:rPr lang="en-US" altLang="ko-KR" sz="2000" dirty="0"/>
               <a:t> location, TYPE value); </a:t>
             </a:r>
-            <a:endParaRPr lang="en-US" altLang="ko-KR" sz="2000" dirty="0" smtClean="0"/>
-          </a:p>
-          <a:p>
-            <a:endParaRPr lang="en-US" altLang="ko-KR" sz="2000" dirty="0" smtClean="0"/>
-          </a:p>
-          <a:p>
-            <a:r>
-              <a:rPr lang="en-US" altLang="ko-KR" sz="2000" dirty="0" smtClean="0"/>
+          </a:p>
+          <a:p>
+            <a:endParaRPr lang="en-US" altLang="ko-KR" sz="2000" dirty="0"/>
+          </a:p>
+          <a:p>
+            <a:r>
+              <a:rPr lang="en-US" altLang="ko-KR" sz="2000" dirty="0"/>
               <a:t>void </a:t>
             </a:r>
             <a:r>
@@ -14111,14 +14987,13 @@
               <a:rPr lang="en-US" altLang="ko-KR" sz="2000" dirty="0"/>
               <a:t> TYPE * values); </a:t>
             </a:r>
-            <a:endParaRPr lang="en-US" altLang="ko-KR" sz="2000" dirty="0" smtClean="0"/>
-          </a:p>
-          <a:p>
-            <a:endParaRPr lang="en-US" altLang="ko-KR" sz="2000" dirty="0" smtClean="0"/>
-          </a:p>
-          <a:p>
-            <a:r>
-              <a:rPr lang="en-US" altLang="ko-KR" sz="2000" dirty="0" smtClean="0"/>
+          </a:p>
+          <a:p>
+            <a:endParaRPr lang="en-US" altLang="ko-KR" sz="2000" dirty="0"/>
+          </a:p>
+          <a:p>
+            <a:r>
+              <a:rPr lang="en-US" altLang="ko-KR" sz="2000" dirty="0"/>
               <a:t>void </a:t>
             </a:r>
             <a:r>
@@ -14177,14 +15052,13 @@
               <a:rPr lang="en-US" altLang="ko-KR" sz="2000" dirty="0"/>
               <a:t> * values); </a:t>
             </a:r>
-            <a:endParaRPr lang="en-US" altLang="ko-KR" sz="2000" dirty="0" smtClean="0"/>
-          </a:p>
-          <a:p>
-            <a:endParaRPr lang="en-US" altLang="ko-KR" sz="2000" dirty="0" smtClean="0"/>
-          </a:p>
-          <a:p>
-            <a:r>
-              <a:rPr lang="en-US" altLang="ko-KR" sz="2000" dirty="0" smtClean="0"/>
+          </a:p>
+          <a:p>
+            <a:endParaRPr lang="en-US" altLang="ko-KR" sz="2000" dirty="0"/>
+          </a:p>
+          <a:p>
+            <a:r>
+              <a:rPr lang="en-US" altLang="ko-KR" sz="2000" dirty="0"/>
               <a:t>void </a:t>
             </a:r>
             <a:r>
@@ -14257,13 +15131,6 @@
   <p:clrMapOvr>
     <a:masterClrMapping/>
   </p:clrMapOvr>
-  <p:timing>
-    <p:tnLst>
-      <p:par>
-        <p:cTn id="1" dur="indefinite" restart="never" nodeType="tmRoot"/>
-      </p:par>
-    </p:tnLst>
-  </p:timing>
 </p:sld>
 </file>
 
@@ -14327,71 +15194,54 @@
           </a:bodyPr>
           <a:lstStyle/>
           <a:p>
-            <a:endParaRPr lang="en-US" altLang="ko-KR" sz="2400" dirty="0" smtClean="0"/>
-          </a:p>
-          <a:p>
             <a:endParaRPr lang="en-US" altLang="ko-KR" sz="2400" dirty="0"/>
           </a:p>
           <a:p>
-            <a:endParaRPr lang="en-US" altLang="ko-KR" sz="2400" dirty="0" smtClean="0"/>
-          </a:p>
-          <a:p>
             <a:endParaRPr lang="en-US" altLang="ko-KR" sz="2400" dirty="0"/>
           </a:p>
           <a:p>
-            <a:endParaRPr lang="en-US" altLang="ko-KR" sz="2400" dirty="0" smtClean="0"/>
-          </a:p>
-          <a:p>
             <a:endParaRPr lang="en-US" altLang="ko-KR" sz="2400" dirty="0"/>
           </a:p>
           <a:p>
-            <a:r>
-              <a:rPr lang="en-US" altLang="ko-KR" sz="2400" dirty="0" err="1" smtClean="0"/>
+            <a:endParaRPr lang="en-US" altLang="ko-KR" sz="2400" dirty="0"/>
+          </a:p>
+          <a:p>
+            <a:endParaRPr lang="en-US" altLang="ko-KR" sz="2400" dirty="0"/>
+          </a:p>
+          <a:p>
+            <a:endParaRPr lang="en-US" altLang="ko-KR" sz="2400" dirty="0"/>
+          </a:p>
+          <a:p>
+            <a:r>
+              <a:rPr lang="en-US" altLang="ko-KR" sz="2400" dirty="0" err="1"/>
               <a:t>GLint</a:t>
             </a:r>
             <a:r>
-              <a:rPr lang="en-US" altLang="ko-KR" sz="2400" dirty="0" smtClean="0"/>
+              <a:rPr lang="en-US" altLang="ko-KR" sz="2400" dirty="0"/>
               <a:t> id = </a:t>
             </a:r>
             <a:r>
-              <a:rPr lang="en-US" altLang="ko-KR" sz="2400" dirty="0" err="1" smtClean="0"/>
+              <a:rPr lang="en-US" altLang="ko-KR" sz="2400" dirty="0" err="1"/>
               <a:t>glGetUniformLocation</a:t>
             </a:r>
             <a:r>
-              <a:rPr lang="en-US" altLang="ko-KR" sz="2400" dirty="0" smtClean="0"/>
-              <a:t>(program</a:t>
-            </a:r>
-            <a:r>
               <a:rPr lang="en-US" altLang="ko-KR" sz="2400" dirty="0"/>
-              <a:t>, </a:t>
-            </a:r>
-            <a:r>
-              <a:rPr lang="en-US" altLang="ko-KR" sz="2400" dirty="0" smtClean="0"/>
-              <a:t>“</a:t>
-            </a:r>
-            <a:r>
-              <a:rPr lang="en-US" altLang="ko-KR" sz="2400" dirty="0" err="1" smtClean="0"/>
+              <a:t>(program, “</a:t>
+            </a:r>
+            <a:r>
+              <a:rPr lang="en-US" altLang="ko-KR" sz="2400" dirty="0" err="1"/>
               <a:t>gScale</a:t>
             </a:r>
             <a:r>
-              <a:rPr lang="en-US" altLang="ko-KR" sz="2400" dirty="0" smtClean="0"/>
+              <a:rPr lang="en-US" altLang="ko-KR" sz="2400" dirty="0"/>
               <a:t>”);</a:t>
             </a:r>
           </a:p>
           <a:p>
             <a:r>
-              <a:rPr lang="en-US" altLang="ko-KR" sz="2400" dirty="0" smtClean="0"/>
-              <a:t>glUniform1f(</a:t>
-            </a:r>
-            <a:r>
               <a:rPr lang="en-US" altLang="ko-KR" sz="2400" dirty="0"/>
-              <a:t>id</a:t>
-            </a:r>
-            <a:r>
-              <a:rPr lang="en-US" altLang="ko-KR" sz="2400" dirty="0" smtClean="0"/>
-              <a:t>, 0.5f);</a:t>
-            </a:r>
-            <a:endParaRPr lang="en-US" altLang="ko-KR" sz="2400" dirty="0"/>
+              <a:t>glUniform1f(id, 0.5f);</a:t>
+            </a:r>
           </a:p>
           <a:p>
             <a:endParaRPr lang="ko-KR" altLang="en-US" sz="2400" dirty="0"/>
@@ -14527,13 +15377,6 @@
   <p:clrMapOvr>
     <a:masterClrMapping/>
   </p:clrMapOvr>
-  <p:timing>
-    <p:tnLst>
-      <p:par>
-        <p:cTn id="1" dur="indefinite" restart="never" nodeType="tmRoot"/>
-      </p:par>
-    </p:tnLst>
-  </p:timing>
 </p:sld>
 </file>
 
@@ -14570,14 +15413,13 @@
           <a:lstStyle/>
           <a:p>
             <a:r>
-              <a:rPr lang="en-US" altLang="ko-KR" dirty="0" smtClean="0"/>
+              <a:rPr lang="en-US" altLang="ko-KR" dirty="0"/>
               <a:t>Shader </a:t>
             </a:r>
             <a:r>
-              <a:rPr lang="ko-KR" altLang="en-US" dirty="0" smtClean="0"/>
+              <a:rPr lang="ko-KR" altLang="en-US" dirty="0"/>
               <a:t>컴파일</a:t>
             </a:r>
-            <a:endParaRPr lang="ko-KR" altLang="en-US" dirty="0"/>
           </a:p>
         </p:txBody>
       </p:sp>
@@ -14610,13 +15452,6 @@
   <p:clrMapOvr>
     <a:masterClrMapping/>
   </p:clrMapOvr>
-  <p:timing>
-    <p:tnLst>
-      <p:par>
-        <p:cTn id="1" dur="indefinite" restart="never" nodeType="tmRoot"/>
-      </p:par>
-    </p:tnLst>
-  </p:timing>
 </p:sld>
 </file>
 
@@ -14653,14 +15488,13 @@
           <a:lstStyle/>
           <a:p>
             <a:r>
-              <a:rPr lang="en-US" altLang="ko-KR" dirty="0" smtClean="0"/>
+              <a:rPr lang="en-US" altLang="ko-KR" dirty="0"/>
               <a:t>Shader </a:t>
             </a:r>
             <a:r>
-              <a:rPr lang="ko-KR" altLang="en-US" dirty="0" smtClean="0"/>
+              <a:rPr lang="ko-KR" altLang="en-US" dirty="0"/>
               <a:t>컴파일</a:t>
             </a:r>
-            <a:endParaRPr lang="ko-KR" altLang="en-US" dirty="0"/>
           </a:p>
         </p:txBody>
       </p:sp>
@@ -14751,7 +15585,7 @@
             <a:p>
               <a:pPr algn="ctr"/>
               <a:r>
-                <a:rPr lang="en-US" altLang="ko-KR" dirty="0" smtClean="0"/>
+                <a:rPr lang="en-US" altLang="ko-KR" dirty="0"/>
                 <a:t>Vertex Shader</a:t>
               </a:r>
               <a:endParaRPr lang="ko-KR" altLang="en-US" dirty="0"/>
@@ -14793,7 +15627,7 @@
             <a:p>
               <a:pPr algn="ctr"/>
               <a:r>
-                <a:rPr lang="en-US" altLang="ko-KR" dirty="0" smtClean="0"/>
+                <a:rPr lang="en-US" altLang="ko-KR" dirty="0"/>
                 <a:t>…</a:t>
               </a:r>
               <a:endParaRPr lang="ko-KR" altLang="en-US" dirty="0"/>
@@ -14835,7 +15669,7 @@
             <a:p>
               <a:pPr algn="ctr"/>
               <a:r>
-                <a:rPr lang="en-US" altLang="ko-KR" dirty="0" smtClean="0"/>
+                <a:rPr lang="en-US" altLang="ko-KR" dirty="0"/>
                 <a:t>…</a:t>
               </a:r>
               <a:endParaRPr lang="ko-KR" altLang="en-US" dirty="0"/>
@@ -14877,7 +15711,7 @@
             <a:p>
               <a:pPr algn="ctr"/>
               <a:r>
-                <a:rPr lang="en-US" altLang="ko-KR" dirty="0" smtClean="0"/>
+                <a:rPr lang="en-US" altLang="ko-KR" dirty="0"/>
                 <a:t>…</a:t>
               </a:r>
               <a:endParaRPr lang="ko-KR" altLang="en-US" dirty="0"/>
@@ -14919,7 +15753,7 @@
             <a:p>
               <a:pPr algn="ctr"/>
               <a:r>
-                <a:rPr lang="en-US" altLang="ko-KR" dirty="0" smtClean="0"/>
+                <a:rPr lang="en-US" altLang="ko-KR" dirty="0"/>
                 <a:t>Fragment Shader</a:t>
               </a:r>
               <a:endParaRPr lang="ko-KR" altLang="en-US" dirty="0"/>
@@ -14961,7 +15795,7 @@
             <a:p>
               <a:pPr algn="ctr"/>
               <a:r>
-                <a:rPr lang="en-US" altLang="ko-KR" dirty="0" smtClean="0"/>
+                <a:rPr lang="en-US" altLang="ko-KR" dirty="0"/>
                 <a:t>Shader Program</a:t>
               </a:r>
               <a:endParaRPr lang="ko-KR" altLang="en-US" dirty="0"/>
@@ -14979,13 +15813,6 @@
   <p:clrMapOvr>
     <a:masterClrMapping/>
   </p:clrMapOvr>
-  <p:timing>
-    <p:tnLst>
-      <p:par>
-        <p:cTn id="1" dur="indefinite" restart="never" nodeType="tmRoot"/>
-      </p:par>
-    </p:tnLst>
-  </p:timing>
 </p:sld>
 </file>
 
@@ -15093,7 +15920,7 @@
             <a:p>
               <a:pPr algn="ctr"/>
               <a:r>
-                <a:rPr lang="en-US" altLang="ko-KR" sz="700" dirty="0" smtClean="0"/>
+                <a:rPr lang="en-US" altLang="ko-KR" sz="700" dirty="0"/>
                 <a:t>Vertex Shader</a:t>
               </a:r>
               <a:endParaRPr lang="ko-KR" altLang="en-US" sz="700" dirty="0"/>
@@ -15135,7 +15962,7 @@
             <a:p>
               <a:pPr algn="ctr"/>
               <a:r>
-                <a:rPr lang="en-US" altLang="ko-KR" sz="700" dirty="0" smtClean="0"/>
+                <a:rPr lang="en-US" altLang="ko-KR" sz="700" dirty="0"/>
                 <a:t>…</a:t>
               </a:r>
               <a:endParaRPr lang="ko-KR" altLang="en-US" sz="700" dirty="0"/>
@@ -15177,7 +16004,7 @@
             <a:p>
               <a:pPr algn="ctr"/>
               <a:r>
-                <a:rPr lang="en-US" altLang="ko-KR" sz="700" dirty="0" smtClean="0"/>
+                <a:rPr lang="en-US" altLang="ko-KR" sz="700" dirty="0"/>
                 <a:t>…</a:t>
               </a:r>
               <a:endParaRPr lang="ko-KR" altLang="en-US" sz="700" dirty="0"/>
@@ -15219,7 +16046,7 @@
             <a:p>
               <a:pPr algn="ctr"/>
               <a:r>
-                <a:rPr lang="en-US" altLang="ko-KR" sz="700" dirty="0" smtClean="0"/>
+                <a:rPr lang="en-US" altLang="ko-KR" sz="700" dirty="0"/>
                 <a:t>…</a:t>
               </a:r>
               <a:endParaRPr lang="ko-KR" altLang="en-US" sz="700" dirty="0"/>
@@ -15261,7 +16088,7 @@
             <a:p>
               <a:pPr algn="ctr"/>
               <a:r>
-                <a:rPr lang="en-US" altLang="ko-KR" sz="700" dirty="0" smtClean="0"/>
+                <a:rPr lang="en-US" altLang="ko-KR" sz="700" dirty="0"/>
                 <a:t>Fragment Shader</a:t>
               </a:r>
               <a:endParaRPr lang="ko-KR" altLang="en-US" sz="700" dirty="0"/>
@@ -15303,7 +16130,7 @@
             <a:p>
               <a:pPr algn="ctr"/>
               <a:r>
-                <a:rPr lang="en-US" altLang="ko-KR" sz="1000" dirty="0" smtClean="0"/>
+                <a:rPr lang="en-US" altLang="ko-KR" sz="1000" dirty="0"/>
                 <a:t>Shader Program</a:t>
               </a:r>
               <a:endParaRPr lang="ko-KR" altLang="en-US" sz="1000" dirty="0"/>
@@ -15398,14 +16225,13 @@
           <a:lstStyle/>
           <a:p>
             <a:r>
-              <a:rPr lang="en-US" altLang="ko-KR" dirty="0" smtClean="0"/>
+              <a:rPr lang="en-US" altLang="ko-KR" dirty="0"/>
               <a:t>1. Shader Object </a:t>
             </a:r>
             <a:r>
-              <a:rPr lang="ko-KR" altLang="en-US" dirty="0" smtClean="0"/>
+              <a:rPr lang="ko-KR" altLang="en-US" dirty="0"/>
               <a:t>생성</a:t>
             </a:r>
-            <a:endParaRPr lang="ko-KR" altLang="en-US" dirty="0"/>
           </a:p>
         </p:txBody>
       </p:sp>
@@ -15489,16 +16315,12 @@
           <a:p>
             <a:r>
               <a:rPr lang="en-US" altLang="ko-KR" dirty="0"/>
-              <a:t>#define </a:t>
-            </a:r>
-            <a:r>
-              <a:rPr lang="en-US" altLang="ko-KR" dirty="0" smtClean="0"/>
-              <a:t>GL_FRAGMENT_SHADER</a:t>
-            </a:r>
-          </a:p>
-          <a:p>
-            <a:r>
-              <a:rPr lang="en-US" altLang="ko-KR" dirty="0" smtClean="0"/>
+              <a:t>#define GL_FRAGMENT_SHADER</a:t>
+            </a:r>
+          </a:p>
+          <a:p>
+            <a:r>
+              <a:rPr lang="en-US" altLang="ko-KR" dirty="0"/>
               <a:t>#define GL_VERTEX_SHADER</a:t>
             </a:r>
             <a:endParaRPr lang="ko-KR" altLang="en-US" dirty="0"/>
@@ -15528,22 +16350,21 @@
           <a:lstStyle/>
           <a:p>
             <a:r>
-              <a:rPr lang="en-US" altLang="ko-KR" dirty="0" smtClean="0"/>
+              <a:rPr lang="en-US" altLang="ko-KR" dirty="0"/>
               <a:t>2. Object </a:t>
             </a:r>
             <a:r>
-              <a:rPr lang="ko-KR" altLang="en-US" dirty="0" smtClean="0"/>
+              <a:rPr lang="ko-KR" altLang="en-US" dirty="0"/>
               <a:t>에 </a:t>
             </a:r>
             <a:r>
-              <a:rPr lang="en-US" altLang="ko-KR" dirty="0" smtClean="0"/>
+              <a:rPr lang="en-US" altLang="ko-KR" dirty="0"/>
               <a:t>Source </a:t>
             </a:r>
             <a:r>
-              <a:rPr lang="ko-KR" altLang="en-US" dirty="0" smtClean="0"/>
+              <a:rPr lang="ko-KR" altLang="en-US" dirty="0"/>
               <a:t>할당 및 컴파일</a:t>
             </a:r>
-            <a:endParaRPr lang="ko-KR" altLang="en-US" dirty="0"/>
           </a:p>
         </p:txBody>
       </p:sp>
@@ -15587,15 +16408,15 @@
           </a:p>
           <a:p>
             <a:r>
-              <a:rPr lang="en-US" altLang="ko-KR" dirty="0" err="1" smtClean="0"/>
+              <a:rPr lang="en-US" altLang="ko-KR" dirty="0" err="1"/>
               <a:t>glCompileShader</a:t>
             </a:r>
             <a:r>
-              <a:rPr lang="en-US" altLang="ko-KR" dirty="0" smtClean="0"/>
+              <a:rPr lang="en-US" altLang="ko-KR" dirty="0"/>
               <a:t>(</a:t>
             </a:r>
             <a:r>
-              <a:rPr lang="en-US" altLang="ko-KR" dirty="0" err="1" smtClean="0"/>
+              <a:rPr lang="en-US" altLang="ko-KR" dirty="0" err="1"/>
               <a:t>ShaderObj</a:t>
             </a:r>
             <a:r>
@@ -15678,14 +16499,13 @@
           <a:lstStyle/>
           <a:p>
             <a:r>
-              <a:rPr lang="en-US" altLang="ko-KR" dirty="0" smtClean="0"/>
+              <a:rPr lang="en-US" altLang="ko-KR" dirty="0"/>
               <a:t>0. Shader Program </a:t>
             </a:r>
             <a:r>
-              <a:rPr lang="ko-KR" altLang="en-US" dirty="0" smtClean="0"/>
+              <a:rPr lang="ko-KR" altLang="en-US" dirty="0"/>
               <a:t>생성</a:t>
             </a:r>
-            <a:endParaRPr lang="ko-KR" altLang="en-US" dirty="0"/>
           </a:p>
         </p:txBody>
       </p:sp>
@@ -15762,22 +16582,14 @@
           <a:p>
             <a:r>
               <a:rPr lang="en-US" altLang="ko-KR" dirty="0"/>
-              <a:t>3</a:t>
-            </a:r>
-            <a:r>
-              <a:rPr lang="en-US" altLang="ko-KR" dirty="0" smtClean="0"/>
-              <a:t>. </a:t>
-            </a:r>
-            <a:r>
-              <a:rPr lang="en-US" altLang="ko-KR" dirty="0"/>
-              <a:t>Shader Program </a:t>
-            </a:r>
-            <a:r>
-              <a:rPr lang="ko-KR" altLang="en-US" dirty="0" smtClean="0"/>
+              <a:t>3. Shader Program </a:t>
+            </a:r>
+            <a:r>
+              <a:rPr lang="ko-KR" altLang="en-US" dirty="0"/>
               <a:t>에 </a:t>
             </a:r>
             <a:r>
-              <a:rPr lang="en-US" altLang="ko-KR" dirty="0" smtClean="0"/>
+              <a:rPr lang="en-US" altLang="ko-KR" dirty="0"/>
               <a:t>Attach</a:t>
             </a:r>
             <a:endParaRPr lang="ko-KR" altLang="en-US" dirty="0"/>
@@ -15807,14 +16619,13 @@
           <a:lstStyle/>
           <a:p>
             <a:r>
-              <a:rPr lang="en-US" altLang="ko-KR" dirty="0" smtClean="0"/>
+              <a:rPr lang="en-US" altLang="ko-KR" dirty="0"/>
               <a:t>3. </a:t>
             </a:r>
             <a:r>
-              <a:rPr lang="ko-KR" altLang="en-US" dirty="0" smtClean="0"/>
+              <a:rPr lang="ko-KR" altLang="en-US" dirty="0"/>
               <a:t>컴파일 완료 확인</a:t>
             </a:r>
-            <a:endParaRPr lang="ko-KR" altLang="en-US" dirty="0"/>
           </a:p>
         </p:txBody>
       </p:sp>
@@ -15841,30 +16652,29 @@
           <a:lstStyle/>
           <a:p>
             <a:r>
-              <a:rPr lang="en-US" altLang="ko-KR" dirty="0" smtClean="0"/>
+              <a:rPr lang="en-US" altLang="ko-KR" dirty="0"/>
               <a:t>Vertex Shader </a:t>
             </a:r>
             <a:r>
-              <a:rPr lang="ko-KR" altLang="en-US" dirty="0" smtClean="0"/>
+              <a:rPr lang="ko-KR" altLang="en-US" dirty="0"/>
               <a:t>및 </a:t>
             </a:r>
             <a:r>
-              <a:rPr lang="en-US" altLang="ko-KR" dirty="0" smtClean="0"/>
+              <a:rPr lang="en-US" altLang="ko-KR" dirty="0"/>
               <a:t>Fragment Shader Object </a:t>
             </a:r>
             <a:r>
-              <a:rPr lang="ko-KR" altLang="en-US" dirty="0" smtClean="0"/>
+              <a:rPr lang="ko-KR" altLang="en-US" dirty="0"/>
               <a:t>를 각각 생성 후 </a:t>
             </a:r>
             <a:r>
-              <a:rPr lang="en-US" altLang="ko-KR" dirty="0" smtClean="0"/>
+              <a:rPr lang="en-US" altLang="ko-KR" dirty="0"/>
               <a:t>Attach </a:t>
             </a:r>
             <a:r>
-              <a:rPr lang="ko-KR" altLang="en-US" dirty="0" smtClean="0"/>
+              <a:rPr lang="ko-KR" altLang="en-US" dirty="0"/>
               <a:t>함</a:t>
             </a:r>
-            <a:endParaRPr lang="ko-KR" altLang="en-US" dirty="0"/>
           </a:p>
         </p:txBody>
       </p:sp>
@@ -15955,13 +16765,6 @@
   <p:clrMapOvr>
     <a:masterClrMapping/>
   </p:clrMapOvr>
-  <p:timing>
-    <p:tnLst>
-      <p:par>
-        <p:cTn id="1" dur="indefinite" restart="never" nodeType="tmRoot"/>
-      </p:par>
-    </p:tnLst>
-  </p:timing>
 </p:sld>
 </file>
 
@@ -16054,7 +16857,7 @@
             <a:p>
               <a:pPr algn="ctr"/>
               <a:r>
-                <a:rPr lang="en-US" altLang="ko-KR" b="1" dirty="0" smtClean="0">
+                <a:rPr lang="en-US" altLang="ko-KR" b="1" dirty="0">
                   <a:effectLst>
                     <a:outerShdw blurRad="38100" dist="38100" dir="2700000" algn="tl">
                       <a:srgbClr val="000000">
@@ -16114,7 +16917,7 @@
             <a:p>
               <a:pPr algn="ctr"/>
               <a:r>
-                <a:rPr lang="en-US" altLang="ko-KR" b="1" dirty="0" smtClean="0">
+                <a:rPr lang="en-US" altLang="ko-KR" b="1" dirty="0">
                   <a:effectLst>
                     <a:outerShdw blurRad="38100" dist="38100" dir="2700000" algn="tl">
                       <a:srgbClr val="000000">
@@ -16174,7 +16977,7 @@
             <a:p>
               <a:pPr algn="ctr"/>
               <a:r>
-                <a:rPr lang="en-US" altLang="ko-KR" b="1" dirty="0" err="1" smtClean="0">
+                <a:rPr lang="en-US" altLang="ko-KR" b="1" dirty="0" err="1">
                   <a:effectLst>
                     <a:outerShdw blurRad="38100" dist="38100" dir="2700000" algn="tl">
                       <a:srgbClr val="000000">
@@ -16186,7 +16989,7 @@
                 <a:t>Rasterization</a:t>
               </a:r>
               <a:r>
-                <a:rPr lang="en-US" altLang="ko-KR" b="1" dirty="0" smtClean="0">
+                <a:rPr lang="en-US" altLang="ko-KR" b="1" dirty="0">
                   <a:effectLst>
                     <a:outerShdw blurRad="38100" dist="38100" dir="2700000" algn="tl">
                       <a:srgbClr val="000000">
@@ -16244,7 +17047,7 @@
             <a:p>
               <a:pPr algn="ctr"/>
               <a:r>
-                <a:rPr lang="en-US" altLang="ko-KR" b="1" dirty="0" smtClean="0">
+                <a:rPr lang="en-US" altLang="ko-KR" b="1" dirty="0">
                   <a:effectLst>
                     <a:outerShdw blurRad="38100" dist="38100" dir="2700000" algn="tl">
                       <a:srgbClr val="000000">
@@ -16304,7 +17107,7 @@
             <a:p>
               <a:pPr algn="ctr"/>
               <a:r>
-                <a:rPr lang="en-US" altLang="ko-KR" b="1" dirty="0" smtClean="0">
+                <a:rPr lang="en-US" altLang="ko-KR" b="1" dirty="0">
                   <a:effectLst>
                     <a:outerShdw blurRad="38100" dist="38100" dir="2700000" algn="tl">
                       <a:srgbClr val="000000">
@@ -16579,11 +17382,11 @@
           <a:lstStyle/>
           <a:p>
             <a:r>
-              <a:rPr lang="ko-KR" altLang="en-US" dirty="0" smtClean="0"/>
+              <a:rPr lang="ko-KR" altLang="en-US" dirty="0"/>
               <a:t>프로그래밍 가능한 </a:t>
             </a:r>
             <a:r>
-              <a:rPr lang="en-US" altLang="ko-KR" dirty="0" smtClean="0"/>
+              <a:rPr lang="en-US" altLang="ko-KR" dirty="0"/>
               <a:t>Shader!</a:t>
             </a:r>
             <a:endParaRPr lang="ko-KR" altLang="en-US" dirty="0"/>
@@ -16600,13 +17403,6 @@
   <p:clrMapOvr>
     <a:masterClrMapping/>
   </p:clrMapOvr>
-  <p:timing>
-    <p:tnLst>
-      <p:par>
-        <p:cTn id="1" dur="indefinite" restart="never" nodeType="tmRoot"/>
-      </p:par>
-    </p:tnLst>
-  </p:timing>
 </p:sld>
 </file>
 
@@ -16671,14 +17467,14 @@
           <a:lstStyle/>
           <a:p>
             <a:r>
-              <a:rPr lang="en-US" altLang="ko-KR" dirty="0" smtClean="0"/>
+              <a:rPr lang="en-US" altLang="ko-KR" dirty="0"/>
               <a:t>Attach </a:t>
             </a:r>
             <a:r>
-              <a:rPr lang="ko-KR" altLang="en-US" dirty="0" smtClean="0"/>
+              <a:rPr lang="ko-KR" altLang="en-US" dirty="0"/>
               <a:t>완료 후 링크 수행</a:t>
             </a:r>
-            <a:endParaRPr lang="en-US" altLang="ko-KR" dirty="0" smtClean="0"/>
+            <a:endParaRPr lang="en-US" altLang="ko-KR" dirty="0"/>
           </a:p>
           <a:p>
             <a:pPr lvl="1"/>
@@ -16695,7 +17491,7 @@
               <a:t>ShaderProgram</a:t>
             </a:r>
             <a:r>
-              <a:rPr lang="en-US" altLang="ko-KR" dirty="0" smtClean="0"/>
+              <a:rPr lang="en-US" altLang="ko-KR" dirty="0"/>
               <a:t>);</a:t>
             </a:r>
           </a:p>
@@ -16704,59 +17500,59 @@
           </a:p>
           <a:p>
             <a:r>
-              <a:rPr lang="ko-KR" altLang="en-US" dirty="0" smtClean="0"/>
+              <a:rPr lang="ko-KR" altLang="en-US" dirty="0"/>
               <a:t>링크 완료 확인</a:t>
             </a:r>
-            <a:endParaRPr lang="en-US" altLang="ko-KR" dirty="0" smtClean="0"/>
-          </a:p>
-          <a:p>
             <a:endParaRPr lang="en-US" altLang="ko-KR" dirty="0"/>
           </a:p>
           <a:p>
-            <a:r>
-              <a:rPr lang="ko-KR" altLang="en-US" dirty="0" smtClean="0"/>
+            <a:endParaRPr lang="en-US" altLang="ko-KR" dirty="0"/>
+          </a:p>
+          <a:p>
+            <a:r>
+              <a:rPr lang="ko-KR" altLang="en-US" dirty="0"/>
               <a:t>성공적으로 링크가 끝났으면 사용 준비 끝</a:t>
             </a:r>
-            <a:endParaRPr lang="en-US" altLang="ko-KR" dirty="0" smtClean="0"/>
-          </a:p>
-          <a:p>
             <a:endParaRPr lang="en-US" altLang="ko-KR" dirty="0"/>
           </a:p>
           <a:p>
-            <a:r>
-              <a:rPr lang="ko-KR" altLang="en-US" dirty="0" smtClean="0"/>
+            <a:endParaRPr lang="en-US" altLang="ko-KR" dirty="0"/>
+          </a:p>
+          <a:p>
+            <a:r>
+              <a:rPr lang="ko-KR" altLang="en-US" dirty="0"/>
               <a:t>사용시 아래 아래 함수를 사전에 불러줘야 해당 </a:t>
             </a:r>
             <a:r>
-              <a:rPr lang="en-US" altLang="ko-KR" dirty="0" err="1" smtClean="0"/>
+              <a:rPr lang="en-US" altLang="ko-KR" dirty="0" err="1"/>
               <a:t>shader</a:t>
             </a:r>
             <a:r>
-              <a:rPr lang="en-US" altLang="ko-KR" dirty="0" smtClean="0"/>
+              <a:rPr lang="en-US" altLang="ko-KR" dirty="0"/>
               <a:t> </a:t>
             </a:r>
             <a:r>
-              <a:rPr lang="ko-KR" altLang="en-US" dirty="0" smtClean="0"/>
+              <a:rPr lang="ko-KR" altLang="en-US" dirty="0"/>
               <a:t>프로그램이 동작함</a:t>
             </a:r>
-            <a:endParaRPr lang="en-US" altLang="ko-KR" dirty="0" smtClean="0"/>
+            <a:endParaRPr lang="en-US" altLang="ko-KR" dirty="0"/>
           </a:p>
           <a:p>
             <a:pPr lvl="1"/>
             <a:r>
-              <a:rPr lang="en-US" altLang="ko-KR" dirty="0" err="1" smtClean="0"/>
+              <a:rPr lang="en-US" altLang="ko-KR" dirty="0" err="1"/>
               <a:t>glUseProgram</a:t>
             </a:r>
             <a:r>
-              <a:rPr lang="en-US" altLang="ko-KR" dirty="0" smtClean="0"/>
+              <a:rPr lang="en-US" altLang="ko-KR" dirty="0"/>
               <a:t>(</a:t>
             </a:r>
             <a:r>
-              <a:rPr lang="en-US" altLang="ko-KR" dirty="0" err="1" smtClean="0"/>
+              <a:rPr lang="en-US" altLang="ko-KR" dirty="0" err="1"/>
               <a:t>GLuint</a:t>
             </a:r>
             <a:r>
-              <a:rPr lang="en-US" altLang="ko-KR" dirty="0" smtClean="0"/>
+              <a:rPr lang="en-US" altLang="ko-KR" dirty="0"/>
               <a:t> program);</a:t>
             </a:r>
           </a:p>
@@ -16772,13 +17568,6 @@
   <p:clrMapOvr>
     <a:masterClrMapping/>
   </p:clrMapOvr>
-  <p:timing>
-    <p:tnLst>
-      <p:par>
-        <p:cTn id="1" dur="indefinite" restart="never" nodeType="tmRoot"/>
-      </p:par>
-    </p:tnLst>
-  </p:timing>
 </p:sld>
 </file>
 
@@ -16862,13 +17651,6 @@
   <p:clrMapOvr>
     <a:masterClrMapping/>
   </p:clrMapOvr>
-  <p:timing>
-    <p:tnLst>
-      <p:par>
-        <p:cTn id="1" dur="indefinite" restart="never" nodeType="tmRoot"/>
-      </p:par>
-    </p:tnLst>
-  </p:timing>
 </p:sld>
 </file>
 
@@ -16916,13 +17698,8 @@
             </a:r>
             <a:r>
               <a:rPr lang="ko-KR" altLang="en-US" dirty="0"/>
-              <a:t>외부 입력 </a:t>
-            </a:r>
-            <a:r>
-              <a:rPr lang="ko-KR" altLang="en-US" dirty="0" smtClean="0"/>
-              <a:t>추가</a:t>
-            </a:r>
-            <a:endParaRPr lang="ko-KR" altLang="en-US" dirty="0"/>
+              <a:t>외부 입력 추가</a:t>
+            </a:r>
           </a:p>
         </p:txBody>
       </p:sp>
@@ -16944,7 +17721,7 @@
             <a:pPr marL="0" indent="0">
               <a:buNone/>
             </a:pPr>
-            <a:endParaRPr lang="en-US" altLang="ko-KR" dirty="0" smtClean="0"/>
+            <a:endParaRPr lang="en-US" altLang="ko-KR" dirty="0"/>
           </a:p>
           <a:p>
             <a:pPr marL="0" indent="0">
@@ -16957,11 +17734,11 @@
               <a:buNone/>
             </a:pPr>
             <a:r>
-              <a:rPr lang="en-US" altLang="ko-KR" dirty="0" smtClean="0"/>
+              <a:rPr lang="en-US" altLang="ko-KR" dirty="0"/>
               <a:t>Color </a:t>
             </a:r>
             <a:r>
-              <a:rPr lang="ko-KR" altLang="en-US" dirty="0" smtClean="0"/>
+              <a:rPr lang="ko-KR" altLang="en-US" dirty="0"/>
               <a:t>입력</a:t>
             </a:r>
             <a:endParaRPr lang="en-US" altLang="ko-KR" dirty="0"/>
@@ -16971,24 +17748,23 @@
               <a:buNone/>
             </a:pPr>
             <a:r>
-              <a:rPr lang="en-US" altLang="ko-KR" dirty="0" smtClean="0"/>
+              <a:rPr lang="en-US" altLang="ko-KR" dirty="0"/>
               <a:t>Position </a:t>
             </a:r>
             <a:r>
-              <a:rPr lang="ko-KR" altLang="en-US" dirty="0" smtClean="0"/>
+              <a:rPr lang="ko-KR" altLang="en-US" dirty="0"/>
               <a:t>입력</a:t>
             </a:r>
-            <a:endParaRPr lang="en-US" altLang="ko-KR" dirty="0" smtClean="0"/>
+            <a:endParaRPr lang="en-US" altLang="ko-KR" dirty="0"/>
           </a:p>
           <a:p>
             <a:pPr marL="0" indent="0">
               <a:buNone/>
             </a:pPr>
             <a:r>
-              <a:rPr lang="ko-KR" altLang="en-US" dirty="0" smtClean="0"/>
+              <a:rPr lang="ko-KR" altLang="en-US" dirty="0"/>
               <a:t>변화가 있는 입력</a:t>
             </a:r>
-            <a:endParaRPr lang="ko-KR" altLang="en-US" dirty="0"/>
           </a:p>
         </p:txBody>
       </p:sp>
@@ -17002,13 +17778,6 @@
   <p:clrMapOvr>
     <a:masterClrMapping/>
   </p:clrMapOvr>
-  <p:timing>
-    <p:tnLst>
-      <p:par>
-        <p:cTn id="1" dur="indefinite" restart="never" nodeType="tmRoot"/>
-      </p:par>
-    </p:tnLst>
-  </p:timing>
 </p:sld>
 </file>
 
@@ -17087,7 +17856,7 @@
           <a:p>
             <a:pPr algn="ctr"/>
             <a:r>
-              <a:rPr lang="en-US" altLang="ko-KR" b="1" dirty="0" smtClean="0">
+              <a:rPr lang="en-US" altLang="ko-KR" b="1" dirty="0">
                 <a:effectLst>
                   <a:outerShdw blurRad="38100" dist="38100" dir="2700000" algn="tl">
                     <a:srgbClr val="000000">
@@ -17134,25 +17903,25 @@
           <a:p>
             <a:pPr algn="ctr"/>
             <a:r>
-              <a:rPr lang="ko-KR" altLang="en-US" sz="2800" dirty="0" smtClean="0"/>
+              <a:rPr lang="ko-KR" altLang="en-US" sz="2800" dirty="0"/>
               <a:t>하나의</a:t>
             </a:r>
             <a:r>
-              <a:rPr lang="en-US" altLang="ko-KR" sz="2800" dirty="0" smtClean="0"/>
+              <a:rPr lang="en-US" altLang="ko-KR" sz="2800" dirty="0"/>
               <a:t> Vertex </a:t>
             </a:r>
             <a:r>
-              <a:rPr lang="ko-KR" altLang="en-US" sz="2800" dirty="0" smtClean="0"/>
+              <a:rPr lang="ko-KR" altLang="en-US" sz="2800" dirty="0"/>
               <a:t>단위로 처리되는 </a:t>
             </a:r>
             <a:r>
-              <a:rPr lang="en-US" altLang="ko-KR" sz="2800" dirty="0" smtClean="0"/>
+              <a:rPr lang="en-US" altLang="ko-KR" sz="2800" dirty="0"/>
               <a:t>stage</a:t>
             </a:r>
           </a:p>
           <a:p>
             <a:pPr algn="ctr"/>
-            <a:endParaRPr lang="en-US" altLang="ko-KR" sz="2800" dirty="0" smtClean="0"/>
+            <a:endParaRPr lang="en-US" altLang="ko-KR" sz="2800" dirty="0"/>
           </a:p>
         </p:txBody>
       </p:sp>
@@ -17166,13 +17935,6 @@
   <p:clrMapOvr>
     <a:masterClrMapping/>
   </p:clrMapOvr>
-  <p:timing>
-    <p:tnLst>
-      <p:par>
-        <p:cTn id="1" dur="indefinite" restart="never" nodeType="tmRoot"/>
-      </p:par>
-    </p:tnLst>
-  </p:timing>
 </p:sld>
 </file>
 
@@ -17240,25 +18002,25 @@
           <a:p>
             <a:pPr algn="ctr"/>
             <a:r>
-              <a:rPr lang="ko-KR" altLang="en-US" sz="2800" dirty="0" smtClean="0"/>
+              <a:rPr lang="ko-KR" altLang="en-US" sz="2800" dirty="0"/>
               <a:t>하나의</a:t>
             </a:r>
             <a:r>
-              <a:rPr lang="en-US" altLang="ko-KR" sz="2800" dirty="0" smtClean="0"/>
+              <a:rPr lang="en-US" altLang="ko-KR" sz="2800" dirty="0"/>
               <a:t> Fragment </a:t>
             </a:r>
             <a:r>
-              <a:rPr lang="ko-KR" altLang="en-US" sz="2800" dirty="0" smtClean="0"/>
+              <a:rPr lang="ko-KR" altLang="en-US" sz="2800" dirty="0"/>
               <a:t>단위로 처리되는 </a:t>
             </a:r>
             <a:r>
-              <a:rPr lang="en-US" altLang="ko-KR" sz="2800" dirty="0" smtClean="0"/>
+              <a:rPr lang="en-US" altLang="ko-KR" sz="2800" dirty="0"/>
               <a:t>stage</a:t>
             </a:r>
           </a:p>
           <a:p>
             <a:pPr algn="ctr"/>
-            <a:endParaRPr lang="en-US" altLang="ko-KR" sz="2800" dirty="0" smtClean="0"/>
+            <a:endParaRPr lang="en-US" altLang="ko-KR" sz="2800" dirty="0"/>
           </a:p>
         </p:txBody>
       </p:sp>
@@ -17297,7 +18059,7 @@
           <a:p>
             <a:pPr algn="ctr"/>
             <a:r>
-              <a:rPr lang="en-US" altLang="ko-KR" b="1" dirty="0" smtClean="0">
+              <a:rPr lang="en-US" altLang="ko-KR" b="1" dirty="0">
                 <a:effectLst>
                   <a:outerShdw blurRad="38100" dist="38100" dir="2700000" algn="tl">
                     <a:srgbClr val="000000">
@@ -17330,13 +18092,6 @@
   <p:clrMapOvr>
     <a:masterClrMapping/>
   </p:clrMapOvr>
-  <p:timing>
-    <p:tnLst>
-      <p:par>
-        <p:cTn id="1" dur="indefinite" restart="never" nodeType="tmRoot"/>
-      </p:par>
-    </p:tnLst>
-  </p:timing>
 </p:sld>
 </file>
 
@@ -17415,7 +18170,7 @@
           <a:p>
             <a:pPr algn="ctr"/>
             <a:r>
-              <a:rPr lang="en-US" altLang="ko-KR" b="1" dirty="0" smtClean="0">
+              <a:rPr lang="en-US" altLang="ko-KR" b="1" dirty="0">
                 <a:effectLst>
                   <a:outerShdw blurRad="38100" dist="38100" dir="2700000" algn="tl">
                     <a:srgbClr val="000000">
@@ -17462,18 +18217,17 @@
           <a:p>
             <a:pPr algn="ctr"/>
             <a:r>
-              <a:rPr lang="ko-KR" altLang="en-US" dirty="0" smtClean="0"/>
+              <a:rPr lang="ko-KR" altLang="en-US" dirty="0"/>
               <a:t>본</a:t>
             </a:r>
             <a:r>
-              <a:rPr lang="en-US" altLang="ko-KR" dirty="0" smtClean="0"/>
+              <a:rPr lang="en-US" altLang="ko-KR" dirty="0"/>
               <a:t> </a:t>
             </a:r>
             <a:r>
-              <a:rPr lang="ko-KR" altLang="en-US" dirty="0" smtClean="0"/>
+              <a:rPr lang="ko-KR" altLang="en-US" dirty="0"/>
               <a:t>강의에서는 다루지 않음</a:t>
             </a:r>
-            <a:endParaRPr lang="ko-KR" altLang="en-US" dirty="0"/>
           </a:p>
         </p:txBody>
       </p:sp>
@@ -17512,7 +18266,7 @@
           <a:p>
             <a:pPr algn="ctr"/>
             <a:r>
-              <a:rPr lang="en-US" altLang="ko-KR" b="1" dirty="0" smtClean="0">
+              <a:rPr lang="en-US" altLang="ko-KR" b="1" dirty="0">
                 <a:effectLst>
                   <a:outerShdw blurRad="38100" dist="38100" dir="2700000" algn="tl">
                     <a:srgbClr val="000000">
@@ -17545,13 +18299,6 @@
   <p:clrMapOvr>
     <a:masterClrMapping/>
   </p:clrMapOvr>
-  <p:timing>
-    <p:tnLst>
-      <p:par>
-        <p:cTn id="1" dur="indefinite" restart="never" nodeType="tmRoot"/>
-      </p:par>
-    </p:tnLst>
-  </p:timing>
 </p:sld>
 </file>
 
@@ -17611,22 +18358,21 @@
           <a:lstStyle/>
           <a:p>
             <a:r>
-              <a:rPr lang="en-US" altLang="ko-KR" dirty="0" smtClean="0"/>
+              <a:rPr lang="en-US" altLang="ko-KR" dirty="0"/>
               <a:t>C </a:t>
             </a:r>
             <a:r>
-              <a:rPr lang="ko-KR" altLang="en-US" dirty="0" smtClean="0"/>
+              <a:rPr lang="ko-KR" altLang="en-US" dirty="0"/>
               <a:t>프로그래밍</a:t>
             </a:r>
             <a:r>
-              <a:rPr lang="en-US" altLang="ko-KR" dirty="0" smtClean="0"/>
+              <a:rPr lang="en-US" altLang="ko-KR" dirty="0"/>
               <a:t> </a:t>
             </a:r>
             <a:r>
-              <a:rPr lang="ko-KR" altLang="en-US" dirty="0" smtClean="0"/>
+              <a:rPr lang="ko-KR" altLang="en-US" dirty="0"/>
               <a:t>형식</a:t>
             </a:r>
-            <a:endParaRPr lang="ko-KR" altLang="en-US" dirty="0"/>
           </a:p>
         </p:txBody>
       </p:sp>
@@ -17653,15 +18399,7 @@
           <a:p>
             <a:r>
               <a:rPr lang="en-US" altLang="ko-KR" dirty="0"/>
-              <a:t>#version </a:t>
-            </a:r>
-            <a:r>
-              <a:rPr lang="en-US" altLang="ko-KR" dirty="0" smtClean="0"/>
-              <a:t>450 </a:t>
-            </a:r>
-            <a:r>
-              <a:rPr lang="en-US" altLang="ko-KR" dirty="0" smtClean="0"/>
-              <a:t>core</a:t>
+              <a:t>#version 450 core</a:t>
             </a:r>
           </a:p>
           <a:p>
@@ -17672,42 +18410,30 @@
               <a:rPr lang="en-US" altLang="ko-KR" dirty="0"/>
               <a:t>void </a:t>
             </a:r>
-            <a:endParaRPr lang="en-US" altLang="ko-KR" dirty="0" smtClean="0"/>
-          </a:p>
-          <a:p>
-            <a:r>
-              <a:rPr lang="en-US" altLang="ko-KR" dirty="0" smtClean="0"/>
-              <a:t>main</a:t>
-            </a:r>
-            <a:r>
-              <a:rPr lang="en-US" altLang="ko-KR" dirty="0"/>
-              <a:t>() </a:t>
-            </a:r>
-            <a:endParaRPr lang="en-US" altLang="ko-KR" dirty="0" smtClean="0"/>
-          </a:p>
-          <a:p>
-            <a:r>
-              <a:rPr lang="en-US" altLang="ko-KR" dirty="0" smtClean="0"/>
+          </a:p>
+          <a:p>
+            <a:r>
+              <a:rPr lang="en-US" altLang="ko-KR" dirty="0"/>
+              <a:t>main() </a:t>
+            </a:r>
+          </a:p>
+          <a:p>
+            <a:r>
+              <a:rPr lang="en-US" altLang="ko-KR" dirty="0"/>
               <a:t>{ </a:t>
             </a:r>
           </a:p>
           <a:p>
             <a:r>
-              <a:rPr lang="en-US" altLang="ko-KR" dirty="0" smtClean="0"/>
-              <a:t>	// </a:t>
-            </a:r>
-            <a:r>
-              <a:rPr lang="en-US" altLang="ko-KR" dirty="0"/>
-              <a:t>Your code goes here </a:t>
-            </a:r>
-            <a:endParaRPr lang="en-US" altLang="ko-KR" dirty="0" smtClean="0"/>
-          </a:p>
-          <a:p>
-            <a:r>
-              <a:rPr lang="en-US" altLang="ko-KR" dirty="0" smtClean="0"/>
+              <a:rPr lang="en-US" altLang="ko-KR" dirty="0"/>
+              <a:t>	// Your code goes here </a:t>
+            </a:r>
+          </a:p>
+          <a:p>
+            <a:r>
+              <a:rPr lang="en-US" altLang="ko-KR" dirty="0"/>
               <a:t>}</a:t>
             </a:r>
-            <a:endParaRPr lang="en-US" altLang="ko-KR" dirty="0"/>
           </a:p>
         </p:txBody>
       </p:sp>
@@ -17762,13 +18488,6 @@
   <p:clrMapOvr>
     <a:masterClrMapping/>
   </p:clrMapOvr>
-  <p:timing>
-    <p:tnLst>
-      <p:par>
-        <p:cTn id="1" dur="indefinite" restart="never" nodeType="tmRoot"/>
-      </p:par>
-    </p:tnLst>
-  </p:timing>
 </p:sld>
 </file>
 
@@ -17828,7 +18547,7 @@
           <a:lstStyle/>
           <a:p>
             <a:r>
-              <a:rPr lang="en-US" altLang="ko-KR" dirty="0" smtClean="0"/>
+              <a:rPr lang="en-US" altLang="ko-KR" dirty="0"/>
               <a:t>Basic Types</a:t>
             </a:r>
             <a:endParaRPr lang="ko-KR" altLang="en-US" dirty="0"/>
@@ -17909,13 +18628,6 @@
   <p:clrMapOvr>
     <a:masterClrMapping/>
   </p:clrMapOvr>
-  <p:timing>
-    <p:tnLst>
-      <p:par>
-        <p:cTn id="1" dur="indefinite" restart="never" nodeType="tmRoot"/>
-      </p:par>
-    </p:tnLst>
-  </p:timing>
 </p:sld>
 </file>
 
@@ -18200,4 +18912,299 @@
   <a:objectDefaults/>
   <a:extraClrSchemeLst/>
 </a:theme>
+</file>
+
+<file path=ppt/theme/theme2.xml><?xml version="1.0" encoding="utf-8"?>
+<a:theme xmlns:a="http://schemas.openxmlformats.org/drawingml/2006/main" name="Office 테마">
+  <a:themeElements>
+    <a:clrScheme name="Office">
+      <a:dk1>
+        <a:sysClr val="windowText" lastClr="000000"/>
+      </a:dk1>
+      <a:lt1>
+        <a:sysClr val="window" lastClr="FFFFFF"/>
+      </a:lt1>
+      <a:dk2>
+        <a:srgbClr val="44546A"/>
+      </a:dk2>
+      <a:lt2>
+        <a:srgbClr val="E7E6E6"/>
+      </a:lt2>
+      <a:accent1>
+        <a:srgbClr val="4472C4"/>
+      </a:accent1>
+      <a:accent2>
+        <a:srgbClr val="ED7D31"/>
+      </a:accent2>
+      <a:accent3>
+        <a:srgbClr val="A5A5A5"/>
+      </a:accent3>
+      <a:accent4>
+        <a:srgbClr val="FFC000"/>
+      </a:accent4>
+      <a:accent5>
+        <a:srgbClr val="5B9BD5"/>
+      </a:accent5>
+      <a:accent6>
+        <a:srgbClr val="70AD47"/>
+      </a:accent6>
+      <a:hlink>
+        <a:srgbClr val="0563C1"/>
+      </a:hlink>
+      <a:folHlink>
+        <a:srgbClr val="954F72"/>
+      </a:folHlink>
+    </a:clrScheme>
+    <a:fontScheme name="Office">
+      <a:majorFont>
+        <a:latin typeface="맑은 고딕" panose="020F0302020204030204"/>
+        <a:ea typeface=""/>
+        <a:cs typeface=""/>
+        <a:font script="Jpan" typeface="游ゴシック Light"/>
+        <a:font script="Hang" typeface="맑은 고딕"/>
+        <a:font script="Hans" typeface="等线 Light"/>
+        <a:font script="Hant" typeface="新細明體"/>
+        <a:font script="Arab" typeface="Times New Roman"/>
+        <a:font script="Hebr" typeface="Times New Roman"/>
+        <a:font script="Thai" typeface="Angsana New"/>
+        <a:font script="Ethi" typeface="Nyala"/>
+        <a:font script="Beng" typeface="Vrinda"/>
+        <a:font script="Gujr" typeface="Shruti"/>
+        <a:font script="Khmr" typeface="MoolBoran"/>
+        <a:font script="Knda" typeface="Tunga"/>
+        <a:font script="Guru" typeface="Raavi"/>
+        <a:font script="Cans" typeface="Euphemia"/>
+        <a:font script="Cher" typeface="Plantagenet Cherokee"/>
+        <a:font script="Yiii" typeface="Microsoft Yi Baiti"/>
+        <a:font script="Tibt" typeface="Microsoft Himalaya"/>
+        <a:font script="Thaa" typeface="MV Boli"/>
+        <a:font script="Deva" typeface="Mangal"/>
+        <a:font script="Telu" typeface="Gautami"/>
+        <a:font script="Taml" typeface="Latha"/>
+        <a:font script="Syrc" typeface="Estrangelo Edessa"/>
+        <a:font script="Orya" typeface="Kalinga"/>
+        <a:font script="Mlym" typeface="Kartika"/>
+        <a:font script="Laoo" typeface="DokChampa"/>
+        <a:font script="Sinh" typeface="Iskoola Pota"/>
+        <a:font script="Mong" typeface="Mongolian Baiti"/>
+        <a:font script="Viet" typeface="Times New Roman"/>
+        <a:font script="Uigh" typeface="Microsoft Uighur"/>
+        <a:font script="Geor" typeface="Sylfaen"/>
+        <a:font script="Armn" typeface="Arial"/>
+        <a:font script="Bugi" typeface="Leelawadee UI"/>
+        <a:font script="Bopo" typeface="Microsoft JhengHei"/>
+        <a:font script="Java" typeface="Javanese Text"/>
+        <a:font script="Lisu" typeface="Segoe UI"/>
+        <a:font script="Mymr" typeface="Myanmar Text"/>
+        <a:font script="Nkoo" typeface="Ebrima"/>
+        <a:font script="Olck" typeface="Nirmala UI"/>
+        <a:font script="Osma" typeface="Ebrima"/>
+        <a:font script="Phag" typeface="Phagspa"/>
+        <a:font script="Syrn" typeface="Estrangelo Edessa"/>
+        <a:font script="Syrj" typeface="Estrangelo Edessa"/>
+        <a:font script="Syre" typeface="Estrangelo Edessa"/>
+        <a:font script="Sora" typeface="Nirmala UI"/>
+        <a:font script="Tale" typeface="Microsoft Tai Le"/>
+        <a:font script="Talu" typeface="Microsoft New Tai Lue"/>
+        <a:font script="Tfng" typeface="Ebrima"/>
+      </a:majorFont>
+      <a:minorFont>
+        <a:latin typeface="맑은 고딕" panose="020F0502020204030204"/>
+        <a:ea typeface=""/>
+        <a:cs typeface=""/>
+        <a:font script="Jpan" typeface="游ゴシック"/>
+        <a:font script="Hang" typeface="맑은 고딕"/>
+        <a:font script="Hans" typeface="等线"/>
+        <a:font script="Hant" typeface="新細明體"/>
+        <a:font script="Arab" typeface="Arial"/>
+        <a:font script="Hebr" typeface="Arial"/>
+        <a:font script="Thai" typeface="Cordia New"/>
+        <a:font script="Ethi" typeface="Nyala"/>
+        <a:font script="Beng" typeface="Vrinda"/>
+        <a:font script="Gujr" typeface="Shruti"/>
+        <a:font script="Khmr" typeface="DaunPenh"/>
+        <a:font script="Knda" typeface="Tunga"/>
+        <a:font script="Guru" typeface="Raavi"/>
+        <a:font script="Cans" typeface="Euphemia"/>
+        <a:font script="Cher" typeface="Plantagenet Cherokee"/>
+        <a:font script="Yiii" typeface="Microsoft Yi Baiti"/>
+        <a:font script="Tibt" typeface="Microsoft Himalaya"/>
+        <a:font script="Thaa" typeface="MV Boli"/>
+        <a:font script="Deva" typeface="Mangal"/>
+        <a:font script="Telu" typeface="Gautami"/>
+        <a:font script="Taml" typeface="Latha"/>
+        <a:font script="Syrc" typeface="Estrangelo Edessa"/>
+        <a:font script="Orya" typeface="Kalinga"/>
+        <a:font script="Mlym" typeface="Kartika"/>
+        <a:font script="Laoo" typeface="DokChampa"/>
+        <a:font script="Sinh" typeface="Iskoola Pota"/>
+        <a:font script="Mong" typeface="Mongolian Baiti"/>
+        <a:font script="Viet" typeface="Arial"/>
+        <a:font script="Uigh" typeface="Microsoft Uighur"/>
+        <a:font script="Geor" typeface="Sylfaen"/>
+        <a:font script="Armn" typeface="Arial"/>
+        <a:font script="Bugi" typeface="Leelawadee UI"/>
+        <a:font script="Bopo" typeface="Microsoft JhengHei"/>
+        <a:font script="Java" typeface="Javanese Text"/>
+        <a:font script="Lisu" typeface="Segoe UI"/>
+        <a:font script="Mymr" typeface="Myanmar Text"/>
+        <a:font script="Nkoo" typeface="Ebrima"/>
+        <a:font script="Olck" typeface="Nirmala UI"/>
+        <a:font script="Osma" typeface="Ebrima"/>
+        <a:font script="Phag" typeface="Phagspa"/>
+        <a:font script="Syrn" typeface="Estrangelo Edessa"/>
+        <a:font script="Syrj" typeface="Estrangelo Edessa"/>
+        <a:font script="Syre" typeface="Estrangelo Edessa"/>
+        <a:font script="Sora" typeface="Nirmala UI"/>
+        <a:font script="Tale" typeface="Microsoft Tai Le"/>
+        <a:font script="Talu" typeface="Microsoft New Tai Lue"/>
+        <a:font script="Tfng" typeface="Ebrima"/>
+      </a:minorFont>
+    </a:fontScheme>
+    <a:fmtScheme name="Office">
+      <a:fillStyleLst>
+        <a:solidFill>
+          <a:schemeClr val="phClr"/>
+        </a:solidFill>
+        <a:gradFill rotWithShape="1">
+          <a:gsLst>
+            <a:gs pos="0">
+              <a:schemeClr val="phClr">
+                <a:lumMod val="110000"/>
+                <a:satMod val="105000"/>
+                <a:tint val="67000"/>
+              </a:schemeClr>
+            </a:gs>
+            <a:gs pos="50000">
+              <a:schemeClr val="phClr">
+                <a:lumMod val="105000"/>
+                <a:satMod val="103000"/>
+                <a:tint val="73000"/>
+              </a:schemeClr>
+            </a:gs>
+            <a:gs pos="100000">
+              <a:schemeClr val="phClr">
+                <a:lumMod val="105000"/>
+                <a:satMod val="109000"/>
+                <a:tint val="81000"/>
+              </a:schemeClr>
+            </a:gs>
+          </a:gsLst>
+          <a:lin ang="5400000" scaled="0"/>
+        </a:gradFill>
+        <a:gradFill rotWithShape="1">
+          <a:gsLst>
+            <a:gs pos="0">
+              <a:schemeClr val="phClr">
+                <a:satMod val="103000"/>
+                <a:lumMod val="102000"/>
+                <a:tint val="94000"/>
+              </a:schemeClr>
+            </a:gs>
+            <a:gs pos="50000">
+              <a:schemeClr val="phClr">
+                <a:satMod val="110000"/>
+                <a:lumMod val="100000"/>
+                <a:shade val="100000"/>
+              </a:schemeClr>
+            </a:gs>
+            <a:gs pos="100000">
+              <a:schemeClr val="phClr">
+                <a:lumMod val="99000"/>
+                <a:satMod val="120000"/>
+                <a:shade val="78000"/>
+              </a:schemeClr>
+            </a:gs>
+          </a:gsLst>
+          <a:lin ang="5400000" scaled="0"/>
+        </a:gradFill>
+      </a:fillStyleLst>
+      <a:lnStyleLst>
+        <a:ln w="6350" cap="flat" cmpd="sng" algn="ctr">
+          <a:solidFill>
+            <a:schemeClr val="phClr"/>
+          </a:solidFill>
+          <a:prstDash val="solid"/>
+          <a:miter lim="800000"/>
+        </a:ln>
+        <a:ln w="12700" cap="flat" cmpd="sng" algn="ctr">
+          <a:solidFill>
+            <a:schemeClr val="phClr"/>
+          </a:solidFill>
+          <a:prstDash val="solid"/>
+          <a:miter lim="800000"/>
+        </a:ln>
+        <a:ln w="19050" cap="flat" cmpd="sng" algn="ctr">
+          <a:solidFill>
+            <a:schemeClr val="phClr"/>
+          </a:solidFill>
+          <a:prstDash val="solid"/>
+          <a:miter lim="800000"/>
+        </a:ln>
+      </a:lnStyleLst>
+      <a:effectStyleLst>
+        <a:effectStyle>
+          <a:effectLst/>
+        </a:effectStyle>
+        <a:effectStyle>
+          <a:effectLst/>
+        </a:effectStyle>
+        <a:effectStyle>
+          <a:effectLst>
+            <a:outerShdw blurRad="57150" dist="19050" dir="5400000" algn="ctr" rotWithShape="0">
+              <a:srgbClr val="000000">
+                <a:alpha val="63000"/>
+              </a:srgbClr>
+            </a:outerShdw>
+          </a:effectLst>
+        </a:effectStyle>
+      </a:effectStyleLst>
+      <a:bgFillStyleLst>
+        <a:solidFill>
+          <a:schemeClr val="phClr"/>
+        </a:solidFill>
+        <a:solidFill>
+          <a:schemeClr val="phClr">
+            <a:tint val="95000"/>
+            <a:satMod val="170000"/>
+          </a:schemeClr>
+        </a:solidFill>
+        <a:gradFill rotWithShape="1">
+          <a:gsLst>
+            <a:gs pos="0">
+              <a:schemeClr val="phClr">
+                <a:tint val="93000"/>
+                <a:satMod val="150000"/>
+                <a:shade val="98000"/>
+                <a:lumMod val="102000"/>
+              </a:schemeClr>
+            </a:gs>
+            <a:gs pos="50000">
+              <a:schemeClr val="phClr">
+                <a:tint val="98000"/>
+                <a:satMod val="130000"/>
+                <a:shade val="90000"/>
+                <a:lumMod val="103000"/>
+              </a:schemeClr>
+            </a:gs>
+            <a:gs pos="100000">
+              <a:schemeClr val="phClr">
+                <a:shade val="63000"/>
+                <a:satMod val="120000"/>
+              </a:schemeClr>
+            </a:gs>
+          </a:gsLst>
+          <a:lin ang="5400000" scaled="0"/>
+        </a:gradFill>
+      </a:bgFillStyleLst>
+    </a:fmtScheme>
+  </a:themeElements>
+  <a:objectDefaults/>
+  <a:extraClrSchemeLst/>
+  <a:extLst>
+    <a:ext uri="{05A4C25C-085E-4340-85A3-A5531E510DB2}">
+      <thm15:themeFamily xmlns:thm15="http://schemas.microsoft.com/office/thememl/2012/main" name="Office Theme" id="{62F939B6-93AF-4DB8-9C6B-D6C7DFDC589F}" vid="{4A3C46E8-61CC-4603-A589-7422A47A8E4A}"/>
+    </a:ext>
+  </a:extLst>
+</a:theme>
 </file>